--- a/backend/powerpoint/created_slides/test3.pptx
+++ b/backend/powerpoint/created_slides/test3.pptx
@@ -2,10 +2,13 @@
 <file path=ppt/presentation.xml><?xml version="1.0" encoding="utf-8"?>
 <p:presentation xmlns:a="http://schemas.openxmlformats.org/drawingml/2006/main" xmlns:r="http://schemas.openxmlformats.org/officeDocument/2006/relationships" xmlns:p="http://schemas.openxmlformats.org/presentationml/2006/main" saveSubsetFonts="1">
   <p:sldMasterIdLst>
-    <p:sldMasterId id="2147483660" r:id="rId1"/>
+    <p:sldMasterId id="2147483696" r:id="rId1"/>
   </p:sldMasterIdLst>
+  <p:notesMasterIdLst>
+    <p:notesMasterId r:id="rId3"/>
+  </p:notesMasterIdLst>
   <p:sldIdLst>
-    <p:sldId id="258" r:id="rId2"/>
+    <p:sldId id="257" r:id="rId2"/>
   </p:sldIdLst>
   <p:sldSz cx="12192000" cy="6858000"/>
   <p:notesSz cx="6858000" cy="9144000"/>
@@ -112,6 +115,355 @@
 </p:presentation>
 </file>
 
+<file path=ppt/notesMasters/notesMaster1.xml><?xml version="1.0" encoding="utf-8"?>
+<p:notesMaster xmlns:a="http://schemas.openxmlformats.org/drawingml/2006/main" xmlns:r="http://schemas.openxmlformats.org/officeDocument/2006/relationships" xmlns:p="http://schemas.openxmlformats.org/presentationml/2006/main">
+  <p:cSld>
+    <p:bg>
+      <p:bgRef idx="1001">
+        <a:schemeClr val="bg1"/>
+      </p:bgRef>
+    </p:bg>
+    <p:spTree>
+      <p:nvGrpSpPr>
+        <p:cNvPr id="1" name=""/>
+        <p:cNvGrpSpPr/>
+        <p:nvPr/>
+      </p:nvGrpSpPr>
+      <p:grpSpPr>
+        <a:xfrm>
+          <a:off x="0" y="0"/>
+          <a:ext cx="0" cy="0"/>
+          <a:chOff x="0" y="0"/>
+          <a:chExt cx="0" cy="0"/>
+        </a:xfrm>
+      </p:grpSpPr>
+      <p:sp>
+        <p:nvSpPr>
+          <p:cNvPr id="2" name="Header Placeholder 1"/>
+          <p:cNvSpPr>
+            <a:spLocks noGrp="1"/>
+          </p:cNvSpPr>
+          <p:nvPr>
+            <p:ph type="hdr" sz="quarter"/>
+          </p:nvPr>
+        </p:nvSpPr>
+        <p:spPr>
+          <a:xfrm>
+            <a:off x="0" y="0"/>
+            <a:ext cx="2971800" cy="458788"/>
+          </a:xfrm>
+          <a:prstGeom prst="rect">
+            <a:avLst/>
+          </a:prstGeom>
+        </p:spPr>
+        <p:txBody>
+          <a:bodyPr vert="horz" lIns="91440" tIns="45720" rIns="91440" bIns="45720" rtlCol="0"/>
+          <a:lstStyle>
+            <a:lvl1pPr algn="l">
+              <a:defRPr sz="1200"/>
+            </a:lvl1pPr>
+          </a:lstStyle>
+          <a:p>
+            <a:endParaRPr lang="en-GB"/>
+          </a:p>
+        </p:txBody>
+      </p:sp>
+      <p:sp>
+        <p:nvSpPr>
+          <p:cNvPr id="3" name="Date Placeholder 2"/>
+          <p:cNvSpPr>
+            <a:spLocks noGrp="1"/>
+          </p:cNvSpPr>
+          <p:nvPr>
+            <p:ph type="dt" idx="1"/>
+          </p:nvPr>
+        </p:nvSpPr>
+        <p:spPr>
+          <a:xfrm>
+            <a:off x="3884613" y="0"/>
+            <a:ext cx="2971800" cy="458788"/>
+          </a:xfrm>
+          <a:prstGeom prst="rect">
+            <a:avLst/>
+          </a:prstGeom>
+        </p:spPr>
+        <p:txBody>
+          <a:bodyPr vert="horz" lIns="91440" tIns="45720" rIns="91440" bIns="45720" rtlCol="0"/>
+          <a:lstStyle>
+            <a:lvl1pPr algn="r">
+              <a:defRPr sz="1200"/>
+            </a:lvl1pPr>
+          </a:lstStyle>
+          <a:p>
+            <a:fld id="{870CC9C5-3247-4881-93EA-827EC4A1B973}" type="datetimeFigureOut">
+              <a:rPr lang="en-GB" smtClean="0"/>
+              <a:t>14/02/2025</a:t>
+            </a:fld>
+            <a:endParaRPr lang="en-GB"/>
+          </a:p>
+        </p:txBody>
+      </p:sp>
+      <p:sp>
+        <p:nvSpPr>
+          <p:cNvPr id="4" name="Slide Image Placeholder 3"/>
+          <p:cNvSpPr>
+            <a:spLocks noGrp="1" noRot="1" noChangeAspect="1"/>
+          </p:cNvSpPr>
+          <p:nvPr>
+            <p:ph type="sldImg" idx="2"/>
+          </p:nvPr>
+        </p:nvSpPr>
+        <p:spPr>
+          <a:xfrm>
+            <a:off x="685800" y="1143000"/>
+            <a:ext cx="5486400" cy="3086100"/>
+          </a:xfrm>
+          <a:prstGeom prst="rect">
+            <a:avLst/>
+          </a:prstGeom>
+          <a:noFill/>
+          <a:ln w="12700">
+            <a:solidFill>
+              <a:prstClr val="black"/>
+            </a:solidFill>
+          </a:ln>
+        </p:spPr>
+        <p:txBody>
+          <a:bodyPr vert="horz" lIns="91440" tIns="45720" rIns="91440" bIns="45720" rtlCol="0" anchor="ctr"/>
+          <a:lstStyle/>
+          <a:p>
+            <a:endParaRPr lang="en-GB"/>
+          </a:p>
+        </p:txBody>
+      </p:sp>
+      <p:sp>
+        <p:nvSpPr>
+          <p:cNvPr id="5" name="Notes Placeholder 4"/>
+          <p:cNvSpPr>
+            <a:spLocks noGrp="1"/>
+          </p:cNvSpPr>
+          <p:nvPr>
+            <p:ph type="body" sz="quarter" idx="3"/>
+          </p:nvPr>
+        </p:nvSpPr>
+        <p:spPr>
+          <a:xfrm>
+            <a:off x="685800" y="4400550"/>
+            <a:ext cx="5486400" cy="3600450"/>
+          </a:xfrm>
+          <a:prstGeom prst="rect">
+            <a:avLst/>
+          </a:prstGeom>
+        </p:spPr>
+        <p:txBody>
+          <a:bodyPr vert="horz" lIns="91440" tIns="45720" rIns="91440" bIns="45720" rtlCol="0"/>
+          <a:lstStyle/>
+          <a:p>
+            <a:pPr lvl="0"/>
+            <a:r>
+              <a:rPr lang="en-GB"/>
+              <a:t>Click to edit Master text styles</a:t>
+            </a:r>
+          </a:p>
+          <a:p>
+            <a:pPr lvl="1"/>
+            <a:r>
+              <a:rPr lang="en-GB"/>
+              <a:t>Second level</a:t>
+            </a:r>
+          </a:p>
+          <a:p>
+            <a:pPr lvl="2"/>
+            <a:r>
+              <a:rPr lang="en-GB"/>
+              <a:t>Third level</a:t>
+            </a:r>
+          </a:p>
+          <a:p>
+            <a:pPr lvl="3"/>
+            <a:r>
+              <a:rPr lang="en-GB"/>
+              <a:t>Fourth level</a:t>
+            </a:r>
+          </a:p>
+          <a:p>
+            <a:pPr lvl="4"/>
+            <a:r>
+              <a:rPr lang="en-GB"/>
+              <a:t>Fifth level</a:t>
+            </a:r>
+          </a:p>
+        </p:txBody>
+      </p:sp>
+      <p:sp>
+        <p:nvSpPr>
+          <p:cNvPr id="6" name="Footer Placeholder 5"/>
+          <p:cNvSpPr>
+            <a:spLocks noGrp="1"/>
+          </p:cNvSpPr>
+          <p:nvPr>
+            <p:ph type="ftr" sz="quarter" idx="4"/>
+          </p:nvPr>
+        </p:nvSpPr>
+        <p:spPr>
+          <a:xfrm>
+            <a:off x="0" y="8685213"/>
+            <a:ext cx="2971800" cy="458787"/>
+          </a:xfrm>
+          <a:prstGeom prst="rect">
+            <a:avLst/>
+          </a:prstGeom>
+        </p:spPr>
+        <p:txBody>
+          <a:bodyPr vert="horz" lIns="91440" tIns="45720" rIns="91440" bIns="45720" rtlCol="0" anchor="b"/>
+          <a:lstStyle>
+            <a:lvl1pPr algn="l">
+              <a:defRPr sz="1200"/>
+            </a:lvl1pPr>
+          </a:lstStyle>
+          <a:p>
+            <a:endParaRPr lang="en-GB"/>
+          </a:p>
+        </p:txBody>
+      </p:sp>
+      <p:sp>
+        <p:nvSpPr>
+          <p:cNvPr id="7" name="Slide Number Placeholder 6"/>
+          <p:cNvSpPr>
+            <a:spLocks noGrp="1"/>
+          </p:cNvSpPr>
+          <p:nvPr>
+            <p:ph type="sldNum" sz="quarter" idx="5"/>
+          </p:nvPr>
+        </p:nvSpPr>
+        <p:spPr>
+          <a:xfrm>
+            <a:off x="3884613" y="8685213"/>
+            <a:ext cx="2971800" cy="458787"/>
+          </a:xfrm>
+          <a:prstGeom prst="rect">
+            <a:avLst/>
+          </a:prstGeom>
+        </p:spPr>
+        <p:txBody>
+          <a:bodyPr vert="horz" lIns="91440" tIns="45720" rIns="91440" bIns="45720" rtlCol="0" anchor="b"/>
+          <a:lstStyle>
+            <a:lvl1pPr algn="r">
+              <a:defRPr sz="1200"/>
+            </a:lvl1pPr>
+          </a:lstStyle>
+          <a:p>
+            <a:fld id="{499EAAA0-C581-4DA3-9E16-75E19C04F896}" type="slidenum">
+              <a:rPr lang="en-GB" smtClean="0"/>
+              <a:t>‹#›</a:t>
+            </a:fld>
+            <a:endParaRPr lang="en-GB"/>
+          </a:p>
+        </p:txBody>
+      </p:sp>
+    </p:spTree>
+    <p:extLst>
+      <p:ext uri="{BB962C8B-B14F-4D97-AF65-F5344CB8AC3E}">
+        <p14:creationId xmlns:p14="http://schemas.microsoft.com/office/powerpoint/2010/main" val="2722841247"/>
+      </p:ext>
+    </p:extLst>
+  </p:cSld>
+  <p:clrMap bg1="lt1" tx1="dk1" bg2="lt2" tx2="dk2" accent1="accent1" accent2="accent2" accent3="accent3" accent4="accent4" accent5="accent5" accent6="accent6" hlink="hlink" folHlink="folHlink"/>
+  <p:notesStyle>
+    <a:lvl1pPr marL="0" algn="l" defTabSz="914400" rtl="0" eaLnBrk="1" latinLnBrk="0" hangingPunct="1">
+      <a:defRPr sz="1200" kern="1200">
+        <a:solidFill>
+          <a:schemeClr val="tx1"/>
+        </a:solidFill>
+        <a:latin typeface="+mn-lt"/>
+        <a:ea typeface="+mn-ea"/>
+        <a:cs typeface="+mn-cs"/>
+      </a:defRPr>
+    </a:lvl1pPr>
+    <a:lvl2pPr marL="457200" algn="l" defTabSz="914400" rtl="0" eaLnBrk="1" latinLnBrk="0" hangingPunct="1">
+      <a:defRPr sz="1200" kern="1200">
+        <a:solidFill>
+          <a:schemeClr val="tx1"/>
+        </a:solidFill>
+        <a:latin typeface="+mn-lt"/>
+        <a:ea typeface="+mn-ea"/>
+        <a:cs typeface="+mn-cs"/>
+      </a:defRPr>
+    </a:lvl2pPr>
+    <a:lvl3pPr marL="914400" algn="l" defTabSz="914400" rtl="0" eaLnBrk="1" latinLnBrk="0" hangingPunct="1">
+      <a:defRPr sz="1200" kern="1200">
+        <a:solidFill>
+          <a:schemeClr val="tx1"/>
+        </a:solidFill>
+        <a:latin typeface="+mn-lt"/>
+        <a:ea typeface="+mn-ea"/>
+        <a:cs typeface="+mn-cs"/>
+      </a:defRPr>
+    </a:lvl3pPr>
+    <a:lvl4pPr marL="1371600" algn="l" defTabSz="914400" rtl="0" eaLnBrk="1" latinLnBrk="0" hangingPunct="1">
+      <a:defRPr sz="1200" kern="1200">
+        <a:solidFill>
+          <a:schemeClr val="tx1"/>
+        </a:solidFill>
+        <a:latin typeface="+mn-lt"/>
+        <a:ea typeface="+mn-ea"/>
+        <a:cs typeface="+mn-cs"/>
+      </a:defRPr>
+    </a:lvl4pPr>
+    <a:lvl5pPr marL="1828800" algn="l" defTabSz="914400" rtl="0" eaLnBrk="1" latinLnBrk="0" hangingPunct="1">
+      <a:defRPr sz="1200" kern="1200">
+        <a:solidFill>
+          <a:schemeClr val="tx1"/>
+        </a:solidFill>
+        <a:latin typeface="+mn-lt"/>
+        <a:ea typeface="+mn-ea"/>
+        <a:cs typeface="+mn-cs"/>
+      </a:defRPr>
+    </a:lvl5pPr>
+    <a:lvl6pPr marL="2286000" algn="l" defTabSz="914400" rtl="0" eaLnBrk="1" latinLnBrk="0" hangingPunct="1">
+      <a:defRPr sz="1200" kern="1200">
+        <a:solidFill>
+          <a:schemeClr val="tx1"/>
+        </a:solidFill>
+        <a:latin typeface="+mn-lt"/>
+        <a:ea typeface="+mn-ea"/>
+        <a:cs typeface="+mn-cs"/>
+      </a:defRPr>
+    </a:lvl6pPr>
+    <a:lvl7pPr marL="2743200" algn="l" defTabSz="914400" rtl="0" eaLnBrk="1" latinLnBrk="0" hangingPunct="1">
+      <a:defRPr sz="1200" kern="1200">
+        <a:solidFill>
+          <a:schemeClr val="tx1"/>
+        </a:solidFill>
+        <a:latin typeface="+mn-lt"/>
+        <a:ea typeface="+mn-ea"/>
+        <a:cs typeface="+mn-cs"/>
+      </a:defRPr>
+    </a:lvl7pPr>
+    <a:lvl8pPr marL="3200400" algn="l" defTabSz="914400" rtl="0" eaLnBrk="1" latinLnBrk="0" hangingPunct="1">
+      <a:defRPr sz="1200" kern="1200">
+        <a:solidFill>
+          <a:schemeClr val="tx1"/>
+        </a:solidFill>
+        <a:latin typeface="+mn-lt"/>
+        <a:ea typeface="+mn-ea"/>
+        <a:cs typeface="+mn-cs"/>
+      </a:defRPr>
+    </a:lvl8pPr>
+    <a:lvl9pPr marL="3657600" algn="l" defTabSz="914400" rtl="0" eaLnBrk="1" latinLnBrk="0" hangingPunct="1">
+      <a:defRPr sz="1200" kern="1200">
+        <a:solidFill>
+          <a:schemeClr val="tx1"/>
+        </a:solidFill>
+        <a:latin typeface="+mn-lt"/>
+        <a:ea typeface="+mn-ea"/>
+        <a:cs typeface="+mn-cs"/>
+      </a:defRPr>
+    </a:lvl9pPr>
+  </p:notesStyle>
+</p:notesMaster>
+</file>
+
 <file path=ppt/slideLayouts/slideLayout1.xml><?xml version="1.0" encoding="utf-8"?>
 <p:sldLayout xmlns:a="http://schemas.openxmlformats.org/drawingml/2006/main" xmlns:r="http://schemas.openxmlformats.org/officeDocument/2006/relationships" xmlns:p="http://schemas.openxmlformats.org/presentationml/2006/main" type="title" preserve="1">
   <p:cSld name="Title Slide">
@@ -141,15 +493,49 @@
         </p:nvSpPr>
         <p:spPr>
           <a:xfrm>
-            <a:off x="1154955" y="1447800"/>
-            <a:ext cx="8825658" cy="3329581"/>
+            <a:off x="2209800" y="4464028"/>
+            <a:ext cx="9144000" cy="1641490"/>
           </a:xfrm>
         </p:spPr>
         <p:txBody>
-          <a:bodyPr anchor="b"/>
+          <a:bodyPr wrap="none" anchor="t">
+            <a:normAutofit/>
+          </a:bodyPr>
           <a:lstStyle>
-            <a:lvl1pPr>
-              <a:defRPr sz="7200"/>
+            <a:lvl1pPr algn="r">
+              <a:defRPr sz="9600" b="0" spc="-300">
+                <a:gradFill flip="none" rotWithShape="1">
+                  <a:gsLst>
+                    <a:gs pos="32000">
+                      <a:schemeClr val="tx1">
+                        <a:lumMod val="89000"/>
+                      </a:schemeClr>
+                    </a:gs>
+                    <a:gs pos="0">
+                      <a:schemeClr val="bg1">
+                        <a:lumMod val="41000"/>
+                        <a:lumOff val="59000"/>
+                      </a:schemeClr>
+                    </a:gs>
+                    <a:gs pos="100000">
+                      <a:schemeClr val="tx2">
+                        <a:lumMod val="0"/>
+                        <a:lumOff val="100000"/>
+                      </a:schemeClr>
+                    </a:gs>
+                  </a:gsLst>
+                  <a:lin ang="8100000" scaled="1"/>
+                  <a:tileRect/>
+                </a:gradFill>
+                <a:effectLst>
+                  <a:outerShdw blurRad="469900" dist="342900" dir="5400000" sy="-20000" rotWithShape="0">
+                    <a:prstClr val="black">
+                      <a:alpha val="66000"/>
+                    </a:prstClr>
+                  </a:outerShdw>
+                </a:effectLst>
+                <a:latin typeface="+mj-lt"/>
+              </a:defRPr>
             </a:lvl1pPr>
           </a:lstStyle>
           <a:p>
@@ -173,103 +559,79 @@
         </p:nvSpPr>
         <p:spPr>
           <a:xfrm>
-            <a:off x="1154955" y="4777380"/>
-            <a:ext cx="8825658" cy="861420"/>
+            <a:off x="2209799" y="3694375"/>
+            <a:ext cx="9144000" cy="754025"/>
           </a:xfrm>
         </p:spPr>
         <p:txBody>
-          <a:bodyPr anchor="t"/>
+          <a:bodyPr anchor="b">
+            <a:normAutofit/>
+          </a:bodyPr>
           <a:lstStyle>
-            <a:lvl1pPr marL="0" indent="0" algn="l">
-              <a:buNone/>
-              <a:defRPr cap="all">
-                <a:solidFill>
-                  <a:schemeClr val="bg2">
-                    <a:lumMod val="40000"/>
-                    <a:lumOff val="60000"/>
-                  </a:schemeClr>
-                </a:solidFill>
+            <a:lvl1pPr marL="0" indent="0" algn="r">
+              <a:buNone/>
+              <a:defRPr sz="3200" b="0">
+                <a:gradFill flip="none" rotWithShape="1">
+                  <a:gsLst>
+                    <a:gs pos="15000">
+                      <a:schemeClr val="tx2"/>
+                    </a:gs>
+                    <a:gs pos="73000">
+                      <a:schemeClr val="tx2">
+                        <a:lumMod val="60000"/>
+                        <a:lumOff val="40000"/>
+                      </a:schemeClr>
+                    </a:gs>
+                    <a:gs pos="0">
+                      <a:schemeClr val="tx2">
+                        <a:lumMod val="90000"/>
+                        <a:lumOff val="10000"/>
+                      </a:schemeClr>
+                    </a:gs>
+                    <a:gs pos="100000">
+                      <a:schemeClr val="tx2">
+                        <a:lumMod val="0"/>
+                        <a:lumOff val="100000"/>
+                      </a:schemeClr>
+                    </a:gs>
+                  </a:gsLst>
+                  <a:lin ang="16200000" scaled="1"/>
+                  <a:tileRect/>
+                </a:gradFill>
+                <a:latin typeface="+mj-lt"/>
               </a:defRPr>
             </a:lvl1pPr>
             <a:lvl2pPr marL="457200" indent="0" algn="ctr">
               <a:buNone/>
-              <a:defRPr>
-                <a:solidFill>
-                  <a:schemeClr val="tx1">
-                    <a:tint val="75000"/>
-                  </a:schemeClr>
-                </a:solidFill>
-              </a:defRPr>
+              <a:defRPr sz="2000"/>
             </a:lvl2pPr>
             <a:lvl3pPr marL="914400" indent="0" algn="ctr">
               <a:buNone/>
-              <a:defRPr>
-                <a:solidFill>
-                  <a:schemeClr val="tx1">
-                    <a:tint val="75000"/>
-                  </a:schemeClr>
-                </a:solidFill>
-              </a:defRPr>
+              <a:defRPr sz="1800"/>
             </a:lvl3pPr>
             <a:lvl4pPr marL="1371600" indent="0" algn="ctr">
               <a:buNone/>
-              <a:defRPr>
-                <a:solidFill>
-                  <a:schemeClr val="tx1">
-                    <a:tint val="75000"/>
-                  </a:schemeClr>
-                </a:solidFill>
-              </a:defRPr>
+              <a:defRPr sz="1600"/>
             </a:lvl4pPr>
             <a:lvl5pPr marL="1828800" indent="0" algn="ctr">
               <a:buNone/>
-              <a:defRPr>
-                <a:solidFill>
-                  <a:schemeClr val="tx1">
-                    <a:tint val="75000"/>
-                  </a:schemeClr>
-                </a:solidFill>
-              </a:defRPr>
+              <a:defRPr sz="1600"/>
             </a:lvl5pPr>
             <a:lvl6pPr marL="2286000" indent="0" algn="ctr">
               <a:buNone/>
-              <a:defRPr>
-                <a:solidFill>
-                  <a:schemeClr val="tx1">
-                    <a:tint val="75000"/>
-                  </a:schemeClr>
-                </a:solidFill>
-              </a:defRPr>
+              <a:defRPr sz="1600"/>
             </a:lvl6pPr>
             <a:lvl7pPr marL="2743200" indent="0" algn="ctr">
               <a:buNone/>
-              <a:defRPr>
-                <a:solidFill>
-                  <a:schemeClr val="tx1">
-                    <a:tint val="75000"/>
-                  </a:schemeClr>
-                </a:solidFill>
-              </a:defRPr>
+              <a:defRPr sz="1600"/>
             </a:lvl7pPr>
             <a:lvl8pPr marL="3200400" indent="0" algn="ctr">
               <a:buNone/>
-              <a:defRPr>
-                <a:solidFill>
-                  <a:schemeClr val="tx1">
-                    <a:tint val="75000"/>
-                  </a:schemeClr>
-                </a:solidFill>
-              </a:defRPr>
+              <a:defRPr sz="1600"/>
             </a:lvl8pPr>
             <a:lvl9pPr marL="3657600" indent="0" algn="ctr">
               <a:buNone/>
-              <a:defRPr>
-                <a:solidFill>
-                  <a:schemeClr val="tx1">
-                    <a:tint val="75000"/>
-                  </a:schemeClr>
-                </a:solidFill>
-              </a:defRPr>
+              <a:defRPr sz="1600"/>
             </a:lvl9pPr>
           </a:lstStyle>
           <a:p>
@@ -283,7 +645,7 @@
       </p:sp>
       <p:sp>
         <p:nvSpPr>
-          <p:cNvPr id="4" name="Date Placeholder 3"/>
+          <p:cNvPr id="7" name="Date Placeholder 6"/>
           <p:cNvSpPr>
             <a:spLocks noGrp="1"/>
           </p:cNvSpPr>
@@ -296,9 +658,9 @@
           <a:bodyPr/>
           <a:lstStyle/>
           <a:p>
-            <a:fld id="{1415355B-2634-4E66-91F0-41971C44CBA6}" type="datetimeFigureOut">
+            <a:fld id="{FEBFF904-F2FC-44B1-B43E-CB1CA4DC4CA9}" type="datetime1">
               <a:rPr lang="en-GB" smtClean="0"/>
-              <a:t>13/02/2025</a:t>
+              <a:t>14/02/2025</a:t>
             </a:fld>
             <a:endParaRPr lang="en-GB"/>
           </a:p>
@@ -306,7 +668,7 @@
       </p:sp>
       <p:sp>
         <p:nvSpPr>
-          <p:cNvPr id="5" name="Footer Placeholder 4"/>
+          <p:cNvPr id="8" name="Footer Placeholder 7"/>
           <p:cNvSpPr>
             <a:spLocks noGrp="1"/>
           </p:cNvSpPr>
@@ -325,7 +687,7 @@
       </p:sp>
       <p:sp>
         <p:nvSpPr>
-          <p:cNvPr id="6" name="Slide Number Placeholder 5"/>
+          <p:cNvPr id="9" name="Slide Number Placeholder 8"/>
           <p:cNvSpPr>
             <a:spLocks noGrp="1"/>
           </p:cNvSpPr>
@@ -338,7 +700,7 @@
           <a:bodyPr/>
           <a:lstStyle/>
           <a:p>
-            <a:fld id="{2FA82579-086B-42C5-A211-27F08592B2BA}" type="slidenum">
+            <a:fld id="{96950E0E-C370-4070-8987-06868BC61B00}" type="slidenum">
               <a:rPr lang="en-GB" smtClean="0"/>
               <a:t>‹#›</a:t>
             </a:fld>
@@ -349,7 +711,7 @@
     </p:spTree>
     <p:extLst>
       <p:ext uri="{BB962C8B-B14F-4D97-AF65-F5344CB8AC3E}">
-        <p14:creationId xmlns:p14="http://schemas.microsoft.com/office/powerpoint/2010/main" val="2412008634"/>
+        <p14:creationId xmlns:p14="http://schemas.microsoft.com/office/powerpoint/2010/main" val="2756643630"/>
       </p:ext>
     </p:extLst>
   </p:cSld>
@@ -388,17 +750,15 @@
         </p:nvSpPr>
         <p:spPr>
           <a:xfrm>
-            <a:off x="1154956" y="4800587"/>
-            <a:ext cx="8825657" cy="566738"/>
+            <a:off x="839788" y="4367160"/>
+            <a:ext cx="10515600" cy="819355"/>
           </a:xfrm>
         </p:spPr>
         <p:txBody>
-          <a:bodyPr anchor="b">
-            <a:normAutofit/>
-          </a:bodyPr>
+          <a:bodyPr anchor="b"/>
           <a:lstStyle>
-            <a:lvl1pPr algn="l">
-              <a:defRPr sz="2400" b="0"/>
+            <a:lvl1pPr>
+              <a:defRPr sz="3200"/>
             </a:lvl1pPr>
           </a:lstStyle>
           <a:p>
@@ -422,62 +782,48 @@
         </p:nvSpPr>
         <p:spPr>
           <a:xfrm>
-            <a:off x="1154955" y="685800"/>
-            <a:ext cx="8825658" cy="3640666"/>
+            <a:off x="839788" y="987425"/>
+            <a:ext cx="10515600" cy="3379735"/>
           </a:xfrm>
-          <a:prstGeom prst="roundRect">
-            <a:avLst>
-              <a:gd name="adj" fmla="val 1858"/>
-            </a:avLst>
-          </a:prstGeom>
-          <a:effectLst>
-            <a:outerShdw blurRad="50800" dist="50800" dir="5400000" algn="tl" rotWithShape="0">
-              <a:srgbClr val="000000">
-                <a:alpha val="43000"/>
-              </a:srgbClr>
-            </a:outerShdw>
-          </a:effectLst>
         </p:spPr>
         <p:txBody>
-          <a:bodyPr anchor="t">
-            <a:normAutofit/>
-          </a:bodyPr>
+          <a:bodyPr anchor="t"/>
           <a:lstStyle>
-            <a:lvl1pPr marL="0" indent="0" algn="ctr">
-              <a:buNone/>
-              <a:defRPr sz="1600"/>
+            <a:lvl1pPr marL="0" indent="0">
+              <a:buNone/>
+              <a:defRPr sz="3200"/>
             </a:lvl1pPr>
             <a:lvl2pPr marL="457200" indent="0">
               <a:buNone/>
-              <a:defRPr sz="1600"/>
+              <a:defRPr sz="2800"/>
             </a:lvl2pPr>
             <a:lvl3pPr marL="914400" indent="0">
               <a:buNone/>
-              <a:defRPr sz="1600"/>
+              <a:defRPr sz="2400"/>
             </a:lvl3pPr>
             <a:lvl4pPr marL="1371600" indent="0">
               <a:buNone/>
-              <a:defRPr sz="1600"/>
+              <a:defRPr sz="2000"/>
             </a:lvl4pPr>
             <a:lvl5pPr marL="1828800" indent="0">
               <a:buNone/>
-              <a:defRPr sz="1600"/>
+              <a:defRPr sz="2000"/>
             </a:lvl5pPr>
             <a:lvl6pPr marL="2286000" indent="0">
               <a:buNone/>
-              <a:defRPr sz="1600"/>
+              <a:defRPr sz="2000"/>
             </a:lvl6pPr>
             <a:lvl7pPr marL="2743200" indent="0">
               <a:buNone/>
-              <a:defRPr sz="1600"/>
+              <a:defRPr sz="2000"/>
             </a:lvl7pPr>
             <a:lvl8pPr marL="3200400" indent="0">
               <a:buNone/>
-              <a:defRPr sz="1600"/>
+              <a:defRPr sz="2000"/>
             </a:lvl8pPr>
             <a:lvl9pPr marL="3657600" indent="0">
               <a:buNone/>
-              <a:defRPr sz="1600"/>
+              <a:defRPr sz="2000"/>
             </a:lvl9pPr>
           </a:lstStyle>
           <a:p>
@@ -501,50 +847,72 @@
         </p:nvSpPr>
         <p:spPr>
           <a:xfrm>
-            <a:off x="1154956" y="5367325"/>
-            <a:ext cx="8825656" cy="493712"/>
+            <a:off x="839788" y="5186516"/>
+            <a:ext cx="10514012" cy="682472"/>
           </a:xfrm>
         </p:spPr>
         <p:txBody>
-          <a:bodyPr>
-            <a:normAutofit/>
-          </a:bodyPr>
+          <a:bodyPr/>
           <a:lstStyle>
             <a:lvl1pPr marL="0" indent="0">
               <a:buNone/>
-              <a:defRPr sz="1200"/>
+              <a:defRPr sz="1600">
+                <a:gradFill>
+                  <a:gsLst>
+                    <a:gs pos="15000">
+                      <a:schemeClr val="tx2"/>
+                    </a:gs>
+                    <a:gs pos="73000">
+                      <a:schemeClr val="tx2">
+                        <a:lumMod val="60000"/>
+                        <a:lumOff val="40000"/>
+                      </a:schemeClr>
+                    </a:gs>
+                    <a:gs pos="0">
+                      <a:schemeClr val="tx1"/>
+                    </a:gs>
+                    <a:gs pos="100000">
+                      <a:schemeClr val="tx2">
+                        <a:lumMod val="0"/>
+                        <a:lumOff val="100000"/>
+                      </a:schemeClr>
+                    </a:gs>
+                  </a:gsLst>
+                  <a:lin ang="16200000" scaled="1"/>
+                </a:gradFill>
+              </a:defRPr>
             </a:lvl1pPr>
             <a:lvl2pPr marL="457200" indent="0">
               <a:buNone/>
-              <a:defRPr sz="1200"/>
+              <a:defRPr sz="1400"/>
             </a:lvl2pPr>
             <a:lvl3pPr marL="914400" indent="0">
               <a:buNone/>
-              <a:defRPr sz="1000"/>
+              <a:defRPr sz="1200"/>
             </a:lvl3pPr>
             <a:lvl4pPr marL="1371600" indent="0">
               <a:buNone/>
-              <a:defRPr sz="900"/>
+              <a:defRPr sz="1000"/>
             </a:lvl4pPr>
             <a:lvl5pPr marL="1828800" indent="0">
               <a:buNone/>
-              <a:defRPr sz="900"/>
+              <a:defRPr sz="1000"/>
             </a:lvl5pPr>
             <a:lvl6pPr marL="2286000" indent="0">
               <a:buNone/>
-              <a:defRPr sz="900"/>
+              <a:defRPr sz="1000"/>
             </a:lvl6pPr>
             <a:lvl7pPr marL="2743200" indent="0">
               <a:buNone/>
-              <a:defRPr sz="900"/>
+              <a:defRPr sz="1000"/>
             </a:lvl7pPr>
             <a:lvl8pPr marL="3200400" indent="0">
               <a:buNone/>
-              <a:defRPr sz="900"/>
+              <a:defRPr sz="1000"/>
             </a:lvl8pPr>
             <a:lvl9pPr marL="3657600" indent="0">
               <a:buNone/>
-              <a:defRPr sz="900"/>
+              <a:defRPr sz="1000"/>
             </a:lvl9pPr>
           </a:lstStyle>
           <a:p>
@@ -571,9 +939,9 @@
           <a:bodyPr/>
           <a:lstStyle/>
           <a:p>
-            <a:fld id="{1415355B-2634-4E66-91F0-41971C44CBA6}" type="datetimeFigureOut">
+            <a:fld id="{3B192CD6-5CA0-4FE4-BECD-124F6938392F}" type="datetime1">
               <a:rPr lang="en-GB" smtClean="0"/>
-              <a:t>13/02/2025</a:t>
+              <a:t>14/02/2025</a:t>
             </a:fld>
             <a:endParaRPr lang="en-GB"/>
           </a:p>
@@ -613,7 +981,7 @@
           <a:bodyPr/>
           <a:lstStyle/>
           <a:p>
-            <a:fld id="{2FA82579-086B-42C5-A211-27F08592B2BA}" type="slidenum">
+            <a:fld id="{96950E0E-C370-4070-8987-06868BC61B00}" type="slidenum">
               <a:rPr lang="en-GB" smtClean="0"/>
               <a:t>‹#›</a:t>
             </a:fld>
@@ -624,7 +992,7 @@
     </p:spTree>
     <p:extLst>
       <p:ext uri="{BB962C8B-B14F-4D97-AF65-F5344CB8AC3E}">
-        <p14:creationId xmlns:p14="http://schemas.microsoft.com/office/powerpoint/2010/main" val="3246938826"/>
+        <p14:creationId xmlns:p14="http://schemas.microsoft.com/office/powerpoint/2010/main" val="3767775568"/>
       </p:ext>
     </p:extLst>
   </p:cSld>
@@ -663,15 +1031,15 @@
         </p:nvSpPr>
         <p:spPr>
           <a:xfrm>
-            <a:off x="1154954" y="1447800"/>
-            <a:ext cx="8825659" cy="1981200"/>
+            <a:off x="839788" y="365125"/>
+            <a:ext cx="10515600" cy="3534344"/>
           </a:xfrm>
         </p:spPr>
         <p:txBody>
-          <a:bodyPr/>
+          <a:bodyPr anchor="ctr"/>
           <a:lstStyle>
             <a:lvl1pPr>
-              <a:defRPr sz="4800"/>
+              <a:defRPr sz="3200"/>
             </a:lvl1pPr>
           </a:lstStyle>
           <a:p>
@@ -685,7 +1053,7 @@
       </p:sp>
       <p:sp>
         <p:nvSpPr>
-          <p:cNvPr id="8" name="Text Placeholder 3"/>
+          <p:cNvPr id="4" name="Text Placeholder 3"/>
           <p:cNvSpPr>
             <a:spLocks noGrp="1"/>
           </p:cNvSpPr>
@@ -695,50 +1063,48 @@
         </p:nvSpPr>
         <p:spPr>
           <a:xfrm>
-            <a:off x="1154954" y="3657600"/>
-            <a:ext cx="8825659" cy="2362200"/>
+            <a:off x="839788" y="4489399"/>
+            <a:ext cx="10514012" cy="1501826"/>
           </a:xfrm>
         </p:spPr>
         <p:txBody>
-          <a:bodyPr anchor="ctr">
-            <a:normAutofit/>
-          </a:bodyPr>
+          <a:bodyPr anchor="ctr"/>
           <a:lstStyle>
             <a:lvl1pPr marL="0" indent="0">
               <a:buNone/>
-              <a:defRPr sz="1800"/>
+              <a:defRPr sz="1600"/>
             </a:lvl1pPr>
             <a:lvl2pPr marL="457200" indent="0">
               <a:buNone/>
-              <a:defRPr sz="1200"/>
+              <a:defRPr sz="1400"/>
             </a:lvl2pPr>
             <a:lvl3pPr marL="914400" indent="0">
               <a:buNone/>
-              <a:defRPr sz="1000"/>
+              <a:defRPr sz="1200"/>
             </a:lvl3pPr>
             <a:lvl4pPr marL="1371600" indent="0">
               <a:buNone/>
-              <a:defRPr sz="900"/>
+              <a:defRPr sz="1000"/>
             </a:lvl4pPr>
             <a:lvl5pPr marL="1828800" indent="0">
               <a:buNone/>
-              <a:defRPr sz="900"/>
+              <a:defRPr sz="1000"/>
             </a:lvl5pPr>
             <a:lvl6pPr marL="2286000" indent="0">
               <a:buNone/>
-              <a:defRPr sz="900"/>
+              <a:defRPr sz="1000"/>
             </a:lvl6pPr>
             <a:lvl7pPr marL="2743200" indent="0">
               <a:buNone/>
-              <a:defRPr sz="900"/>
+              <a:defRPr sz="1000"/>
             </a:lvl7pPr>
             <a:lvl8pPr marL="3200400" indent="0">
               <a:buNone/>
-              <a:defRPr sz="900"/>
+              <a:defRPr sz="1000"/>
             </a:lvl8pPr>
             <a:lvl9pPr marL="3657600" indent="0">
               <a:buNone/>
-              <a:defRPr sz="900"/>
+              <a:defRPr sz="1000"/>
             </a:lvl9pPr>
           </a:lstStyle>
           <a:p>
@@ -752,7 +1118,7 @@
       </p:sp>
       <p:sp>
         <p:nvSpPr>
-          <p:cNvPr id="4" name="Date Placeholder 3"/>
+          <p:cNvPr id="5" name="Date Placeholder 4"/>
           <p:cNvSpPr>
             <a:spLocks noGrp="1"/>
           </p:cNvSpPr>
@@ -765,9 +1131,9 @@
           <a:bodyPr/>
           <a:lstStyle/>
           <a:p>
-            <a:fld id="{1415355B-2634-4E66-91F0-41971C44CBA6}" type="datetimeFigureOut">
+            <a:fld id="{FBEF7C8E-40FA-48A5-A31D-4409170EAF57}" type="datetime1">
               <a:rPr lang="en-GB" smtClean="0"/>
-              <a:t>13/02/2025</a:t>
+              <a:t>14/02/2025</a:t>
             </a:fld>
             <a:endParaRPr lang="en-GB"/>
           </a:p>
@@ -775,7 +1141,7 @@
       </p:sp>
       <p:sp>
         <p:nvSpPr>
-          <p:cNvPr id="5" name="Footer Placeholder 4"/>
+          <p:cNvPr id="6" name="Footer Placeholder 5"/>
           <p:cNvSpPr>
             <a:spLocks noGrp="1"/>
           </p:cNvSpPr>
@@ -794,7 +1160,7 @@
       </p:sp>
       <p:sp>
         <p:nvSpPr>
-          <p:cNvPr id="6" name="Slide Number Placeholder 5"/>
+          <p:cNvPr id="7" name="Slide Number Placeholder 6"/>
           <p:cNvSpPr>
             <a:spLocks noGrp="1"/>
           </p:cNvSpPr>
@@ -807,7 +1173,7 @@
           <a:bodyPr/>
           <a:lstStyle/>
           <a:p>
-            <a:fld id="{2FA82579-086B-42C5-A211-27F08592B2BA}" type="slidenum">
+            <a:fld id="{96950E0E-C370-4070-8987-06868BC61B00}" type="slidenum">
               <a:rPr lang="en-GB" smtClean="0"/>
               <a:t>‹#›</a:t>
             </a:fld>
@@ -818,7 +1184,7 @@
     </p:spTree>
     <p:extLst>
       <p:ext uri="{BB962C8B-B14F-4D97-AF65-F5344CB8AC3E}">
-        <p14:creationId xmlns:p14="http://schemas.microsoft.com/office/powerpoint/2010/main" val="2089605229"/>
+        <p14:creationId xmlns:p14="http://schemas.microsoft.com/office/powerpoint/2010/main" val="346031654"/>
       </p:ext>
     </p:extLst>
   </p:cSld>
@@ -857,15 +1223,15 @@
         </p:nvSpPr>
         <p:spPr>
           <a:xfrm>
-            <a:off x="1574801" y="1447800"/>
-            <a:ext cx="7999315" cy="2323374"/>
+            <a:off x="1446212" y="365125"/>
+            <a:ext cx="9302752" cy="2992904"/>
           </a:xfrm>
         </p:spPr>
         <p:txBody>
-          <a:bodyPr/>
+          <a:bodyPr anchor="ctr"/>
           <a:lstStyle>
             <a:lvl1pPr>
-              <a:defRPr sz="4800"/>
+              <a:defRPr sz="4400"/>
             </a:lvl1pPr>
           </a:lstStyle>
           <a:p>
@@ -879,76 +1245,64 @@
       </p:sp>
       <p:sp>
         <p:nvSpPr>
-          <p:cNvPr id="11" name="Text Placeholder 3"/>
-          <p:cNvSpPr>
-            <a:spLocks noGrp="1"/>
-          </p:cNvSpPr>
-          <p:nvPr>
-            <p:ph type="body" sz="half" idx="14"/>
+          <p:cNvPr id="12" name="Text Placeholder 3"/>
+          <p:cNvSpPr>
+            <a:spLocks noGrp="1"/>
+          </p:cNvSpPr>
+          <p:nvPr>
+            <p:ph type="body" sz="half" idx="13"/>
           </p:nvPr>
         </p:nvSpPr>
         <p:spPr>
           <a:xfrm>
-            <a:off x="1930400" y="3771174"/>
-            <a:ext cx="7279649" cy="342174"/>
+            <a:off x="1720644" y="3365557"/>
+            <a:ext cx="8752299" cy="548968"/>
           </a:xfrm>
         </p:spPr>
         <p:txBody>
-          <a:bodyPr vert="horz" lIns="91440" tIns="45720" rIns="91440" bIns="45720" rtlCol="0" anchor="t">
+          <a:bodyPr anchor="t">
             <a:normAutofit/>
           </a:bodyPr>
           <a:lstStyle>
             <a:lvl1pPr marL="0" indent="0">
               <a:buNone/>
-              <a:defRPr lang="en-US" sz="1400" b="0" i="0" kern="1200" cap="small" dirty="0">
-                <a:solidFill>
-                  <a:schemeClr val="bg2">
-                    <a:lumMod val="40000"/>
-                    <a:lumOff val="60000"/>
-                  </a:schemeClr>
-                </a:solidFill>
-                <a:latin typeface="+mj-lt"/>
-                <a:ea typeface="+mj-ea"/>
-                <a:cs typeface="+mj-cs"/>
-              </a:defRPr>
+              <a:defRPr sz="1400"/>
             </a:lvl1pPr>
             <a:lvl2pPr marL="457200" indent="0">
               <a:buNone/>
-              <a:defRPr sz="1200"/>
+              <a:defRPr sz="1400"/>
             </a:lvl2pPr>
             <a:lvl3pPr marL="914400" indent="0">
               <a:buNone/>
-              <a:defRPr sz="1000"/>
+              <a:defRPr sz="1200"/>
             </a:lvl3pPr>
             <a:lvl4pPr marL="1371600" indent="0">
               <a:buNone/>
-              <a:defRPr sz="900"/>
+              <a:defRPr sz="1000"/>
             </a:lvl4pPr>
             <a:lvl5pPr marL="1828800" indent="0">
               <a:buNone/>
-              <a:defRPr sz="900"/>
+              <a:defRPr sz="1000"/>
             </a:lvl5pPr>
             <a:lvl6pPr marL="2286000" indent="0">
               <a:buNone/>
-              <a:defRPr sz="900"/>
+              <a:defRPr sz="1000"/>
             </a:lvl6pPr>
             <a:lvl7pPr marL="2743200" indent="0">
               <a:buNone/>
-              <a:defRPr sz="900"/>
+              <a:defRPr sz="1000"/>
             </a:lvl7pPr>
             <a:lvl8pPr marL="3200400" indent="0">
               <a:buNone/>
-              <a:defRPr sz="900"/>
+              <a:defRPr sz="1000"/>
             </a:lvl8pPr>
             <a:lvl9pPr marL="3657600" indent="0">
               <a:buNone/>
-              <a:defRPr sz="900"/>
+              <a:defRPr sz="1000"/>
             </a:lvl9pPr>
           </a:lstStyle>
           <a:p>
-            <a:pPr marL="0" lvl="0" indent="0">
-              <a:buNone/>
-            </a:pPr>
+            <a:pPr lvl="0"/>
             <a:r>
               <a:rPr lang="en-GB"/>
               <a:t>Click to edit Master text styles</a:t>
@@ -958,7 +1312,7 @@
       </p:sp>
       <p:sp>
         <p:nvSpPr>
-          <p:cNvPr id="10" name="Text Placeholder 3"/>
+          <p:cNvPr id="4" name="Text Placeholder 3"/>
           <p:cNvSpPr>
             <a:spLocks noGrp="1"/>
           </p:cNvSpPr>
@@ -968,8 +1322,8 @@
         </p:nvSpPr>
         <p:spPr>
           <a:xfrm>
-            <a:off x="1154954" y="4350657"/>
-            <a:ext cx="8825659" cy="1676400"/>
+            <a:off x="838200" y="4501729"/>
+            <a:ext cx="10512424" cy="1489496"/>
           </a:xfrm>
         </p:spPr>
         <p:txBody>
@@ -979,39 +1333,39 @@
           <a:lstStyle>
             <a:lvl1pPr marL="0" indent="0">
               <a:buNone/>
-              <a:defRPr sz="1800"/>
+              <a:defRPr sz="1600"/>
             </a:lvl1pPr>
             <a:lvl2pPr marL="457200" indent="0">
               <a:buNone/>
-              <a:defRPr sz="1200"/>
+              <a:defRPr sz="1400"/>
             </a:lvl2pPr>
             <a:lvl3pPr marL="914400" indent="0">
               <a:buNone/>
-              <a:defRPr sz="1000"/>
+              <a:defRPr sz="1200"/>
             </a:lvl3pPr>
             <a:lvl4pPr marL="1371600" indent="0">
               <a:buNone/>
-              <a:defRPr sz="900"/>
+              <a:defRPr sz="1000"/>
             </a:lvl4pPr>
             <a:lvl5pPr marL="1828800" indent="0">
               <a:buNone/>
-              <a:defRPr sz="900"/>
+              <a:defRPr sz="1000"/>
             </a:lvl5pPr>
             <a:lvl6pPr marL="2286000" indent="0">
               <a:buNone/>
-              <a:defRPr sz="900"/>
+              <a:defRPr sz="1000"/>
             </a:lvl6pPr>
             <a:lvl7pPr marL="2743200" indent="0">
               <a:buNone/>
-              <a:defRPr sz="900"/>
+              <a:defRPr sz="1000"/>
             </a:lvl7pPr>
             <a:lvl8pPr marL="3200400" indent="0">
               <a:buNone/>
-              <a:defRPr sz="900"/>
+              <a:defRPr sz="1000"/>
             </a:lvl8pPr>
             <a:lvl9pPr marL="3657600" indent="0">
               <a:buNone/>
-              <a:defRPr sz="900"/>
+              <a:defRPr sz="1000"/>
             </a:lvl9pPr>
           </a:lstStyle>
           <a:p>
@@ -1025,7 +1379,7 @@
       </p:sp>
       <p:sp>
         <p:nvSpPr>
-          <p:cNvPr id="4" name="Date Placeholder 3"/>
+          <p:cNvPr id="5" name="Date Placeholder 4"/>
           <p:cNvSpPr>
             <a:spLocks noGrp="1"/>
           </p:cNvSpPr>
@@ -1038,9 +1392,9 @@
           <a:bodyPr/>
           <a:lstStyle/>
           <a:p>
-            <a:fld id="{1415355B-2634-4E66-91F0-41971C44CBA6}" type="datetimeFigureOut">
+            <a:fld id="{1778426D-CFCF-477A-BFB2-E5C3A81B9699}" type="datetime1">
               <a:rPr lang="en-GB" smtClean="0"/>
-              <a:t>13/02/2025</a:t>
+              <a:t>14/02/2025</a:t>
             </a:fld>
             <a:endParaRPr lang="en-GB"/>
           </a:p>
@@ -1048,7 +1402,7 @@
       </p:sp>
       <p:sp>
         <p:nvSpPr>
-          <p:cNvPr id="5" name="Footer Placeholder 4"/>
+          <p:cNvPr id="6" name="Footer Placeholder 5"/>
           <p:cNvSpPr>
             <a:spLocks noGrp="1"/>
           </p:cNvSpPr>
@@ -1067,7 +1421,7 @@
       </p:sp>
       <p:sp>
         <p:nvSpPr>
-          <p:cNvPr id="6" name="Slide Number Placeholder 5"/>
+          <p:cNvPr id="7" name="Slide Number Placeholder 6"/>
           <p:cNvSpPr>
             <a:spLocks noGrp="1"/>
           </p:cNvSpPr>
@@ -1080,7 +1434,7 @@
           <a:bodyPr/>
           <a:lstStyle/>
           <a:p>
-            <a:fld id="{2FA82579-086B-42C5-A211-27F08592B2BA}" type="slidenum">
+            <a:fld id="{96950E0E-C370-4070-8987-06868BC61B00}" type="slidenum">
               <a:rPr lang="en-GB" smtClean="0"/>
               <a:t>‹#›</a:t>
             </a:fld>
@@ -1090,46 +1444,115 @@
       </p:sp>
       <p:sp>
         <p:nvSpPr>
-          <p:cNvPr id="12" name="TextBox 11"/>
+          <p:cNvPr id="9" name="TextBox 8"/>
           <p:cNvSpPr txBox="1"/>
           <p:nvPr/>
         </p:nvSpPr>
         <p:spPr>
           <a:xfrm>
-            <a:off x="898295" y="971253"/>
-            <a:ext cx="801912" cy="1969770"/>
+            <a:off x="1111044" y="786824"/>
+            <a:ext cx="609600" cy="584776"/>
           </a:xfrm>
           <a:prstGeom prst="rect">
             <a:avLst/>
           </a:prstGeom>
-          <a:noFill/>
         </p:spPr>
         <p:txBody>
-          <a:bodyPr wrap="square" rtlCol="0">
-            <a:spAutoFit/>
+          <a:bodyPr vert="horz" lIns="91440" tIns="45720" rIns="91440" bIns="45720" rtlCol="0" anchor="ctr">
+            <a:noAutofit/>
           </a:bodyPr>
           <a:lstStyle>
-            <a:defPPr>
-              <a:defRPr lang="en-US"/>
-            </a:defPPr>
-            <a:lvl1pPr algn="r">
-              <a:defRPr sz="12200" b="0" i="0">
-                <a:solidFill>
-                  <a:schemeClr val="bg2">
-                    <a:lumMod val="40000"/>
-                    <a:lumOff val="60000"/>
-                  </a:schemeClr>
-                </a:solidFill>
-                <a:latin typeface="Arial"/>
-                <a:ea typeface="+mj-ea"/>
-                <a:cs typeface="+mj-cs"/>
+            <a:lvl1pPr>
+              <a:spcBef>
+                <a:spcPct val="0"/>
+              </a:spcBef>
+              <a:buNone/>
+              <a:defRPr sz="3200" b="0" cap="all">
+                <a:ln w="3175" cmpd="sng">
+                  <a:noFill/>
+                </a:ln>
+                <a:effectLst>
+                  <a:glow rad="38100">
+                    <a:schemeClr val="bg1">
+                      <a:lumMod val="65000"/>
+                      <a:lumOff val="35000"/>
+                      <a:alpha val="40000"/>
+                    </a:schemeClr>
+                  </a:glow>
+                  <a:outerShdw blurRad="28575" dist="38100" dir="14040000" algn="tl" rotWithShape="0">
+                    <a:srgbClr val="000000">
+                      <a:alpha val="25000"/>
+                    </a:srgbClr>
+                  </a:outerShdw>
+                </a:effectLst>
               </a:defRPr>
             </a:lvl1pPr>
+            <a:lvl2pPr>
+              <a:defRPr>
+                <a:solidFill>
+                  <a:schemeClr val="tx2"/>
+                </a:solidFill>
+              </a:defRPr>
+            </a:lvl2pPr>
+            <a:lvl3pPr>
+              <a:defRPr>
+                <a:solidFill>
+                  <a:schemeClr val="tx2"/>
+                </a:solidFill>
+              </a:defRPr>
+            </a:lvl3pPr>
+            <a:lvl4pPr>
+              <a:defRPr>
+                <a:solidFill>
+                  <a:schemeClr val="tx2"/>
+                </a:solidFill>
+              </a:defRPr>
+            </a:lvl4pPr>
+            <a:lvl5pPr>
+              <a:defRPr>
+                <a:solidFill>
+                  <a:schemeClr val="tx2"/>
+                </a:solidFill>
+              </a:defRPr>
+            </a:lvl5pPr>
+            <a:lvl6pPr>
+              <a:defRPr>
+                <a:solidFill>
+                  <a:schemeClr val="tx2"/>
+                </a:solidFill>
+              </a:defRPr>
+            </a:lvl6pPr>
+            <a:lvl7pPr>
+              <a:defRPr>
+                <a:solidFill>
+                  <a:schemeClr val="tx2"/>
+                </a:solidFill>
+              </a:defRPr>
+            </a:lvl7pPr>
+            <a:lvl8pPr>
+              <a:defRPr>
+                <a:solidFill>
+                  <a:schemeClr val="tx2"/>
+                </a:solidFill>
+              </a:defRPr>
+            </a:lvl8pPr>
+            <a:lvl9pPr>
+              <a:defRPr>
+                <a:solidFill>
+                  <a:schemeClr val="tx2"/>
+                </a:solidFill>
+              </a:defRPr>
+            </a:lvl9pPr>
           </a:lstStyle>
           <a:p>
             <a:pPr lvl="0"/>
             <a:r>
-              <a:rPr lang="en-US" dirty="0"/>
+              <a:rPr lang="en-US" sz="8000" dirty="0">
+                <a:solidFill>
+                  <a:schemeClr val="tx1"/>
+                </a:solidFill>
+                <a:effectLst/>
+              </a:rPr>
               <a:t>“</a:t>
             </a:r>
           </a:p>
@@ -1137,46 +1560,115 @@
       </p:sp>
       <p:sp>
         <p:nvSpPr>
-          <p:cNvPr id="15" name="TextBox 14"/>
+          <p:cNvPr id="10" name="TextBox 9"/>
           <p:cNvSpPr txBox="1"/>
           <p:nvPr/>
         </p:nvSpPr>
         <p:spPr>
           <a:xfrm>
-            <a:off x="9330490" y="2613787"/>
-            <a:ext cx="801912" cy="1969770"/>
+            <a:off x="10437812" y="2743200"/>
+            <a:ext cx="609600" cy="584776"/>
           </a:xfrm>
           <a:prstGeom prst="rect">
             <a:avLst/>
           </a:prstGeom>
-          <a:noFill/>
         </p:spPr>
         <p:txBody>
-          <a:bodyPr wrap="square" rtlCol="0">
-            <a:spAutoFit/>
+          <a:bodyPr vert="horz" lIns="91440" tIns="45720" rIns="91440" bIns="45720" rtlCol="0" anchor="ctr">
+            <a:noAutofit/>
           </a:bodyPr>
           <a:lstStyle>
-            <a:defPPr>
-              <a:defRPr lang="en-US"/>
-            </a:defPPr>
-            <a:lvl1pPr algn="r">
-              <a:defRPr sz="12200" b="0" i="0">
-                <a:solidFill>
-                  <a:schemeClr val="bg2">
-                    <a:lumMod val="40000"/>
-                    <a:lumOff val="60000"/>
-                  </a:schemeClr>
-                </a:solidFill>
-                <a:latin typeface="Arial"/>
-                <a:ea typeface="+mj-ea"/>
-                <a:cs typeface="+mj-cs"/>
+            <a:lvl1pPr>
+              <a:spcBef>
+                <a:spcPct val="0"/>
+              </a:spcBef>
+              <a:buNone/>
+              <a:defRPr sz="3200" b="0" cap="all">
+                <a:ln w="3175" cmpd="sng">
+                  <a:noFill/>
+                </a:ln>
+                <a:effectLst>
+                  <a:glow rad="38100">
+                    <a:schemeClr val="bg1">
+                      <a:lumMod val="65000"/>
+                      <a:lumOff val="35000"/>
+                      <a:alpha val="40000"/>
+                    </a:schemeClr>
+                  </a:glow>
+                  <a:outerShdw blurRad="28575" dist="38100" dir="14040000" algn="tl" rotWithShape="0">
+                    <a:srgbClr val="000000">
+                      <a:alpha val="25000"/>
+                    </a:srgbClr>
+                  </a:outerShdw>
+                </a:effectLst>
               </a:defRPr>
             </a:lvl1pPr>
+            <a:lvl2pPr>
+              <a:defRPr>
+                <a:solidFill>
+                  <a:schemeClr val="tx2"/>
+                </a:solidFill>
+              </a:defRPr>
+            </a:lvl2pPr>
+            <a:lvl3pPr>
+              <a:defRPr>
+                <a:solidFill>
+                  <a:schemeClr val="tx2"/>
+                </a:solidFill>
+              </a:defRPr>
+            </a:lvl3pPr>
+            <a:lvl4pPr>
+              <a:defRPr>
+                <a:solidFill>
+                  <a:schemeClr val="tx2"/>
+                </a:solidFill>
+              </a:defRPr>
+            </a:lvl4pPr>
+            <a:lvl5pPr>
+              <a:defRPr>
+                <a:solidFill>
+                  <a:schemeClr val="tx2"/>
+                </a:solidFill>
+              </a:defRPr>
+            </a:lvl5pPr>
+            <a:lvl6pPr>
+              <a:defRPr>
+                <a:solidFill>
+                  <a:schemeClr val="tx2"/>
+                </a:solidFill>
+              </a:defRPr>
+            </a:lvl6pPr>
+            <a:lvl7pPr>
+              <a:defRPr>
+                <a:solidFill>
+                  <a:schemeClr val="tx2"/>
+                </a:solidFill>
+              </a:defRPr>
+            </a:lvl7pPr>
+            <a:lvl8pPr>
+              <a:defRPr>
+                <a:solidFill>
+                  <a:schemeClr val="tx2"/>
+                </a:solidFill>
+              </a:defRPr>
+            </a:lvl8pPr>
+            <a:lvl9pPr>
+              <a:defRPr>
+                <a:solidFill>
+                  <a:schemeClr val="tx2"/>
+                </a:solidFill>
+              </a:defRPr>
+            </a:lvl9pPr>
           </a:lstStyle>
           <a:p>
-            <a:pPr lvl="0"/>
-            <a:r>
-              <a:rPr lang="en-US" dirty="0"/>
+            <a:pPr lvl="0" algn="r"/>
+            <a:r>
+              <a:rPr lang="en-US" sz="8000" dirty="0">
+                <a:solidFill>
+                  <a:schemeClr val="tx1"/>
+                </a:solidFill>
+                <a:effectLst/>
+              </a:rPr>
               <a:t>”</a:t>
             </a:r>
           </a:p>
@@ -1185,7 +1677,7 @@
     </p:spTree>
     <p:extLst>
       <p:ext uri="{BB962C8B-B14F-4D97-AF65-F5344CB8AC3E}">
-        <p14:creationId xmlns:p14="http://schemas.microsoft.com/office/powerpoint/2010/main" val="2193989766"/>
+        <p14:creationId xmlns:p14="http://schemas.microsoft.com/office/powerpoint/2010/main" val="3133213296"/>
       </p:ext>
     </p:extLst>
   </p:cSld>
@@ -1224,15 +1716,17 @@
         </p:nvSpPr>
         <p:spPr>
           <a:xfrm>
-            <a:off x="1154954" y="3124201"/>
-            <a:ext cx="8825660" cy="1653180"/>
+            <a:off x="839788" y="2326967"/>
+            <a:ext cx="10515600" cy="2511835"/>
           </a:xfrm>
         </p:spPr>
         <p:txBody>
-          <a:bodyPr anchor="b"/>
+          <a:bodyPr anchor="b">
+            <a:normAutofit/>
+          </a:bodyPr>
           <a:lstStyle>
-            <a:lvl1pPr algn="l">
-              <a:defRPr sz="4000" b="0" cap="none"/>
+            <a:lvl1pPr>
+              <a:defRPr sz="5400"/>
             </a:lvl1pPr>
           </a:lstStyle>
           <a:p>
@@ -1246,113 +1740,58 @@
       </p:sp>
       <p:sp>
         <p:nvSpPr>
-          <p:cNvPr id="3" name="Text Placeholder 2"/>
-          <p:cNvSpPr>
-            <a:spLocks noGrp="1"/>
-          </p:cNvSpPr>
-          <p:nvPr>
-            <p:ph type="body" idx="1"/>
+          <p:cNvPr id="4" name="Text Placeholder 3"/>
+          <p:cNvSpPr>
+            <a:spLocks noGrp="1"/>
+          </p:cNvSpPr>
+          <p:nvPr>
+            <p:ph type="body" sz="half" idx="2"/>
           </p:nvPr>
         </p:nvSpPr>
         <p:spPr>
           <a:xfrm>
-            <a:off x="1154954" y="4777381"/>
-            <a:ext cx="8825659" cy="860400"/>
+            <a:off x="839788" y="4850581"/>
+            <a:ext cx="10514012" cy="1140644"/>
           </a:xfrm>
         </p:spPr>
         <p:txBody>
           <a:bodyPr anchor="t"/>
           <a:lstStyle>
-            <a:lvl1pPr marL="0" indent="0" algn="l">
-              <a:buNone/>
-              <a:defRPr sz="2000" cap="none">
-                <a:solidFill>
-                  <a:schemeClr val="bg2">
-                    <a:lumMod val="40000"/>
-                    <a:lumOff val="60000"/>
-                  </a:schemeClr>
-                </a:solidFill>
-              </a:defRPr>
+            <a:lvl1pPr marL="0" indent="0">
+              <a:buNone/>
+              <a:defRPr sz="1600"/>
             </a:lvl1pPr>
             <a:lvl2pPr marL="457200" indent="0">
               <a:buNone/>
-              <a:defRPr sz="1800">
-                <a:solidFill>
-                  <a:schemeClr val="tx1">
-                    <a:tint val="75000"/>
-                  </a:schemeClr>
-                </a:solidFill>
-              </a:defRPr>
+              <a:defRPr sz="1400"/>
             </a:lvl2pPr>
             <a:lvl3pPr marL="914400" indent="0">
               <a:buNone/>
-              <a:defRPr sz="1600">
-                <a:solidFill>
-                  <a:schemeClr val="tx1">
-                    <a:tint val="75000"/>
-                  </a:schemeClr>
-                </a:solidFill>
-              </a:defRPr>
+              <a:defRPr sz="1200"/>
             </a:lvl3pPr>
             <a:lvl4pPr marL="1371600" indent="0">
               <a:buNone/>
-              <a:defRPr sz="1400">
-                <a:solidFill>
-                  <a:schemeClr val="tx1">
-                    <a:tint val="75000"/>
-                  </a:schemeClr>
-                </a:solidFill>
-              </a:defRPr>
+              <a:defRPr sz="1000"/>
             </a:lvl4pPr>
             <a:lvl5pPr marL="1828800" indent="0">
               <a:buNone/>
-              <a:defRPr sz="1400">
-                <a:solidFill>
-                  <a:schemeClr val="tx1">
-                    <a:tint val="75000"/>
-                  </a:schemeClr>
-                </a:solidFill>
-              </a:defRPr>
+              <a:defRPr sz="1000"/>
             </a:lvl5pPr>
             <a:lvl6pPr marL="2286000" indent="0">
               <a:buNone/>
-              <a:defRPr sz="1400">
-                <a:solidFill>
-                  <a:schemeClr val="tx1">
-                    <a:tint val="75000"/>
-                  </a:schemeClr>
-                </a:solidFill>
-              </a:defRPr>
+              <a:defRPr sz="1000"/>
             </a:lvl6pPr>
             <a:lvl7pPr marL="2743200" indent="0">
               <a:buNone/>
-              <a:defRPr sz="1400">
-                <a:solidFill>
-                  <a:schemeClr val="tx1">
-                    <a:tint val="75000"/>
-                  </a:schemeClr>
-                </a:solidFill>
-              </a:defRPr>
+              <a:defRPr sz="1000"/>
             </a:lvl7pPr>
             <a:lvl8pPr marL="3200400" indent="0">
               <a:buNone/>
-              <a:defRPr sz="1400">
-                <a:solidFill>
-                  <a:schemeClr val="tx1">
-                    <a:tint val="75000"/>
-                  </a:schemeClr>
-                </a:solidFill>
-              </a:defRPr>
+              <a:defRPr sz="1000"/>
             </a:lvl8pPr>
             <a:lvl9pPr marL="3657600" indent="0">
               <a:buNone/>
-              <a:defRPr sz="1400">
-                <a:solidFill>
-                  <a:schemeClr val="tx1">
-                    <a:tint val="75000"/>
-                  </a:schemeClr>
-                </a:solidFill>
-              </a:defRPr>
+              <a:defRPr sz="1000"/>
             </a:lvl9pPr>
           </a:lstStyle>
           <a:p>
@@ -1366,7 +1805,7 @@
       </p:sp>
       <p:sp>
         <p:nvSpPr>
-          <p:cNvPr id="4" name="Date Placeholder 3"/>
+          <p:cNvPr id="5" name="Date Placeholder 4"/>
           <p:cNvSpPr>
             <a:spLocks noGrp="1"/>
           </p:cNvSpPr>
@@ -1379,9 +1818,9 @@
           <a:bodyPr/>
           <a:lstStyle/>
           <a:p>
-            <a:fld id="{1415355B-2634-4E66-91F0-41971C44CBA6}" type="datetimeFigureOut">
+            <a:fld id="{562F7DCD-054A-46B6-969D-786A70B73437}" type="datetime1">
               <a:rPr lang="en-GB" smtClean="0"/>
-              <a:t>13/02/2025</a:t>
+              <a:t>14/02/2025</a:t>
             </a:fld>
             <a:endParaRPr lang="en-GB"/>
           </a:p>
@@ -1389,7 +1828,7 @@
       </p:sp>
       <p:sp>
         <p:nvSpPr>
-          <p:cNvPr id="5" name="Footer Placeholder 4"/>
+          <p:cNvPr id="6" name="Footer Placeholder 5"/>
           <p:cNvSpPr>
             <a:spLocks noGrp="1"/>
           </p:cNvSpPr>
@@ -1408,7 +1847,7 @@
       </p:sp>
       <p:sp>
         <p:nvSpPr>
-          <p:cNvPr id="6" name="Slide Number Placeholder 5"/>
+          <p:cNvPr id="7" name="Slide Number Placeholder 6"/>
           <p:cNvSpPr>
             <a:spLocks noGrp="1"/>
           </p:cNvSpPr>
@@ -1421,7 +1860,7 @@
           <a:bodyPr/>
           <a:lstStyle/>
           <a:p>
-            <a:fld id="{2FA82579-086B-42C5-A211-27F08592B2BA}" type="slidenum">
+            <a:fld id="{96950E0E-C370-4070-8987-06868BC61B00}" type="slidenum">
               <a:rPr lang="en-GB" smtClean="0"/>
               <a:t>‹#›</a:t>
             </a:fld>
@@ -1432,7 +1871,7 @@
     </p:spTree>
     <p:extLst>
       <p:ext uri="{BB962C8B-B14F-4D97-AF65-F5344CB8AC3E}">
-        <p14:creationId xmlns:p14="http://schemas.microsoft.com/office/powerpoint/2010/main" val="2001782896"/>
+        <p14:creationId xmlns:p14="http://schemas.microsoft.com/office/powerpoint/2010/main" val="1434663592"/>
       </p:ext>
     </p:extLst>
   </p:cSld>
@@ -1461,44 +1900,45 @@
       </p:grpSpPr>
       <p:sp>
         <p:nvSpPr>
-          <p:cNvPr id="2" name="Title 1"/>
+          <p:cNvPr id="15" name="Title 1"/>
           <p:cNvSpPr>
             <a:spLocks noGrp="1"/>
           </p:cNvSpPr>
           <p:nvPr>
             <p:ph type="title"/>
-          </p:nvPr>
-        </p:nvSpPr>
-        <p:spPr/>
-        <p:txBody>
-          <a:bodyPr/>
-          <a:lstStyle>
-            <a:lvl1pPr>
-              <a:defRPr sz="4200"/>
-            </a:lvl1pPr>
-          </a:lstStyle>
-          <a:p>
-            <a:r>
-              <a:rPr lang="en-GB"/>
-              <a:t>Click to edit Master title style</a:t>
-            </a:r>
-            <a:endParaRPr lang="en-US" dirty="0"/>
-          </a:p>
-        </p:txBody>
-      </p:sp>
-      <p:sp>
-        <p:nvSpPr>
-          <p:cNvPr id="3" name="Text Placeholder 2"/>
-          <p:cNvSpPr>
-            <a:spLocks noGrp="1"/>
-          </p:cNvSpPr>
-          <p:nvPr>
-            <p:ph type="body" idx="1"/>
           </p:nvPr>
         </p:nvSpPr>
         <p:spPr>
           <a:xfrm>
-            <a:off x="632947" y="1981200"/>
+            <a:off x="838200" y="365125"/>
+            <a:ext cx="10515600" cy="1325563"/>
+          </a:xfrm>
+        </p:spPr>
+        <p:txBody>
+          <a:bodyPr/>
+          <a:lstStyle/>
+          <a:p>
+            <a:r>
+              <a:rPr lang="en-GB"/>
+              <a:t>Click to edit Master title style</a:t>
+            </a:r>
+            <a:endParaRPr lang="en-US" dirty="0"/>
+          </a:p>
+        </p:txBody>
+      </p:sp>
+      <p:sp>
+        <p:nvSpPr>
+          <p:cNvPr id="7" name="Text Placeholder 2"/>
+          <p:cNvSpPr>
+            <a:spLocks noGrp="1"/>
+          </p:cNvSpPr>
+          <p:nvPr>
+            <p:ph type="body" idx="1"/>
+          </p:nvPr>
+        </p:nvSpPr>
+        <p:spPr>
+          <a:xfrm>
+            <a:off x="1337282" y="1885950"/>
             <a:ext cx="2946866" cy="576262"/>
           </a:xfrm>
         </p:spPr>
@@ -1510,12 +1950,32 @@
             <a:lvl1pPr marL="0" indent="0">
               <a:buNone/>
               <a:defRPr sz="2400" b="0">
-                <a:solidFill>
-                  <a:schemeClr val="bg2">
-                    <a:lumMod val="40000"/>
-                    <a:lumOff val="60000"/>
-                  </a:schemeClr>
-                </a:solidFill>
+                <a:gradFill>
+                  <a:gsLst>
+                    <a:gs pos="15000">
+                      <a:schemeClr val="tx2"/>
+                    </a:gs>
+                    <a:gs pos="73000">
+                      <a:schemeClr val="tx2">
+                        <a:lumMod val="60000"/>
+                        <a:lumOff val="40000"/>
+                      </a:schemeClr>
+                    </a:gs>
+                    <a:gs pos="0">
+                      <a:schemeClr val="tx2">
+                        <a:lumMod val="90000"/>
+                        <a:lumOff val="10000"/>
+                      </a:schemeClr>
+                    </a:gs>
+                    <a:gs pos="100000">
+                      <a:schemeClr val="tx2">
+                        <a:lumMod val="0"/>
+                        <a:lumOff val="100000"/>
+                      </a:schemeClr>
+                    </a:gs>
+                  </a:gsLst>
+                  <a:lin ang="16200000" scaled="1"/>
+                </a:gradFill>
               </a:defRPr>
             </a:lvl1pPr>
             <a:lvl2pPr marL="457200" indent="0">
@@ -1562,7 +2022,7 @@
       </p:sp>
       <p:sp>
         <p:nvSpPr>
-          <p:cNvPr id="16" name="Text Placeholder 3"/>
+          <p:cNvPr id="8" name="Text Placeholder 3"/>
           <p:cNvSpPr>
             <a:spLocks noGrp="1"/>
           </p:cNvSpPr>
@@ -1572,7 +2032,7 @@
         </p:nvSpPr>
         <p:spPr>
           <a:xfrm>
-            <a:off x="652463" y="2667000"/>
+            <a:off x="1356798" y="2571750"/>
             <a:ext cx="2927350" cy="3589338"/>
           </a:xfrm>
         </p:spPr>
@@ -1629,7 +2089,7 @@
       </p:sp>
       <p:sp>
         <p:nvSpPr>
-          <p:cNvPr id="5" name="Text Placeholder 4"/>
+          <p:cNvPr id="9" name="Text Placeholder 4"/>
           <p:cNvSpPr>
             <a:spLocks noGrp="1"/>
           </p:cNvSpPr>
@@ -1639,61 +2099,51 @@
         </p:nvSpPr>
         <p:spPr>
           <a:xfrm>
-            <a:off x="3883659" y="1981200"/>
+            <a:off x="4587994" y="1885950"/>
             <a:ext cx="2936241" cy="576262"/>
           </a:xfrm>
         </p:spPr>
         <p:txBody>
-          <a:bodyPr anchor="b">
+          <a:bodyPr vert="horz" lIns="91440" tIns="45720" rIns="91440" bIns="45720" rtlCol="0" anchor="b">
             <a:noAutofit/>
           </a:bodyPr>
           <a:lstStyle>
-            <a:lvl1pPr marL="0" indent="0">
-              <a:buNone/>
-              <a:defRPr sz="2400" b="0">
-                <a:solidFill>
-                  <a:schemeClr val="bg2">
-                    <a:lumMod val="40000"/>
-                    <a:lumOff val="60000"/>
-                  </a:schemeClr>
-                </a:solidFill>
+            <a:lvl1pPr>
+              <a:buNone/>
+              <a:defRPr lang="en-US" sz="2400" b="0">
+                <a:gradFill>
+                  <a:gsLst>
+                    <a:gs pos="15000">
+                      <a:schemeClr val="tx2"/>
+                    </a:gs>
+                    <a:gs pos="73000">
+                      <a:schemeClr val="tx2">
+                        <a:lumMod val="60000"/>
+                        <a:lumOff val="40000"/>
+                      </a:schemeClr>
+                    </a:gs>
+                    <a:gs pos="0">
+                      <a:schemeClr val="tx2">
+                        <a:lumMod val="90000"/>
+                        <a:lumOff val="10000"/>
+                      </a:schemeClr>
+                    </a:gs>
+                    <a:gs pos="100000">
+                      <a:schemeClr val="tx2">
+                        <a:lumMod val="0"/>
+                        <a:lumOff val="100000"/>
+                      </a:schemeClr>
+                    </a:gs>
+                  </a:gsLst>
+                  <a:lin ang="16200000" scaled="1"/>
+                </a:gradFill>
               </a:defRPr>
             </a:lvl1pPr>
-            <a:lvl2pPr marL="457200" indent="0">
-              <a:buNone/>
-              <a:defRPr sz="2000" b="1"/>
-            </a:lvl2pPr>
-            <a:lvl3pPr marL="914400" indent="0">
-              <a:buNone/>
-              <a:defRPr sz="1800" b="1"/>
-            </a:lvl3pPr>
-            <a:lvl4pPr marL="1371600" indent="0">
-              <a:buNone/>
-              <a:defRPr sz="1600" b="1"/>
-            </a:lvl4pPr>
-            <a:lvl5pPr marL="1828800" indent="0">
-              <a:buNone/>
-              <a:defRPr sz="1600" b="1"/>
-            </a:lvl5pPr>
-            <a:lvl6pPr marL="2286000" indent="0">
-              <a:buNone/>
-              <a:defRPr sz="1600" b="1"/>
-            </a:lvl6pPr>
-            <a:lvl7pPr marL="2743200" indent="0">
-              <a:buNone/>
-              <a:defRPr sz="1600" b="1"/>
-            </a:lvl7pPr>
-            <a:lvl8pPr marL="3200400" indent="0">
-              <a:buNone/>
-              <a:defRPr sz="1600" b="1"/>
-            </a:lvl8pPr>
-            <a:lvl9pPr marL="3657600" indent="0">
-              <a:buNone/>
-              <a:defRPr sz="1600" b="1"/>
-            </a:lvl9pPr>
           </a:lstStyle>
           <a:p>
-            <a:pPr lvl="0"/>
+            <a:pPr marL="0" lvl="0" indent="0">
+              <a:buNone/>
+            </a:pPr>
             <a:r>
               <a:rPr lang="en-GB"/>
               <a:t>Click to edit Master text styles</a:t>
@@ -1703,7 +2153,7 @@
       </p:sp>
       <p:sp>
         <p:nvSpPr>
-          <p:cNvPr id="19" name="Text Placeholder 3"/>
+          <p:cNvPr id="10" name="Text Placeholder 3"/>
           <p:cNvSpPr>
             <a:spLocks noGrp="1"/>
           </p:cNvSpPr>
@@ -1713,7 +2163,7 @@
         </p:nvSpPr>
         <p:spPr>
           <a:xfrm>
-            <a:off x="3873106" y="2667000"/>
+            <a:off x="4577441" y="2571750"/>
             <a:ext cx="2946794" cy="3589338"/>
           </a:xfrm>
         </p:spPr>
@@ -1770,7 +2220,7 @@
       </p:sp>
       <p:sp>
         <p:nvSpPr>
-          <p:cNvPr id="14" name="Text Placeholder 4"/>
+          <p:cNvPr id="11" name="Text Placeholder 4"/>
           <p:cNvSpPr>
             <a:spLocks noGrp="1"/>
           </p:cNvSpPr>
@@ -1780,61 +2230,51 @@
         </p:nvSpPr>
         <p:spPr>
           <a:xfrm>
-            <a:off x="7124700" y="1981200"/>
+            <a:off x="7829035" y="1885950"/>
             <a:ext cx="2932113" cy="576262"/>
           </a:xfrm>
         </p:spPr>
         <p:txBody>
-          <a:bodyPr anchor="b">
+          <a:bodyPr vert="horz" lIns="91440" tIns="45720" rIns="91440" bIns="45720" rtlCol="0" anchor="b">
             <a:noAutofit/>
           </a:bodyPr>
           <a:lstStyle>
-            <a:lvl1pPr marL="0" indent="0">
-              <a:buNone/>
-              <a:defRPr sz="2400" b="0">
-                <a:solidFill>
-                  <a:schemeClr val="bg2">
-                    <a:lumMod val="40000"/>
-                    <a:lumOff val="60000"/>
-                  </a:schemeClr>
-                </a:solidFill>
+            <a:lvl1pPr>
+              <a:buNone/>
+              <a:defRPr lang="en-US" sz="2400" b="0" dirty="0">
+                <a:gradFill>
+                  <a:gsLst>
+                    <a:gs pos="15000">
+                      <a:schemeClr val="tx2"/>
+                    </a:gs>
+                    <a:gs pos="73000">
+                      <a:schemeClr val="tx2">
+                        <a:lumMod val="60000"/>
+                        <a:lumOff val="40000"/>
+                      </a:schemeClr>
+                    </a:gs>
+                    <a:gs pos="0">
+                      <a:schemeClr val="tx2">
+                        <a:lumMod val="90000"/>
+                        <a:lumOff val="10000"/>
+                      </a:schemeClr>
+                    </a:gs>
+                    <a:gs pos="100000">
+                      <a:schemeClr val="tx2">
+                        <a:lumMod val="0"/>
+                        <a:lumOff val="100000"/>
+                      </a:schemeClr>
+                    </a:gs>
+                  </a:gsLst>
+                  <a:lin ang="16200000" scaled="1"/>
+                </a:gradFill>
               </a:defRPr>
             </a:lvl1pPr>
-            <a:lvl2pPr marL="457200" indent="0">
-              <a:buNone/>
-              <a:defRPr sz="2000" b="1"/>
-            </a:lvl2pPr>
-            <a:lvl3pPr marL="914400" indent="0">
-              <a:buNone/>
-              <a:defRPr sz="1800" b="1"/>
-            </a:lvl3pPr>
-            <a:lvl4pPr marL="1371600" indent="0">
-              <a:buNone/>
-              <a:defRPr sz="1600" b="1"/>
-            </a:lvl4pPr>
-            <a:lvl5pPr marL="1828800" indent="0">
-              <a:buNone/>
-              <a:defRPr sz="1600" b="1"/>
-            </a:lvl5pPr>
-            <a:lvl6pPr marL="2286000" indent="0">
-              <a:buNone/>
-              <a:defRPr sz="1600" b="1"/>
-            </a:lvl6pPr>
-            <a:lvl7pPr marL="2743200" indent="0">
-              <a:buNone/>
-              <a:defRPr sz="1600" b="1"/>
-            </a:lvl7pPr>
-            <a:lvl8pPr marL="3200400" indent="0">
-              <a:buNone/>
-              <a:defRPr sz="1600" b="1"/>
-            </a:lvl8pPr>
-            <a:lvl9pPr marL="3657600" indent="0">
-              <a:buNone/>
-              <a:defRPr sz="1600" b="1"/>
-            </a:lvl9pPr>
           </a:lstStyle>
           <a:p>
-            <a:pPr lvl="0"/>
+            <a:pPr marL="0" lvl="0" indent="0">
+              <a:buNone/>
+            </a:pPr>
             <a:r>
               <a:rPr lang="en-GB"/>
               <a:t>Click to edit Master text styles</a:t>
@@ -1844,7 +2284,7 @@
       </p:sp>
       <p:sp>
         <p:nvSpPr>
-          <p:cNvPr id="20" name="Text Placeholder 3"/>
+          <p:cNvPr id="12" name="Text Placeholder 3"/>
           <p:cNvSpPr>
             <a:spLocks noGrp="1"/>
           </p:cNvSpPr>
@@ -1854,7 +2294,7 @@
         </p:nvSpPr>
         <p:spPr>
           <a:xfrm>
-            <a:off x="7124700" y="2667000"/>
+            <a:off x="7829035" y="2571750"/>
             <a:ext cx="2932113" cy="3589338"/>
           </a:xfrm>
         </p:spPr>
@@ -1909,87 +2349,9 @@
           </a:p>
         </p:txBody>
       </p:sp>
-      <p:cxnSp>
-        <p:nvCxnSpPr>
-          <p:cNvPr id="17" name="Straight Connector 16"/>
-          <p:cNvCxnSpPr/>
-          <p:nvPr/>
-        </p:nvCxnSpPr>
-        <p:spPr>
-          <a:xfrm>
-            <a:off x="3726142" y="2133600"/>
-            <a:ext cx="0" cy="3962400"/>
-          </a:xfrm>
-          <a:prstGeom prst="line">
-            <a:avLst/>
-          </a:prstGeom>
-          <a:ln w="12700" cmpd="sng">
-            <a:solidFill>
-              <a:schemeClr val="bg2">
-                <a:lumMod val="40000"/>
-                <a:lumOff val="60000"/>
-                <a:alpha val="40000"/>
-              </a:schemeClr>
-            </a:solidFill>
-          </a:ln>
-        </p:spPr>
-        <p:style>
-          <a:lnRef idx="2">
-            <a:schemeClr val="accent1"/>
-          </a:lnRef>
-          <a:fillRef idx="0">
-            <a:schemeClr val="accent1"/>
-          </a:fillRef>
-          <a:effectRef idx="1">
-            <a:schemeClr val="accent1"/>
-          </a:effectRef>
-          <a:fontRef idx="minor">
-            <a:schemeClr val="tx1"/>
-          </a:fontRef>
-        </p:style>
-      </p:cxnSp>
-      <p:cxnSp>
-        <p:nvCxnSpPr>
-          <p:cNvPr id="18" name="Straight Connector 17"/>
-          <p:cNvCxnSpPr/>
-          <p:nvPr/>
-        </p:nvCxnSpPr>
-        <p:spPr>
-          <a:xfrm>
-            <a:off x="6962227" y="2133600"/>
-            <a:ext cx="0" cy="3966882"/>
-          </a:xfrm>
-          <a:prstGeom prst="line">
-            <a:avLst/>
-          </a:prstGeom>
-          <a:ln w="12700" cmpd="sng">
-            <a:solidFill>
-              <a:schemeClr val="bg2">
-                <a:lumMod val="40000"/>
-                <a:lumOff val="60000"/>
-                <a:alpha val="40000"/>
-              </a:schemeClr>
-            </a:solidFill>
-          </a:ln>
-        </p:spPr>
-        <p:style>
-          <a:lnRef idx="2">
-            <a:schemeClr val="accent1"/>
-          </a:lnRef>
-          <a:fillRef idx="0">
-            <a:schemeClr val="accent1"/>
-          </a:fillRef>
-          <a:effectRef idx="1">
-            <a:schemeClr val="accent1"/>
-          </a:effectRef>
-          <a:fontRef idx="minor">
-            <a:schemeClr val="tx1"/>
-          </a:fontRef>
-        </p:style>
-      </p:cxnSp>
-      <p:sp>
-        <p:nvSpPr>
-          <p:cNvPr id="7" name="Date Placeholder 3"/>
+      <p:sp>
+        <p:nvSpPr>
+          <p:cNvPr id="3" name="Date Placeholder 2"/>
           <p:cNvSpPr>
             <a:spLocks noGrp="1"/>
           </p:cNvSpPr>
@@ -2002,9 +2364,9 @@
           <a:bodyPr/>
           <a:lstStyle/>
           <a:p>
-            <a:fld id="{1415355B-2634-4E66-91F0-41971C44CBA6}" type="datetimeFigureOut">
+            <a:fld id="{71D9CBD8-4758-492A-A2A3-9FD0A4C920D4}" type="datetime1">
               <a:rPr lang="en-GB" smtClean="0"/>
-              <a:t>13/02/2025</a:t>
+              <a:t>14/02/2025</a:t>
             </a:fld>
             <a:endParaRPr lang="en-GB"/>
           </a:p>
@@ -2012,7 +2374,7 @@
       </p:sp>
       <p:sp>
         <p:nvSpPr>
-          <p:cNvPr id="4" name="Footer Placeholder 4"/>
+          <p:cNvPr id="4" name="Footer Placeholder 3"/>
           <p:cNvSpPr>
             <a:spLocks noGrp="1"/>
           </p:cNvSpPr>
@@ -2031,7 +2393,7 @@
       </p:sp>
       <p:sp>
         <p:nvSpPr>
-          <p:cNvPr id="6" name="Slide Number Placeholder 5"/>
+          <p:cNvPr id="5" name="Slide Number Placeholder 4"/>
           <p:cNvSpPr>
             <a:spLocks noGrp="1"/>
           </p:cNvSpPr>
@@ -2044,7 +2406,7 @@
           <a:bodyPr/>
           <a:lstStyle/>
           <a:p>
-            <a:fld id="{2FA82579-086B-42C5-A211-27F08592B2BA}" type="slidenum">
+            <a:fld id="{96950E0E-C370-4070-8987-06868BC61B00}" type="slidenum">
               <a:rPr lang="en-GB" smtClean="0"/>
               <a:t>‹#›</a:t>
             </a:fld>
@@ -2055,7 +2417,7 @@
     </p:spTree>
     <p:extLst>
       <p:ext uri="{BB962C8B-B14F-4D97-AF65-F5344CB8AC3E}">
-        <p14:creationId xmlns:p14="http://schemas.microsoft.com/office/powerpoint/2010/main" val="989063164"/>
+        <p14:creationId xmlns:p14="http://schemas.microsoft.com/office/powerpoint/2010/main" val="377727189"/>
       </p:ext>
     </p:extLst>
   </p:cSld>
@@ -2084,44 +2446,45 @@
       </p:grpSpPr>
       <p:sp>
         <p:nvSpPr>
-          <p:cNvPr id="2" name="Title 1"/>
+          <p:cNvPr id="30" name="Title 1"/>
           <p:cNvSpPr>
             <a:spLocks noGrp="1"/>
           </p:cNvSpPr>
           <p:nvPr>
             <p:ph type="title"/>
-          </p:nvPr>
-        </p:nvSpPr>
-        <p:spPr/>
-        <p:txBody>
-          <a:bodyPr/>
-          <a:lstStyle>
-            <a:lvl1pPr>
-              <a:defRPr sz="4200"/>
-            </a:lvl1pPr>
-          </a:lstStyle>
-          <a:p>
-            <a:r>
-              <a:rPr lang="en-GB"/>
-              <a:t>Click to edit Master title style</a:t>
-            </a:r>
-            <a:endParaRPr lang="en-US" dirty="0"/>
-          </a:p>
-        </p:txBody>
-      </p:sp>
-      <p:sp>
-        <p:nvSpPr>
-          <p:cNvPr id="3" name="Text Placeholder 2"/>
-          <p:cNvSpPr>
-            <a:spLocks noGrp="1"/>
-          </p:cNvSpPr>
-          <p:nvPr>
-            <p:ph type="body" idx="1"/>
           </p:nvPr>
         </p:nvSpPr>
         <p:spPr>
           <a:xfrm>
-            <a:off x="652463" y="4250949"/>
+            <a:off x="838200" y="365125"/>
+            <a:ext cx="10515600" cy="1325563"/>
+          </a:xfrm>
+        </p:spPr>
+        <p:txBody>
+          <a:bodyPr/>
+          <a:lstStyle/>
+          <a:p>
+            <a:r>
+              <a:rPr lang="en-GB"/>
+              <a:t>Click to edit Master title style</a:t>
+            </a:r>
+            <a:endParaRPr lang="en-US" dirty="0"/>
+          </a:p>
+        </p:txBody>
+      </p:sp>
+      <p:sp>
+        <p:nvSpPr>
+          <p:cNvPr id="19" name="Text Placeholder 2"/>
+          <p:cNvSpPr>
+            <a:spLocks noGrp="1"/>
+          </p:cNvSpPr>
+          <p:nvPr>
+            <p:ph type="body" idx="1"/>
+          </p:nvPr>
+        </p:nvSpPr>
+        <p:spPr>
+          <a:xfrm>
+            <a:off x="1332085" y="4297503"/>
             <a:ext cx="2940050" cy="576262"/>
           </a:xfrm>
         </p:spPr>
@@ -2133,12 +2496,28 @@
             <a:lvl1pPr marL="0" indent="0">
               <a:buNone/>
               <a:defRPr sz="2400" b="0">
-                <a:solidFill>
-                  <a:schemeClr val="bg2">
-                    <a:lumMod val="40000"/>
-                    <a:lumOff val="60000"/>
-                  </a:schemeClr>
-                </a:solidFill>
+                <a:gradFill>
+                  <a:gsLst>
+                    <a:gs pos="34000">
+                      <a:schemeClr val="tx1">
+                        <a:lumMod val="93000"/>
+                      </a:schemeClr>
+                    </a:gs>
+                    <a:gs pos="0">
+                      <a:schemeClr val="bg1">
+                        <a:lumMod val="41000"/>
+                        <a:lumOff val="59000"/>
+                      </a:schemeClr>
+                    </a:gs>
+                    <a:gs pos="100000">
+                      <a:schemeClr val="tx2">
+                        <a:lumMod val="0"/>
+                        <a:lumOff val="100000"/>
+                      </a:schemeClr>
+                    </a:gs>
+                  </a:gsLst>
+                  <a:lin ang="4800000" scaled="0"/>
+                </a:gradFill>
               </a:defRPr>
             </a:lvl1pPr>
             <a:lvl2pPr marL="457200" indent="0">
@@ -2185,7 +2564,7 @@
       </p:sp>
       <p:sp>
         <p:nvSpPr>
-          <p:cNvPr id="29" name="Picture Placeholder 2"/>
+          <p:cNvPr id="20" name="Picture Placeholder 2"/>
           <p:cNvSpPr>
             <a:spLocks noGrp="1" noChangeAspect="1"/>
           </p:cNvSpPr>
@@ -2195,7 +2574,7 @@
         </p:nvSpPr>
         <p:spPr>
           <a:xfrm>
-            <a:off x="652463" y="2209800"/>
+            <a:off x="1332085" y="2256354"/>
             <a:ext cx="2940050" cy="1524000"/>
           </a:xfrm>
           <a:prstGeom prst="roundRect">
@@ -2264,7 +2643,7 @@
       </p:sp>
       <p:sp>
         <p:nvSpPr>
-          <p:cNvPr id="22" name="Text Placeholder 3"/>
+          <p:cNvPr id="21" name="Text Placeholder 3"/>
           <p:cNvSpPr>
             <a:spLocks noGrp="1"/>
           </p:cNvSpPr>
@@ -2274,7 +2653,7 @@
         </p:nvSpPr>
         <p:spPr>
           <a:xfrm>
-            <a:off x="652463" y="4827211"/>
+            <a:off x="1332085" y="4873765"/>
             <a:ext cx="2940050" cy="659189"/>
           </a:xfrm>
         </p:spPr>
@@ -2331,7 +2710,7 @@
       </p:sp>
       <p:sp>
         <p:nvSpPr>
-          <p:cNvPr id="5" name="Text Placeholder 4"/>
+          <p:cNvPr id="22" name="Text Placeholder 4"/>
           <p:cNvSpPr>
             <a:spLocks noGrp="1"/>
           </p:cNvSpPr>
@@ -2341,7 +2720,7 @@
         </p:nvSpPr>
         <p:spPr>
           <a:xfrm>
-            <a:off x="3889375" y="4250949"/>
+            <a:off x="4568997" y="4297503"/>
             <a:ext cx="2930525" cy="576262"/>
           </a:xfrm>
         </p:spPr>
@@ -2353,12 +2732,28 @@
             <a:lvl1pPr marL="0" indent="0">
               <a:buNone/>
               <a:defRPr sz="2400" b="0">
-                <a:solidFill>
-                  <a:schemeClr val="bg2">
-                    <a:lumMod val="40000"/>
-                    <a:lumOff val="60000"/>
-                  </a:schemeClr>
-                </a:solidFill>
+                <a:gradFill>
+                  <a:gsLst>
+                    <a:gs pos="34000">
+                      <a:schemeClr val="tx1">
+                        <a:lumMod val="93000"/>
+                      </a:schemeClr>
+                    </a:gs>
+                    <a:gs pos="0">
+                      <a:schemeClr val="bg1">
+                        <a:lumMod val="41000"/>
+                        <a:lumOff val="59000"/>
+                      </a:schemeClr>
+                    </a:gs>
+                    <a:gs pos="100000">
+                      <a:schemeClr val="tx2">
+                        <a:lumMod val="0"/>
+                        <a:lumOff val="100000"/>
+                      </a:schemeClr>
+                    </a:gs>
+                  </a:gsLst>
+                  <a:lin ang="4800000" scaled="0"/>
+                </a:gradFill>
               </a:defRPr>
             </a:lvl1pPr>
             <a:lvl2pPr marL="457200" indent="0">
@@ -2405,7 +2800,7 @@
       </p:sp>
       <p:sp>
         <p:nvSpPr>
-          <p:cNvPr id="30" name="Picture Placeholder 2"/>
+          <p:cNvPr id="23" name="Picture Placeholder 2"/>
           <p:cNvSpPr>
             <a:spLocks noGrp="1" noChangeAspect="1"/>
           </p:cNvSpPr>
@@ -2415,7 +2810,7 @@
         </p:nvSpPr>
         <p:spPr>
           <a:xfrm>
-            <a:off x="3889374" y="2209800"/>
+            <a:off x="4568996" y="2256354"/>
             <a:ext cx="2930525" cy="1524000"/>
           </a:xfrm>
           <a:prstGeom prst="roundRect">
@@ -2484,7 +2879,7 @@
       </p:sp>
       <p:sp>
         <p:nvSpPr>
-          <p:cNvPr id="23" name="Text Placeholder 3"/>
+          <p:cNvPr id="24" name="Text Placeholder 3"/>
           <p:cNvSpPr>
             <a:spLocks noGrp="1"/>
           </p:cNvSpPr>
@@ -2494,7 +2889,7 @@
         </p:nvSpPr>
         <p:spPr>
           <a:xfrm>
-            <a:off x="3888022" y="4827210"/>
+            <a:off x="4567644" y="4873764"/>
             <a:ext cx="2934406" cy="659189"/>
           </a:xfrm>
         </p:spPr>
@@ -2551,7 +2946,7 @@
       </p:sp>
       <p:sp>
         <p:nvSpPr>
-          <p:cNvPr id="14" name="Text Placeholder 4"/>
+          <p:cNvPr id="25" name="Text Placeholder 4"/>
           <p:cNvSpPr>
             <a:spLocks noGrp="1"/>
           </p:cNvSpPr>
@@ -2561,7 +2956,7 @@
         </p:nvSpPr>
         <p:spPr>
           <a:xfrm>
-            <a:off x="7124700" y="4250949"/>
+            <a:off x="7804322" y="4297503"/>
             <a:ext cx="2932113" cy="576262"/>
           </a:xfrm>
         </p:spPr>
@@ -2573,12 +2968,28 @@
             <a:lvl1pPr marL="0" indent="0">
               <a:buNone/>
               <a:defRPr sz="2400" b="0">
-                <a:solidFill>
-                  <a:schemeClr val="bg2">
-                    <a:lumMod val="40000"/>
-                    <a:lumOff val="60000"/>
-                  </a:schemeClr>
-                </a:solidFill>
+                <a:gradFill>
+                  <a:gsLst>
+                    <a:gs pos="34000">
+                      <a:schemeClr val="tx1">
+                        <a:lumMod val="93000"/>
+                      </a:schemeClr>
+                    </a:gs>
+                    <a:gs pos="0">
+                      <a:schemeClr val="bg1">
+                        <a:lumMod val="41000"/>
+                        <a:lumOff val="59000"/>
+                      </a:schemeClr>
+                    </a:gs>
+                    <a:gs pos="100000">
+                      <a:schemeClr val="tx2">
+                        <a:lumMod val="0"/>
+                        <a:lumOff val="100000"/>
+                      </a:schemeClr>
+                    </a:gs>
+                  </a:gsLst>
+                  <a:lin ang="4800000" scaled="0"/>
+                </a:gradFill>
               </a:defRPr>
             </a:lvl1pPr>
             <a:lvl2pPr marL="457200" indent="0">
@@ -2625,7 +3036,7 @@
       </p:sp>
       <p:sp>
         <p:nvSpPr>
-          <p:cNvPr id="31" name="Picture Placeholder 2"/>
+          <p:cNvPr id="26" name="Picture Placeholder 2"/>
           <p:cNvSpPr>
             <a:spLocks noGrp="1" noChangeAspect="1"/>
           </p:cNvSpPr>
@@ -2635,7 +3046,7 @@
         </p:nvSpPr>
         <p:spPr>
           <a:xfrm>
-            <a:off x="7124699" y="2209800"/>
+            <a:off x="7804321" y="2256354"/>
             <a:ext cx="2932113" cy="1524000"/>
           </a:xfrm>
           <a:prstGeom prst="roundRect">
@@ -2704,7 +3115,7 @@
       </p:sp>
       <p:sp>
         <p:nvSpPr>
-          <p:cNvPr id="24" name="Text Placeholder 3"/>
+          <p:cNvPr id="27" name="Text Placeholder 3"/>
           <p:cNvSpPr>
             <a:spLocks noGrp="1"/>
           </p:cNvSpPr>
@@ -2714,7 +3125,7 @@
         </p:nvSpPr>
         <p:spPr>
           <a:xfrm>
-            <a:off x="7124575" y="4827208"/>
+            <a:off x="7804197" y="4873762"/>
             <a:ext cx="2935997" cy="659189"/>
           </a:xfrm>
         </p:spPr>
@@ -2769,87 +3180,9 @@
           </a:p>
         </p:txBody>
       </p:sp>
-      <p:cxnSp>
-        <p:nvCxnSpPr>
-          <p:cNvPr id="19" name="Straight Connector 18"/>
-          <p:cNvCxnSpPr/>
-          <p:nvPr/>
-        </p:nvCxnSpPr>
-        <p:spPr>
-          <a:xfrm>
-            <a:off x="3726142" y="2133600"/>
-            <a:ext cx="0" cy="3962400"/>
-          </a:xfrm>
-          <a:prstGeom prst="line">
-            <a:avLst/>
-          </a:prstGeom>
-          <a:ln w="12700" cmpd="sng">
-            <a:solidFill>
-              <a:schemeClr val="bg2">
-                <a:lumMod val="40000"/>
-                <a:lumOff val="60000"/>
-                <a:alpha val="40000"/>
-              </a:schemeClr>
-            </a:solidFill>
-          </a:ln>
-        </p:spPr>
-        <p:style>
-          <a:lnRef idx="2">
-            <a:schemeClr val="accent1"/>
-          </a:lnRef>
-          <a:fillRef idx="0">
-            <a:schemeClr val="accent1"/>
-          </a:fillRef>
-          <a:effectRef idx="1">
-            <a:schemeClr val="accent1"/>
-          </a:effectRef>
-          <a:fontRef idx="minor">
-            <a:schemeClr val="tx1"/>
-          </a:fontRef>
-        </p:style>
-      </p:cxnSp>
-      <p:cxnSp>
-        <p:nvCxnSpPr>
-          <p:cNvPr id="20" name="Straight Connector 19"/>
-          <p:cNvCxnSpPr/>
-          <p:nvPr/>
-        </p:nvCxnSpPr>
-        <p:spPr>
-          <a:xfrm>
-            <a:off x="6962227" y="2133600"/>
-            <a:ext cx="0" cy="3966882"/>
-          </a:xfrm>
-          <a:prstGeom prst="line">
-            <a:avLst/>
-          </a:prstGeom>
-          <a:ln w="12700" cmpd="sng">
-            <a:solidFill>
-              <a:schemeClr val="bg2">
-                <a:lumMod val="40000"/>
-                <a:lumOff val="60000"/>
-                <a:alpha val="40000"/>
-              </a:schemeClr>
-            </a:solidFill>
-          </a:ln>
-        </p:spPr>
-        <p:style>
-          <a:lnRef idx="2">
-            <a:schemeClr val="accent1"/>
-          </a:lnRef>
-          <a:fillRef idx="0">
-            <a:schemeClr val="accent1"/>
-          </a:fillRef>
-          <a:effectRef idx="1">
-            <a:schemeClr val="accent1"/>
-          </a:effectRef>
-          <a:fontRef idx="minor">
-            <a:schemeClr val="tx1"/>
-          </a:fontRef>
-        </p:style>
-      </p:cxnSp>
-      <p:sp>
-        <p:nvSpPr>
-          <p:cNvPr id="7" name="Date Placeholder 3"/>
+      <p:sp>
+        <p:nvSpPr>
+          <p:cNvPr id="3" name="Date Placeholder 2"/>
           <p:cNvSpPr>
             <a:spLocks noGrp="1"/>
           </p:cNvSpPr>
@@ -2862,9 +3195,9 @@
           <a:bodyPr/>
           <a:lstStyle/>
           <a:p>
-            <a:fld id="{1415355B-2634-4E66-91F0-41971C44CBA6}" type="datetimeFigureOut">
+            <a:fld id="{3B13688B-08D2-4869-814F-77D13FA477E7}" type="datetime1">
               <a:rPr lang="en-GB" smtClean="0"/>
-              <a:t>13/02/2025</a:t>
+              <a:t>14/02/2025</a:t>
             </a:fld>
             <a:endParaRPr lang="en-GB"/>
           </a:p>
@@ -2872,7 +3205,7 @@
       </p:sp>
       <p:sp>
         <p:nvSpPr>
-          <p:cNvPr id="4" name="Footer Placeholder 4"/>
+          <p:cNvPr id="4" name="Footer Placeholder 3"/>
           <p:cNvSpPr>
             <a:spLocks noGrp="1"/>
           </p:cNvSpPr>
@@ -2891,7 +3224,7 @@
       </p:sp>
       <p:sp>
         <p:nvSpPr>
-          <p:cNvPr id="6" name="Slide Number Placeholder 5"/>
+          <p:cNvPr id="5" name="Slide Number Placeholder 4"/>
           <p:cNvSpPr>
             <a:spLocks noGrp="1"/>
           </p:cNvSpPr>
@@ -2904,7 +3237,7 @@
           <a:bodyPr/>
           <a:lstStyle/>
           <a:p>
-            <a:fld id="{2FA82579-086B-42C5-A211-27F08592B2BA}" type="slidenum">
+            <a:fld id="{96950E0E-C370-4070-8987-06868BC61B00}" type="slidenum">
               <a:rPr lang="en-GB" smtClean="0"/>
               <a:t>‹#›</a:t>
             </a:fld>
@@ -2915,7 +3248,7 @@
     </p:spTree>
     <p:extLst>
       <p:ext uri="{BB962C8B-B14F-4D97-AF65-F5344CB8AC3E}">
-        <p14:creationId xmlns:p14="http://schemas.microsoft.com/office/powerpoint/2010/main" val="4054223711"/>
+        <p14:creationId xmlns:p14="http://schemas.microsoft.com/office/powerpoint/2010/main" val="148757718"/>
       </p:ext>
     </p:extLst>
   </p:cSld>
@@ -2977,7 +3310,7 @@
         </p:nvSpPr>
         <p:spPr/>
         <p:txBody>
-          <a:bodyPr vert="eaVert" anchor="t" anchorCtr="0"/>
+          <a:bodyPr vert="eaVert"/>
           <a:lstStyle/>
           <a:p>
             <a:pPr lvl="0"/>
@@ -3032,9 +3365,9 @@
           <a:bodyPr/>
           <a:lstStyle/>
           <a:p>
-            <a:fld id="{1415355B-2634-4E66-91F0-41971C44CBA6}" type="datetimeFigureOut">
+            <a:fld id="{A7F01AB9-881B-4D32-8098-63D8EE43798E}" type="datetime1">
               <a:rPr lang="en-GB" smtClean="0"/>
-              <a:t>13/02/2025</a:t>
+              <a:t>14/02/2025</a:t>
             </a:fld>
             <a:endParaRPr lang="en-GB"/>
           </a:p>
@@ -3074,7 +3407,7 @@
           <a:bodyPr/>
           <a:lstStyle/>
           <a:p>
-            <a:fld id="{2FA82579-086B-42C5-A211-27F08592B2BA}" type="slidenum">
+            <a:fld id="{96950E0E-C370-4070-8987-06868BC61B00}" type="slidenum">
               <a:rPr lang="en-GB" smtClean="0"/>
               <a:t>‹#›</a:t>
             </a:fld>
@@ -3085,7 +3418,7 @@
     </p:spTree>
     <p:extLst>
       <p:ext uri="{BB962C8B-B14F-4D97-AF65-F5344CB8AC3E}">
-        <p14:creationId xmlns:p14="http://schemas.microsoft.com/office/powerpoint/2010/main" val="1101516442"/>
+        <p14:creationId xmlns:p14="http://schemas.microsoft.com/office/powerpoint/2010/main" val="2902918691"/>
       </p:ext>
     </p:extLst>
   </p:cSld>
@@ -3124,12 +3457,12 @@
         </p:nvSpPr>
         <p:spPr>
           <a:xfrm>
-            <a:off x="8304212" y="430213"/>
-            <a:ext cx="1752601" cy="5826125"/>
+            <a:off x="8724900" y="365125"/>
+            <a:ext cx="2628900" cy="5811838"/>
           </a:xfrm>
         </p:spPr>
         <p:txBody>
-          <a:bodyPr vert="eaVert" anchor="b" anchorCtr="0"/>
+          <a:bodyPr vert="eaVert"/>
           <a:lstStyle/>
           <a:p>
             <a:r>
@@ -3152,8 +3485,8 @@
         </p:nvSpPr>
         <p:spPr>
           <a:xfrm>
-            <a:off x="652463" y="887414"/>
-            <a:ext cx="7423149" cy="5368924"/>
+            <a:off x="838200" y="365125"/>
+            <a:ext cx="7734300" cy="5811838"/>
           </a:xfrm>
         </p:spPr>
         <p:txBody>
@@ -3212,9 +3545,9 @@
           <a:bodyPr/>
           <a:lstStyle/>
           <a:p>
-            <a:fld id="{1415355B-2634-4E66-91F0-41971C44CBA6}" type="datetimeFigureOut">
+            <a:fld id="{6BB3DA4D-9E84-4BA2-86EA-732034ABB9B4}" type="datetime1">
               <a:rPr lang="en-GB" smtClean="0"/>
-              <a:t>13/02/2025</a:t>
+              <a:t>14/02/2025</a:t>
             </a:fld>
             <a:endParaRPr lang="en-GB"/>
           </a:p>
@@ -3254,7 +3587,7 @@
           <a:bodyPr/>
           <a:lstStyle/>
           <a:p>
-            <a:fld id="{2FA82579-086B-42C5-A211-27F08592B2BA}" type="slidenum">
+            <a:fld id="{96950E0E-C370-4070-8987-06868BC61B00}" type="slidenum">
               <a:rPr lang="en-GB" smtClean="0"/>
               <a:t>‹#›</a:t>
             </a:fld>
@@ -3265,7 +3598,7 @@
     </p:spTree>
     <p:extLst>
       <p:ext uri="{BB962C8B-B14F-4D97-AF65-F5344CB8AC3E}">
-        <p14:creationId xmlns:p14="http://schemas.microsoft.com/office/powerpoint/2010/main" val="3899162574"/>
+        <p14:creationId xmlns:p14="http://schemas.microsoft.com/office/powerpoint/2010/main" val="613016187"/>
       </p:ext>
     </p:extLst>
   </p:cSld>
@@ -3294,7 +3627,7 @@
       </p:grpSpPr>
       <p:sp>
         <p:nvSpPr>
-          <p:cNvPr id="2" name="Title 1"/>
+          <p:cNvPr id="8" name="Title 1"/>
           <p:cNvSpPr>
             <a:spLocks noGrp="1"/>
           </p:cNvSpPr>
@@ -3369,7 +3702,7 @@
       </p:sp>
       <p:sp>
         <p:nvSpPr>
-          <p:cNvPr id="7" name="Date Placeholder 3"/>
+          <p:cNvPr id="4" name="Date Placeholder 3"/>
           <p:cNvSpPr>
             <a:spLocks noGrp="1"/>
           </p:cNvSpPr>
@@ -3382,9 +3715,9 @@
           <a:bodyPr/>
           <a:lstStyle/>
           <a:p>
-            <a:fld id="{1415355B-2634-4E66-91F0-41971C44CBA6}" type="datetimeFigureOut">
+            <a:fld id="{5436715F-F413-47D4-8CBA-8B84BE9F51D8}" type="datetime1">
               <a:rPr lang="en-GB" smtClean="0"/>
-              <a:t>13/02/2025</a:t>
+              <a:t>14/02/2025</a:t>
             </a:fld>
             <a:endParaRPr lang="en-GB"/>
           </a:p>
@@ -3424,7 +3757,7 @@
           <a:bodyPr/>
           <a:lstStyle/>
           <a:p>
-            <a:fld id="{2FA82579-086B-42C5-A211-27F08592B2BA}" type="slidenum">
+            <a:fld id="{96950E0E-C370-4070-8987-06868BC61B00}" type="slidenum">
               <a:rPr lang="en-GB" smtClean="0"/>
               <a:t>‹#›</a:t>
             </a:fld>
@@ -3435,7 +3768,7 @@
     </p:spTree>
     <p:extLst>
       <p:ext uri="{BB962C8B-B14F-4D97-AF65-F5344CB8AC3E}">
-        <p14:creationId xmlns:p14="http://schemas.microsoft.com/office/powerpoint/2010/main" val="899589029"/>
+        <p14:creationId xmlns:p14="http://schemas.microsoft.com/office/powerpoint/2010/main" val="4131470103"/>
       </p:ext>
     </p:extLst>
   </p:cSld>
@@ -3464,25 +3797,59 @@
       </p:grpSpPr>
       <p:sp>
         <p:nvSpPr>
-          <p:cNvPr id="2" name="Title 1"/>
-          <p:cNvSpPr>
-            <a:spLocks noGrp="1"/>
-          </p:cNvSpPr>
-          <p:nvPr>
-            <p:ph type="title"/>
+          <p:cNvPr id="7" name="Title 1"/>
+          <p:cNvSpPr>
+            <a:spLocks noGrp="1"/>
+          </p:cNvSpPr>
+          <p:nvPr>
+            <p:ph type="ctrTitle"/>
           </p:nvPr>
         </p:nvSpPr>
         <p:spPr>
           <a:xfrm>
-            <a:off x="1154956" y="2861733"/>
-            <a:ext cx="8825657" cy="1915647"/>
+            <a:off x="854532" y="4464028"/>
+            <a:ext cx="9144000" cy="1641490"/>
           </a:xfrm>
         </p:spPr>
         <p:txBody>
-          <a:bodyPr anchor="b"/>
+          <a:bodyPr wrap="none" anchor="t">
+            <a:normAutofit/>
+          </a:bodyPr>
           <a:lstStyle>
             <a:lvl1pPr algn="l">
-              <a:defRPr sz="4000" b="0" cap="none"/>
+              <a:defRPr sz="9600" b="0" spc="-300">
+                <a:gradFill flip="none" rotWithShape="1">
+                  <a:gsLst>
+                    <a:gs pos="32000">
+                      <a:schemeClr val="tx1">
+                        <a:lumMod val="89000"/>
+                      </a:schemeClr>
+                    </a:gs>
+                    <a:gs pos="0">
+                      <a:schemeClr val="bg1">
+                        <a:lumMod val="47000"/>
+                        <a:lumOff val="53000"/>
+                      </a:schemeClr>
+                    </a:gs>
+                    <a:gs pos="100000">
+                      <a:schemeClr val="tx2">
+                        <a:lumMod val="0"/>
+                        <a:lumOff val="100000"/>
+                      </a:schemeClr>
+                    </a:gs>
+                  </a:gsLst>
+                  <a:lin ang="8100000" scaled="1"/>
+                  <a:tileRect/>
+                </a:gradFill>
+                <a:effectLst>
+                  <a:outerShdw blurRad="469900" dist="342900" dir="5400000" sy="-20000" rotWithShape="0">
+                    <a:prstClr val="black">
+                      <a:alpha val="66000"/>
+                    </a:prstClr>
+                  </a:outerShdw>
+                </a:effectLst>
+                <a:latin typeface="+mj-lt"/>
+              </a:defRPr>
             </a:lvl1pPr>
           </a:lstStyle>
           <a:p>
@@ -3496,121 +3863,97 @@
       </p:sp>
       <p:sp>
         <p:nvSpPr>
-          <p:cNvPr id="3" name="Text Placeholder 2"/>
-          <p:cNvSpPr>
-            <a:spLocks noGrp="1"/>
-          </p:cNvSpPr>
-          <p:nvPr>
-            <p:ph type="body" idx="1"/>
+          <p:cNvPr id="8" name="Subtitle 2"/>
+          <p:cNvSpPr>
+            <a:spLocks noGrp="1"/>
+          </p:cNvSpPr>
+          <p:nvPr>
+            <p:ph type="subTitle" idx="1"/>
           </p:nvPr>
         </p:nvSpPr>
         <p:spPr>
           <a:xfrm>
-            <a:off x="1154955" y="4777381"/>
-            <a:ext cx="8825658" cy="860400"/>
+            <a:off x="854532" y="3693674"/>
+            <a:ext cx="9144000" cy="754025"/>
           </a:xfrm>
         </p:spPr>
         <p:txBody>
-          <a:bodyPr anchor="t"/>
+          <a:bodyPr anchor="b">
+            <a:normAutofit/>
+          </a:bodyPr>
           <a:lstStyle>
             <a:lvl1pPr marL="0" indent="0" algn="l">
               <a:buNone/>
-              <a:defRPr sz="2000" cap="all">
-                <a:solidFill>
-                  <a:schemeClr val="bg2">
-                    <a:lumMod val="40000"/>
-                    <a:lumOff val="60000"/>
-                  </a:schemeClr>
-                </a:solidFill>
+              <a:defRPr sz="3200" b="0">
+                <a:gradFill flip="none" rotWithShape="1">
+                  <a:gsLst>
+                    <a:gs pos="15000">
+                      <a:schemeClr val="tx2"/>
+                    </a:gs>
+                    <a:gs pos="73000">
+                      <a:schemeClr val="tx2">
+                        <a:lumMod val="60000"/>
+                        <a:lumOff val="40000"/>
+                      </a:schemeClr>
+                    </a:gs>
+                    <a:gs pos="0">
+                      <a:schemeClr val="tx2">
+                        <a:lumMod val="90000"/>
+                        <a:lumOff val="10000"/>
+                      </a:schemeClr>
+                    </a:gs>
+                    <a:gs pos="100000">
+                      <a:schemeClr val="tx2">
+                        <a:lumMod val="0"/>
+                        <a:lumOff val="100000"/>
+                      </a:schemeClr>
+                    </a:gs>
+                  </a:gsLst>
+                  <a:lin ang="16200000" scaled="1"/>
+                  <a:tileRect/>
+                </a:gradFill>
+                <a:latin typeface="+mj-lt"/>
               </a:defRPr>
             </a:lvl1pPr>
-            <a:lvl2pPr marL="457200" indent="0">
-              <a:buNone/>
-              <a:defRPr sz="1800">
-                <a:solidFill>
-                  <a:schemeClr val="tx1">
-                    <a:tint val="75000"/>
-                  </a:schemeClr>
-                </a:solidFill>
-              </a:defRPr>
+            <a:lvl2pPr marL="457200" indent="0" algn="ctr">
+              <a:buNone/>
+              <a:defRPr sz="2000"/>
             </a:lvl2pPr>
-            <a:lvl3pPr marL="914400" indent="0">
-              <a:buNone/>
-              <a:defRPr sz="1600">
-                <a:solidFill>
-                  <a:schemeClr val="tx1">
-                    <a:tint val="75000"/>
-                  </a:schemeClr>
-                </a:solidFill>
-              </a:defRPr>
+            <a:lvl3pPr marL="914400" indent="0" algn="ctr">
+              <a:buNone/>
+              <a:defRPr sz="1800"/>
             </a:lvl3pPr>
-            <a:lvl4pPr marL="1371600" indent="0">
-              <a:buNone/>
-              <a:defRPr sz="1400">
-                <a:solidFill>
-                  <a:schemeClr val="tx1">
-                    <a:tint val="75000"/>
-                  </a:schemeClr>
-                </a:solidFill>
-              </a:defRPr>
+            <a:lvl4pPr marL="1371600" indent="0" algn="ctr">
+              <a:buNone/>
+              <a:defRPr sz="1600"/>
             </a:lvl4pPr>
-            <a:lvl5pPr marL="1828800" indent="0">
-              <a:buNone/>
-              <a:defRPr sz="1400">
-                <a:solidFill>
-                  <a:schemeClr val="tx1">
-                    <a:tint val="75000"/>
-                  </a:schemeClr>
-                </a:solidFill>
-              </a:defRPr>
+            <a:lvl5pPr marL="1828800" indent="0" algn="ctr">
+              <a:buNone/>
+              <a:defRPr sz="1600"/>
             </a:lvl5pPr>
-            <a:lvl6pPr marL="2286000" indent="0">
-              <a:buNone/>
-              <a:defRPr sz="1400">
-                <a:solidFill>
-                  <a:schemeClr val="tx1">
-                    <a:tint val="75000"/>
-                  </a:schemeClr>
-                </a:solidFill>
-              </a:defRPr>
+            <a:lvl6pPr marL="2286000" indent="0" algn="ctr">
+              <a:buNone/>
+              <a:defRPr sz="1600"/>
             </a:lvl6pPr>
-            <a:lvl7pPr marL="2743200" indent="0">
-              <a:buNone/>
-              <a:defRPr sz="1400">
-                <a:solidFill>
-                  <a:schemeClr val="tx1">
-                    <a:tint val="75000"/>
-                  </a:schemeClr>
-                </a:solidFill>
-              </a:defRPr>
+            <a:lvl7pPr marL="2743200" indent="0" algn="ctr">
+              <a:buNone/>
+              <a:defRPr sz="1600"/>
             </a:lvl7pPr>
-            <a:lvl8pPr marL="3200400" indent="0">
-              <a:buNone/>
-              <a:defRPr sz="1400">
-                <a:solidFill>
-                  <a:schemeClr val="tx1">
-                    <a:tint val="75000"/>
-                  </a:schemeClr>
-                </a:solidFill>
-              </a:defRPr>
+            <a:lvl8pPr marL="3200400" indent="0" algn="ctr">
+              <a:buNone/>
+              <a:defRPr sz="1600"/>
             </a:lvl8pPr>
-            <a:lvl9pPr marL="3657600" indent="0">
-              <a:buNone/>
-              <a:defRPr sz="1400">
-                <a:solidFill>
-                  <a:schemeClr val="tx1">
-                    <a:tint val="75000"/>
-                  </a:schemeClr>
-                </a:solidFill>
-              </a:defRPr>
+            <a:lvl9pPr marL="3657600" indent="0" algn="ctr">
+              <a:buNone/>
+              <a:defRPr sz="1600"/>
             </a:lvl9pPr>
           </a:lstStyle>
           <a:p>
-            <a:pPr lvl="0"/>
-            <a:r>
-              <a:rPr lang="en-GB"/>
-              <a:t>Click to edit Master text styles</a:t>
-            </a:r>
+            <a:r>
+              <a:rPr lang="en-GB"/>
+              <a:t>Click to edit Master subtitle style</a:t>
+            </a:r>
+            <a:endParaRPr lang="en-US" dirty="0"/>
           </a:p>
         </p:txBody>
       </p:sp>
@@ -3629,9 +3972,9 @@
           <a:bodyPr/>
           <a:lstStyle/>
           <a:p>
-            <a:fld id="{1415355B-2634-4E66-91F0-41971C44CBA6}" type="datetimeFigureOut">
+            <a:fld id="{2E40C26F-2385-4DCA-A233-934715856DD8}" type="datetime1">
               <a:rPr lang="en-GB" smtClean="0"/>
-              <a:t>13/02/2025</a:t>
+              <a:t>14/02/2025</a:t>
             </a:fld>
             <a:endParaRPr lang="en-GB"/>
           </a:p>
@@ -3671,7 +4014,7 @@
           <a:bodyPr/>
           <a:lstStyle/>
           <a:p>
-            <a:fld id="{2FA82579-086B-42C5-A211-27F08592B2BA}" type="slidenum">
+            <a:fld id="{96950E0E-C370-4070-8987-06868BC61B00}" type="slidenum">
               <a:rPr lang="en-GB" smtClean="0"/>
               <a:t>‹#›</a:t>
             </a:fld>
@@ -3682,7 +4025,7 @@
     </p:spTree>
     <p:extLst>
       <p:ext uri="{BB962C8B-B14F-4D97-AF65-F5344CB8AC3E}">
-        <p14:creationId xmlns:p14="http://schemas.microsoft.com/office/powerpoint/2010/main" val="3495496594"/>
+        <p14:creationId xmlns:p14="http://schemas.microsoft.com/office/powerpoint/2010/main" val="793634877"/>
       </p:ext>
     </p:extLst>
   </p:cSld>
@@ -3744,43 +4087,13 @@
         </p:nvSpPr>
         <p:spPr>
           <a:xfrm>
-            <a:off x="1103312" y="2060575"/>
-            <a:ext cx="4396339" cy="4195763"/>
+            <a:off x="1120000" y="1825625"/>
+            <a:ext cx="5025216" cy="4351338"/>
           </a:xfrm>
         </p:spPr>
         <p:txBody>
-          <a:bodyPr>
-            <a:normAutofit/>
-          </a:bodyPr>
-          <a:lstStyle>
-            <a:lvl1pPr>
-              <a:defRPr sz="1800"/>
-            </a:lvl1pPr>
-            <a:lvl2pPr>
-              <a:defRPr sz="1600"/>
-            </a:lvl2pPr>
-            <a:lvl3pPr>
-              <a:defRPr sz="1400"/>
-            </a:lvl3pPr>
-            <a:lvl4pPr>
-              <a:defRPr sz="1200"/>
-            </a:lvl4pPr>
-            <a:lvl5pPr>
-              <a:defRPr sz="1200"/>
-            </a:lvl5pPr>
-            <a:lvl6pPr>
-              <a:defRPr sz="1200"/>
-            </a:lvl6pPr>
-            <a:lvl7pPr>
-              <a:defRPr sz="1200"/>
-            </a:lvl7pPr>
-            <a:lvl8pPr>
-              <a:defRPr sz="1200"/>
-            </a:lvl8pPr>
-            <a:lvl9pPr>
-              <a:defRPr sz="1200"/>
-            </a:lvl9pPr>
-          </a:lstStyle>
+          <a:bodyPr/>
+          <a:lstStyle/>
           <a:p>
             <a:pPr lvl="0"/>
             <a:r>
@@ -3831,43 +4144,13 @@
         </p:nvSpPr>
         <p:spPr>
           <a:xfrm>
-            <a:off x="5654493" y="2056092"/>
-            <a:ext cx="4396341" cy="4200245"/>
+            <a:off x="6319840" y="1825625"/>
+            <a:ext cx="5033960" cy="4351338"/>
           </a:xfrm>
         </p:spPr>
         <p:txBody>
-          <a:bodyPr>
-            <a:normAutofit/>
-          </a:bodyPr>
-          <a:lstStyle>
-            <a:lvl1pPr>
-              <a:defRPr sz="1800"/>
-            </a:lvl1pPr>
-            <a:lvl2pPr>
-              <a:defRPr sz="1600"/>
-            </a:lvl2pPr>
-            <a:lvl3pPr>
-              <a:defRPr sz="1400"/>
-            </a:lvl3pPr>
-            <a:lvl4pPr>
-              <a:defRPr sz="1200"/>
-            </a:lvl4pPr>
-            <a:lvl5pPr>
-              <a:defRPr sz="1200"/>
-            </a:lvl5pPr>
-            <a:lvl6pPr>
-              <a:defRPr sz="1200"/>
-            </a:lvl6pPr>
-            <a:lvl7pPr>
-              <a:defRPr sz="1200"/>
-            </a:lvl7pPr>
-            <a:lvl8pPr>
-              <a:defRPr sz="1200"/>
-            </a:lvl8pPr>
-            <a:lvl9pPr>
-              <a:defRPr sz="1200"/>
-            </a:lvl9pPr>
-          </a:lstStyle>
+          <a:bodyPr/>
+          <a:lstStyle/>
           <a:p>
             <a:pPr lvl="0"/>
             <a:r>
@@ -3921,9 +4204,9 @@
           <a:bodyPr/>
           <a:lstStyle/>
           <a:p>
-            <a:fld id="{1415355B-2634-4E66-91F0-41971C44CBA6}" type="datetimeFigureOut">
+            <a:fld id="{02551839-9C6E-4AFA-A77A-EFF7591ABD9F}" type="datetime1">
               <a:rPr lang="en-GB" smtClean="0"/>
-              <a:t>13/02/2025</a:t>
+              <a:t>14/02/2025</a:t>
             </a:fld>
             <a:endParaRPr lang="en-GB"/>
           </a:p>
@@ -3963,7 +4246,7 @@
           <a:bodyPr/>
           <a:lstStyle/>
           <a:p>
-            <a:fld id="{2FA82579-086B-42C5-A211-27F08592B2BA}" type="slidenum">
+            <a:fld id="{96950E0E-C370-4070-8987-06868BC61B00}" type="slidenum">
               <a:rPr lang="en-GB" smtClean="0"/>
               <a:t>‹#›</a:t>
             </a:fld>
@@ -3974,7 +4257,7 @@
     </p:spTree>
     <p:extLst>
       <p:ext uri="{BB962C8B-B14F-4D97-AF65-F5344CB8AC3E}">
-        <p14:creationId xmlns:p14="http://schemas.microsoft.com/office/powerpoint/2010/main" val="4173030007"/>
+        <p14:creationId xmlns:p14="http://schemas.microsoft.com/office/powerpoint/2010/main" val="157833595"/>
       </p:ext>
     </p:extLst>
   </p:cSld>
@@ -4011,53 +4294,72 @@
             <p:ph type="title"/>
           </p:nvPr>
         </p:nvSpPr>
-        <p:spPr/>
-        <p:txBody>
-          <a:bodyPr/>
-          <a:lstStyle>
-            <a:lvl1pPr>
-              <a:defRPr/>
-            </a:lvl1pPr>
-          </a:lstStyle>
-          <a:p>
-            <a:r>
-              <a:rPr lang="en-GB"/>
-              <a:t>Click to edit Master title style</a:t>
-            </a:r>
-            <a:endParaRPr lang="en-US" dirty="0"/>
-          </a:p>
-        </p:txBody>
-      </p:sp>
-      <p:sp>
-        <p:nvSpPr>
-          <p:cNvPr id="3" name="Text Placeholder 2"/>
-          <p:cNvSpPr>
-            <a:spLocks noGrp="1"/>
-          </p:cNvSpPr>
-          <p:nvPr>
-            <p:ph type="body" idx="1"/>
-          </p:nvPr>
-        </p:nvSpPr>
         <p:spPr>
           <a:xfrm>
-            <a:off x="1103313" y="1905000"/>
-            <a:ext cx="4396338" cy="576262"/>
+            <a:off x="839788" y="365125"/>
+            <a:ext cx="10515600" cy="1325563"/>
           </a:xfrm>
         </p:spPr>
         <p:txBody>
-          <a:bodyPr anchor="b">
-            <a:noAutofit/>
-          </a:bodyPr>
+          <a:bodyPr/>
+          <a:lstStyle/>
+          <a:p>
+            <a:r>
+              <a:rPr lang="en-GB"/>
+              <a:t>Click to edit Master title style</a:t>
+            </a:r>
+            <a:endParaRPr lang="en-US" dirty="0"/>
+          </a:p>
+        </p:txBody>
+      </p:sp>
+      <p:sp>
+        <p:nvSpPr>
+          <p:cNvPr id="3" name="Text Placeholder 2"/>
+          <p:cNvSpPr>
+            <a:spLocks noGrp="1"/>
+          </p:cNvSpPr>
+          <p:nvPr>
+            <p:ph type="body" idx="1"/>
+          </p:nvPr>
+        </p:nvSpPr>
+        <p:spPr>
+          <a:xfrm>
+            <a:off x="1120000" y="1681163"/>
+            <a:ext cx="5025216" cy="823912"/>
+          </a:xfrm>
+        </p:spPr>
+        <p:txBody>
+          <a:bodyPr anchor="b"/>
           <a:lstStyle>
             <a:lvl1pPr marL="0" indent="0">
               <a:buNone/>
               <a:defRPr sz="2400" b="0">
-                <a:solidFill>
-                  <a:schemeClr val="bg2">
-                    <a:lumMod val="40000"/>
-                    <a:lumOff val="60000"/>
-                  </a:schemeClr>
-                </a:solidFill>
+                <a:gradFill>
+                  <a:gsLst>
+                    <a:gs pos="15000">
+                      <a:schemeClr val="tx2"/>
+                    </a:gs>
+                    <a:gs pos="73000">
+                      <a:schemeClr val="tx2">
+                        <a:lumMod val="60000"/>
+                        <a:lumOff val="40000"/>
+                      </a:schemeClr>
+                    </a:gs>
+                    <a:gs pos="0">
+                      <a:schemeClr val="tx2">
+                        <a:lumMod val="90000"/>
+                        <a:lumOff val="10000"/>
+                      </a:schemeClr>
+                    </a:gs>
+                    <a:gs pos="100000">
+                      <a:schemeClr val="tx2">
+                        <a:lumMod val="0"/>
+                        <a:lumOff val="100000"/>
+                      </a:schemeClr>
+                    </a:gs>
+                  </a:gsLst>
+                  <a:lin ang="16200000" scaled="1"/>
+                </a:gradFill>
               </a:defRPr>
             </a:lvl1pPr>
             <a:lvl2pPr marL="457200" indent="0">
@@ -4114,146 +4416,134 @@
         </p:nvSpPr>
         <p:spPr>
           <a:xfrm>
-            <a:off x="1103312" y="2514600"/>
-            <a:ext cx="4396339" cy="3741738"/>
+            <a:off x="1120000" y="2505075"/>
+            <a:ext cx="5025216" cy="3684588"/>
           </a:xfrm>
         </p:spPr>
         <p:txBody>
-          <a:bodyPr>
+          <a:bodyPr/>
+          <a:lstStyle/>
+          <a:p>
+            <a:pPr lvl="0"/>
+            <a:r>
+              <a:rPr lang="en-GB"/>
+              <a:t>Click to edit Master text styles</a:t>
+            </a:r>
+          </a:p>
+          <a:p>
+            <a:pPr lvl="1"/>
+            <a:r>
+              <a:rPr lang="en-GB"/>
+              <a:t>Second level</a:t>
+            </a:r>
+          </a:p>
+          <a:p>
+            <a:pPr lvl="2"/>
+            <a:r>
+              <a:rPr lang="en-GB"/>
+              <a:t>Third level</a:t>
+            </a:r>
+          </a:p>
+          <a:p>
+            <a:pPr lvl="3"/>
+            <a:r>
+              <a:rPr lang="en-GB"/>
+              <a:t>Fourth level</a:t>
+            </a:r>
+          </a:p>
+          <a:p>
+            <a:pPr lvl="4"/>
+            <a:r>
+              <a:rPr lang="en-GB"/>
+              <a:t>Fifth level</a:t>
+            </a:r>
+            <a:endParaRPr lang="en-US" dirty="0"/>
+          </a:p>
+        </p:txBody>
+      </p:sp>
+      <p:sp>
+        <p:nvSpPr>
+          <p:cNvPr id="5" name="Text Placeholder 4"/>
+          <p:cNvSpPr>
+            <a:spLocks noGrp="1"/>
+          </p:cNvSpPr>
+          <p:nvPr>
+            <p:ph type="body" sz="quarter" idx="3"/>
+          </p:nvPr>
+        </p:nvSpPr>
+        <p:spPr>
+          <a:xfrm>
+            <a:off x="6319840" y="1681163"/>
+            <a:ext cx="5035548" cy="823912"/>
+          </a:xfrm>
+        </p:spPr>
+        <p:txBody>
+          <a:bodyPr vert="horz" lIns="91440" tIns="45720" rIns="91440" bIns="45720" rtlCol="0" anchor="b">
             <a:normAutofit/>
           </a:bodyPr>
           <a:lstStyle>
             <a:lvl1pPr>
-              <a:defRPr sz="1800"/>
+              <a:buNone/>
+              <a:defRPr lang="en-US" sz="2400" b="0">
+                <a:gradFill>
+                  <a:gsLst>
+                    <a:gs pos="15000">
+                      <a:schemeClr val="tx2"/>
+                    </a:gs>
+                    <a:gs pos="73000">
+                      <a:schemeClr val="tx2">
+                        <a:lumMod val="60000"/>
+                        <a:lumOff val="40000"/>
+                      </a:schemeClr>
+                    </a:gs>
+                    <a:gs pos="0">
+                      <a:schemeClr val="tx2">
+                        <a:lumMod val="90000"/>
+                        <a:lumOff val="10000"/>
+                      </a:schemeClr>
+                    </a:gs>
+                    <a:gs pos="100000">
+                      <a:schemeClr val="tx2">
+                        <a:lumMod val="0"/>
+                        <a:lumOff val="100000"/>
+                      </a:schemeClr>
+                    </a:gs>
+                  </a:gsLst>
+                  <a:lin ang="16200000" scaled="1"/>
+                </a:gradFill>
+              </a:defRPr>
             </a:lvl1pPr>
-            <a:lvl2pPr>
-              <a:defRPr sz="1600"/>
-            </a:lvl2pPr>
-            <a:lvl3pPr>
-              <a:defRPr sz="1400"/>
-            </a:lvl3pPr>
-            <a:lvl4pPr>
-              <a:defRPr sz="1200"/>
-            </a:lvl4pPr>
-            <a:lvl5pPr>
-              <a:defRPr sz="1200"/>
-            </a:lvl5pPr>
-            <a:lvl6pPr>
-              <a:defRPr sz="1200"/>
-            </a:lvl6pPr>
-            <a:lvl7pPr>
-              <a:defRPr sz="1200"/>
-            </a:lvl7pPr>
-            <a:lvl8pPr>
-              <a:defRPr sz="1200"/>
-            </a:lvl8pPr>
-            <a:lvl9pPr>
-              <a:defRPr sz="1200"/>
-            </a:lvl9pPr>
           </a:lstStyle>
           <a:p>
-            <a:pPr lvl="0"/>
+            <a:pPr marL="0" lvl="0" indent="0">
+              <a:buNone/>
+            </a:pPr>
             <a:r>
               <a:rPr lang="en-GB"/>
               <a:t>Click to edit Master text styles</a:t>
             </a:r>
           </a:p>
-          <a:p>
-            <a:pPr lvl="1"/>
-            <a:r>
-              <a:rPr lang="en-GB"/>
-              <a:t>Second level</a:t>
-            </a:r>
-          </a:p>
-          <a:p>
-            <a:pPr lvl="2"/>
-            <a:r>
-              <a:rPr lang="en-GB"/>
-              <a:t>Third level</a:t>
-            </a:r>
-          </a:p>
-          <a:p>
-            <a:pPr lvl="3"/>
-            <a:r>
-              <a:rPr lang="en-GB"/>
-              <a:t>Fourth level</a:t>
-            </a:r>
-          </a:p>
-          <a:p>
-            <a:pPr lvl="4"/>
-            <a:r>
-              <a:rPr lang="en-GB"/>
-              <a:t>Fifth level</a:t>
-            </a:r>
-            <a:endParaRPr lang="en-US" dirty="0"/>
-          </a:p>
-        </p:txBody>
-      </p:sp>
-      <p:sp>
-        <p:nvSpPr>
-          <p:cNvPr id="5" name="Text Placeholder 4"/>
-          <p:cNvSpPr>
-            <a:spLocks noGrp="1"/>
-          </p:cNvSpPr>
-          <p:nvPr>
-            <p:ph type="body" sz="quarter" idx="3"/>
+        </p:txBody>
+      </p:sp>
+      <p:sp>
+        <p:nvSpPr>
+          <p:cNvPr id="6" name="Content Placeholder 5"/>
+          <p:cNvSpPr>
+            <a:spLocks noGrp="1"/>
+          </p:cNvSpPr>
+          <p:nvPr>
+            <p:ph sz="quarter" idx="4"/>
           </p:nvPr>
         </p:nvSpPr>
         <p:spPr>
           <a:xfrm>
-            <a:off x="5654495" y="1905000"/>
-            <a:ext cx="4396339" cy="576262"/>
+            <a:off x="6319840" y="2505075"/>
+            <a:ext cx="5035548" cy="3684588"/>
           </a:xfrm>
         </p:spPr>
         <p:txBody>
-          <a:bodyPr anchor="b">
-            <a:noAutofit/>
-          </a:bodyPr>
-          <a:lstStyle>
-            <a:lvl1pPr marL="0" indent="0">
-              <a:buNone/>
-              <a:defRPr sz="2400" b="0">
-                <a:solidFill>
-                  <a:schemeClr val="bg2">
-                    <a:lumMod val="40000"/>
-                    <a:lumOff val="60000"/>
-                  </a:schemeClr>
-                </a:solidFill>
-              </a:defRPr>
-            </a:lvl1pPr>
-            <a:lvl2pPr marL="457200" indent="0">
-              <a:buNone/>
-              <a:defRPr sz="2000" b="1"/>
-            </a:lvl2pPr>
-            <a:lvl3pPr marL="914400" indent="0">
-              <a:buNone/>
-              <a:defRPr sz="1800" b="1"/>
-            </a:lvl3pPr>
-            <a:lvl4pPr marL="1371600" indent="0">
-              <a:buNone/>
-              <a:defRPr sz="1600" b="1"/>
-            </a:lvl4pPr>
-            <a:lvl5pPr marL="1828800" indent="0">
-              <a:buNone/>
-              <a:defRPr sz="1600" b="1"/>
-            </a:lvl5pPr>
-            <a:lvl6pPr marL="2286000" indent="0">
-              <a:buNone/>
-              <a:defRPr sz="1600" b="1"/>
-            </a:lvl6pPr>
-            <a:lvl7pPr marL="2743200" indent="0">
-              <a:buNone/>
-              <a:defRPr sz="1600" b="1"/>
-            </a:lvl7pPr>
-            <a:lvl8pPr marL="3200400" indent="0">
-              <a:buNone/>
-              <a:defRPr sz="1600" b="1"/>
-            </a:lvl8pPr>
-            <a:lvl9pPr marL="3657600" indent="0">
-              <a:buNone/>
-              <a:defRPr sz="1600" b="1"/>
-            </a:lvl9pPr>
-          </a:lstStyle>
+          <a:bodyPr/>
+          <a:lstStyle/>
           <a:p>
             <a:pPr lvl="0"/>
             <a:r>
@@ -4261,64 +4551,6 @@
               <a:t>Click to edit Master text styles</a:t>
             </a:r>
           </a:p>
-        </p:txBody>
-      </p:sp>
-      <p:sp>
-        <p:nvSpPr>
-          <p:cNvPr id="6" name="Content Placeholder 5"/>
-          <p:cNvSpPr>
-            <a:spLocks noGrp="1"/>
-          </p:cNvSpPr>
-          <p:nvPr>
-            <p:ph sz="quarter" idx="4"/>
-          </p:nvPr>
-        </p:nvSpPr>
-        <p:spPr>
-          <a:xfrm>
-            <a:off x="5654495" y="2514600"/>
-            <a:ext cx="4396339" cy="3741738"/>
-          </a:xfrm>
-        </p:spPr>
-        <p:txBody>
-          <a:bodyPr>
-            <a:normAutofit/>
-          </a:bodyPr>
-          <a:lstStyle>
-            <a:lvl1pPr>
-              <a:defRPr sz="1800"/>
-            </a:lvl1pPr>
-            <a:lvl2pPr>
-              <a:defRPr sz="1600"/>
-            </a:lvl2pPr>
-            <a:lvl3pPr>
-              <a:defRPr sz="1400"/>
-            </a:lvl3pPr>
-            <a:lvl4pPr>
-              <a:defRPr sz="1200"/>
-            </a:lvl4pPr>
-            <a:lvl5pPr>
-              <a:defRPr sz="1200"/>
-            </a:lvl5pPr>
-            <a:lvl6pPr>
-              <a:defRPr sz="1200"/>
-            </a:lvl6pPr>
-            <a:lvl7pPr>
-              <a:defRPr sz="1200"/>
-            </a:lvl7pPr>
-            <a:lvl8pPr>
-              <a:defRPr sz="1200"/>
-            </a:lvl8pPr>
-            <a:lvl9pPr>
-              <a:defRPr sz="1200"/>
-            </a:lvl9pPr>
-          </a:lstStyle>
-          <a:p>
-            <a:pPr lvl="0"/>
-            <a:r>
-              <a:rPr lang="en-GB"/>
-              <a:t>Click to edit Master text styles</a:t>
-            </a:r>
-          </a:p>
           <a:p>
             <a:pPr lvl="1"/>
             <a:r>
@@ -4365,9 +4597,9 @@
           <a:bodyPr/>
           <a:lstStyle/>
           <a:p>
-            <a:fld id="{1415355B-2634-4E66-91F0-41971C44CBA6}" type="datetimeFigureOut">
+            <a:fld id="{A08CEAB6-1322-438C-8456-FF1424EBCBE0}" type="datetime1">
               <a:rPr lang="en-GB" smtClean="0"/>
-              <a:t>13/02/2025</a:t>
+              <a:t>14/02/2025</a:t>
             </a:fld>
             <a:endParaRPr lang="en-GB"/>
           </a:p>
@@ -4407,7 +4639,7 @@
           <a:bodyPr/>
           <a:lstStyle/>
           <a:p>
-            <a:fld id="{2FA82579-086B-42C5-A211-27F08592B2BA}" type="slidenum">
+            <a:fld id="{96950E0E-C370-4070-8987-06868BC61B00}" type="slidenum">
               <a:rPr lang="en-GB" smtClean="0"/>
               <a:t>‹#›</a:t>
             </a:fld>
@@ -4418,7 +4650,7 @@
     </p:spTree>
     <p:extLst>
       <p:ext uri="{BB962C8B-B14F-4D97-AF65-F5344CB8AC3E}">
-        <p14:creationId xmlns:p14="http://schemas.microsoft.com/office/powerpoint/2010/main" val="341382863"/>
+        <p14:creationId xmlns:p14="http://schemas.microsoft.com/office/powerpoint/2010/main" val="1755348854"/>
       </p:ext>
     </p:extLst>
   </p:cSld>
@@ -4470,7 +4702,7 @@
       </p:sp>
       <p:sp>
         <p:nvSpPr>
-          <p:cNvPr id="7" name="Date Placeholder 2"/>
+          <p:cNvPr id="3" name="Date Placeholder 2"/>
           <p:cNvSpPr>
             <a:spLocks noGrp="1"/>
           </p:cNvSpPr>
@@ -4483,9 +4715,9 @@
           <a:bodyPr/>
           <a:lstStyle/>
           <a:p>
-            <a:fld id="{1415355B-2634-4E66-91F0-41971C44CBA6}" type="datetimeFigureOut">
+            <a:fld id="{4B3885A3-CBB0-42F5-8367-8C61CA538BB9}" type="datetime1">
               <a:rPr lang="en-GB" smtClean="0"/>
-              <a:t>13/02/2025</a:t>
+              <a:t>14/02/2025</a:t>
             </a:fld>
             <a:endParaRPr lang="en-GB"/>
           </a:p>
@@ -4493,7 +4725,7 @@
       </p:sp>
       <p:sp>
         <p:nvSpPr>
-          <p:cNvPr id="5" name="Footer Placeholder 3"/>
+          <p:cNvPr id="4" name="Footer Placeholder 3"/>
           <p:cNvSpPr>
             <a:spLocks noGrp="1"/>
           </p:cNvSpPr>
@@ -4512,7 +4744,7 @@
       </p:sp>
       <p:sp>
         <p:nvSpPr>
-          <p:cNvPr id="6" name="Slide Number Placeholder 4"/>
+          <p:cNvPr id="5" name="Slide Number Placeholder 4"/>
           <p:cNvSpPr>
             <a:spLocks noGrp="1"/>
           </p:cNvSpPr>
@@ -4525,7 +4757,7 @@
           <a:bodyPr/>
           <a:lstStyle/>
           <a:p>
-            <a:fld id="{2FA82579-086B-42C5-A211-27F08592B2BA}" type="slidenum">
+            <a:fld id="{96950E0E-C370-4070-8987-06868BC61B00}" type="slidenum">
               <a:rPr lang="en-GB" smtClean="0"/>
               <a:t>‹#›</a:t>
             </a:fld>
@@ -4536,7 +4768,7 @@
     </p:spTree>
     <p:extLst>
       <p:ext uri="{BB962C8B-B14F-4D97-AF65-F5344CB8AC3E}">
-        <p14:creationId xmlns:p14="http://schemas.microsoft.com/office/powerpoint/2010/main" val="3264626232"/>
+        <p14:creationId xmlns:p14="http://schemas.microsoft.com/office/powerpoint/2010/main" val="621372005"/>
       </p:ext>
     </p:extLst>
   </p:cSld>
@@ -4565,7 +4797,7 @@
       </p:grpSpPr>
       <p:sp>
         <p:nvSpPr>
-          <p:cNvPr id="7" name="Date Placeholder 1"/>
+          <p:cNvPr id="2" name="Date Placeholder 1"/>
           <p:cNvSpPr>
             <a:spLocks noGrp="1"/>
           </p:cNvSpPr>
@@ -4578,9 +4810,9 @@
           <a:bodyPr/>
           <a:lstStyle/>
           <a:p>
-            <a:fld id="{1415355B-2634-4E66-91F0-41971C44CBA6}" type="datetimeFigureOut">
+            <a:fld id="{2EE8FF3B-CCD0-4512-B0A3-91E2F9BBBC9A}" type="datetime1">
               <a:rPr lang="en-GB" smtClean="0"/>
-              <a:t>13/02/2025</a:t>
+              <a:t>14/02/2025</a:t>
             </a:fld>
             <a:endParaRPr lang="en-GB"/>
           </a:p>
@@ -4588,7 +4820,7 @@
       </p:sp>
       <p:sp>
         <p:nvSpPr>
-          <p:cNvPr id="5" name="Footer Placeholder 2"/>
+          <p:cNvPr id="3" name="Footer Placeholder 2"/>
           <p:cNvSpPr>
             <a:spLocks noGrp="1"/>
           </p:cNvSpPr>
@@ -4607,7 +4839,7 @@
       </p:sp>
       <p:sp>
         <p:nvSpPr>
-          <p:cNvPr id="6" name="Slide Number Placeholder 3"/>
+          <p:cNvPr id="4" name="Slide Number Placeholder 3"/>
           <p:cNvSpPr>
             <a:spLocks noGrp="1"/>
           </p:cNvSpPr>
@@ -4620,7 +4852,7 @@
           <a:bodyPr/>
           <a:lstStyle/>
           <a:p>
-            <a:fld id="{2FA82579-086B-42C5-A211-27F08592B2BA}" type="slidenum">
+            <a:fld id="{96950E0E-C370-4070-8987-06868BC61B00}" type="slidenum">
               <a:rPr lang="en-GB" smtClean="0"/>
               <a:t>‹#›</a:t>
             </a:fld>
@@ -4631,7 +4863,7 @@
     </p:spTree>
     <p:extLst>
       <p:ext uri="{BB962C8B-B14F-4D97-AF65-F5344CB8AC3E}">
-        <p14:creationId xmlns:p14="http://schemas.microsoft.com/office/powerpoint/2010/main" val="298866405"/>
+        <p14:creationId xmlns:p14="http://schemas.microsoft.com/office/powerpoint/2010/main" val="4025189903"/>
       </p:ext>
     </p:extLst>
   </p:cSld>
@@ -4670,15 +4902,15 @@
         </p:nvSpPr>
         <p:spPr>
           <a:xfrm>
-            <a:off x="1154953" y="1447800"/>
-            <a:ext cx="3401064" cy="1447800"/>
+            <a:off x="839788" y="457200"/>
+            <a:ext cx="3932237" cy="1600200"/>
           </a:xfrm>
         </p:spPr>
         <p:txBody>
           <a:bodyPr anchor="b"/>
           <a:lstStyle>
-            <a:lvl1pPr algn="l">
-              <a:defRPr sz="2400" b="0"/>
+            <a:lvl1pPr>
+              <a:defRPr sz="3200"/>
             </a:lvl1pPr>
           </a:lstStyle>
           <a:p>
@@ -4702,43 +4934,13 @@
         </p:nvSpPr>
         <p:spPr>
           <a:xfrm>
-            <a:off x="4784616" y="1447800"/>
-            <a:ext cx="5195997" cy="4572000"/>
+            <a:off x="5183188" y="987425"/>
+            <a:ext cx="6172200" cy="4873625"/>
           </a:xfrm>
         </p:spPr>
         <p:txBody>
-          <a:bodyPr anchor="ctr">
-            <a:normAutofit/>
-          </a:bodyPr>
-          <a:lstStyle>
-            <a:lvl1pPr>
-              <a:defRPr sz="2000"/>
-            </a:lvl1pPr>
-            <a:lvl2pPr>
-              <a:defRPr sz="1800"/>
-            </a:lvl2pPr>
-            <a:lvl3pPr>
-              <a:defRPr sz="1600"/>
-            </a:lvl3pPr>
-            <a:lvl4pPr>
-              <a:defRPr sz="1400"/>
-            </a:lvl4pPr>
-            <a:lvl5pPr>
-              <a:defRPr sz="1400"/>
-            </a:lvl5pPr>
-            <a:lvl6pPr>
-              <a:defRPr sz="1400"/>
-            </a:lvl6pPr>
-            <a:lvl7pPr>
-              <a:defRPr sz="1400"/>
-            </a:lvl7pPr>
-            <a:lvl8pPr>
-              <a:defRPr sz="1400"/>
-            </a:lvl8pPr>
-            <a:lvl9pPr>
-              <a:defRPr sz="1400"/>
-            </a:lvl9pPr>
-          </a:lstStyle>
+          <a:bodyPr/>
+          <a:lstStyle/>
           <a:p>
             <a:pPr lvl="0"/>
             <a:r>
@@ -4789,8 +4991,8 @@
         </p:nvSpPr>
         <p:spPr>
           <a:xfrm>
-            <a:off x="1154953" y="3129280"/>
-            <a:ext cx="3401063" cy="2895599"/>
+            <a:off x="1120000" y="2057400"/>
+            <a:ext cx="3652025" cy="3811588"/>
           </a:xfrm>
         </p:spPr>
         <p:txBody>
@@ -4798,39 +5000,63 @@
           <a:lstStyle>
             <a:lvl1pPr marL="0" indent="0">
               <a:buNone/>
-              <a:defRPr sz="1400"/>
+              <a:defRPr sz="1600">
+                <a:gradFill>
+                  <a:gsLst>
+                    <a:gs pos="15000">
+                      <a:schemeClr val="tx2"/>
+                    </a:gs>
+                    <a:gs pos="73000">
+                      <a:schemeClr val="tx2">
+                        <a:lumMod val="60000"/>
+                        <a:lumOff val="40000"/>
+                      </a:schemeClr>
+                    </a:gs>
+                    <a:gs pos="0">
+                      <a:schemeClr val="tx1"/>
+                    </a:gs>
+                    <a:gs pos="100000">
+                      <a:schemeClr val="tx2">
+                        <a:lumMod val="0"/>
+                        <a:lumOff val="100000"/>
+                      </a:schemeClr>
+                    </a:gs>
+                  </a:gsLst>
+                  <a:lin ang="16200000" scaled="1"/>
+                </a:gradFill>
+              </a:defRPr>
             </a:lvl1pPr>
             <a:lvl2pPr marL="457200" indent="0">
               <a:buNone/>
-              <a:defRPr sz="1200"/>
+              <a:defRPr sz="1400"/>
             </a:lvl2pPr>
             <a:lvl3pPr marL="914400" indent="0">
               <a:buNone/>
-              <a:defRPr sz="1000"/>
+              <a:defRPr sz="1200"/>
             </a:lvl3pPr>
             <a:lvl4pPr marL="1371600" indent="0">
               <a:buNone/>
-              <a:defRPr sz="900"/>
+              <a:defRPr sz="1000"/>
             </a:lvl4pPr>
             <a:lvl5pPr marL="1828800" indent="0">
               <a:buNone/>
-              <a:defRPr sz="900"/>
+              <a:defRPr sz="1000"/>
             </a:lvl5pPr>
             <a:lvl6pPr marL="2286000" indent="0">
               <a:buNone/>
-              <a:defRPr sz="900"/>
+              <a:defRPr sz="1000"/>
             </a:lvl6pPr>
             <a:lvl7pPr marL="2743200" indent="0">
               <a:buNone/>
-              <a:defRPr sz="900"/>
+              <a:defRPr sz="1000"/>
             </a:lvl7pPr>
             <a:lvl8pPr marL="3200400" indent="0">
               <a:buNone/>
-              <a:defRPr sz="900"/>
+              <a:defRPr sz="1000"/>
             </a:lvl8pPr>
             <a:lvl9pPr marL="3657600" indent="0">
               <a:buNone/>
-              <a:defRPr sz="900"/>
+              <a:defRPr sz="1000"/>
             </a:lvl9pPr>
           </a:lstStyle>
           <a:p>
@@ -4844,7 +5070,7 @@
       </p:sp>
       <p:sp>
         <p:nvSpPr>
-          <p:cNvPr id="7" name="Date Placeholder 4"/>
+          <p:cNvPr id="5" name="Date Placeholder 4"/>
           <p:cNvSpPr>
             <a:spLocks noGrp="1"/>
           </p:cNvSpPr>
@@ -4857,9 +5083,9 @@
           <a:bodyPr/>
           <a:lstStyle/>
           <a:p>
-            <a:fld id="{1415355B-2634-4E66-91F0-41971C44CBA6}" type="datetimeFigureOut">
+            <a:fld id="{4592F7CD-8F55-4E9D-B1E9-CD64F3D4D60C}" type="datetime1">
               <a:rPr lang="en-GB" smtClean="0"/>
-              <a:t>13/02/2025</a:t>
+              <a:t>14/02/2025</a:t>
             </a:fld>
             <a:endParaRPr lang="en-GB"/>
           </a:p>
@@ -4867,7 +5093,7 @@
       </p:sp>
       <p:sp>
         <p:nvSpPr>
-          <p:cNvPr id="5" name="Footer Placeholder 5"/>
+          <p:cNvPr id="6" name="Footer Placeholder 5"/>
           <p:cNvSpPr>
             <a:spLocks noGrp="1"/>
           </p:cNvSpPr>
@@ -4886,7 +5112,7 @@
       </p:sp>
       <p:sp>
         <p:nvSpPr>
-          <p:cNvPr id="6" name="Slide Number Placeholder 6"/>
+          <p:cNvPr id="7" name="Slide Number Placeholder 6"/>
           <p:cNvSpPr>
             <a:spLocks noGrp="1"/>
           </p:cNvSpPr>
@@ -4899,7 +5125,7 @@
           <a:bodyPr/>
           <a:lstStyle/>
           <a:p>
-            <a:fld id="{2FA82579-086B-42C5-A211-27F08592B2BA}" type="slidenum">
+            <a:fld id="{96950E0E-C370-4070-8987-06868BC61B00}" type="slidenum">
               <a:rPr lang="en-GB" smtClean="0"/>
               <a:t>‹#›</a:t>
             </a:fld>
@@ -4910,7 +5136,7 @@
     </p:spTree>
     <p:extLst>
       <p:ext uri="{BB962C8B-B14F-4D97-AF65-F5344CB8AC3E}">
-        <p14:creationId xmlns:p14="http://schemas.microsoft.com/office/powerpoint/2010/main" val="3392684491"/>
+        <p14:creationId xmlns:p14="http://schemas.microsoft.com/office/powerpoint/2010/main" val="3996323500"/>
       </p:ext>
     </p:extLst>
   </p:cSld>
@@ -4949,17 +5175,15 @@
         </p:nvSpPr>
         <p:spPr>
           <a:xfrm>
-            <a:off x="1153907" y="1854192"/>
-            <a:ext cx="5092906" cy="1574808"/>
+            <a:off x="839788" y="457200"/>
+            <a:ext cx="3932237" cy="1600200"/>
           </a:xfrm>
         </p:spPr>
         <p:txBody>
-          <a:bodyPr anchor="b">
-            <a:normAutofit/>
-          </a:bodyPr>
+          <a:bodyPr anchor="b"/>
           <a:lstStyle>
-            <a:lvl1pPr algn="l">
-              <a:defRPr sz="3600" b="0"/>
+            <a:lvl1pPr>
+              <a:defRPr sz="3200"/>
             </a:lvl1pPr>
           </a:lstStyle>
           <a:p>
@@ -4983,62 +5207,48 @@
         </p:nvSpPr>
         <p:spPr>
           <a:xfrm>
-            <a:off x="6949546" y="1143000"/>
-            <a:ext cx="3200400" cy="4572000"/>
+            <a:off x="5183188" y="987425"/>
+            <a:ext cx="6172200" cy="4873625"/>
           </a:xfrm>
-          <a:prstGeom prst="roundRect">
-            <a:avLst>
-              <a:gd name="adj" fmla="val 1858"/>
-            </a:avLst>
-          </a:prstGeom>
-          <a:effectLst>
-            <a:outerShdw blurRad="50800" dist="50800" dir="5400000" algn="tl" rotWithShape="0">
-              <a:srgbClr val="000000">
-                <a:alpha val="43000"/>
-              </a:srgbClr>
-            </a:outerShdw>
-          </a:effectLst>
         </p:spPr>
         <p:txBody>
-          <a:bodyPr anchor="t">
-            <a:normAutofit/>
-          </a:bodyPr>
+          <a:bodyPr anchor="t"/>
           <a:lstStyle>
-            <a:lvl1pPr marL="0" indent="0" algn="ctr">
-              <a:buNone/>
-              <a:defRPr sz="1600"/>
+            <a:lvl1pPr marL="0" indent="0">
+              <a:buNone/>
+              <a:defRPr sz="3200"/>
             </a:lvl1pPr>
             <a:lvl2pPr marL="457200" indent="0">
               <a:buNone/>
-              <a:defRPr sz="1600"/>
+              <a:defRPr sz="2800"/>
             </a:lvl2pPr>
             <a:lvl3pPr marL="914400" indent="0">
               <a:buNone/>
-              <a:defRPr sz="1600"/>
+              <a:defRPr sz="2400"/>
             </a:lvl3pPr>
             <a:lvl4pPr marL="1371600" indent="0">
               <a:buNone/>
-              <a:defRPr sz="1600"/>
+              <a:defRPr sz="2000"/>
             </a:lvl4pPr>
             <a:lvl5pPr marL="1828800" indent="0">
               <a:buNone/>
-              <a:defRPr sz="1600"/>
+              <a:defRPr sz="2000"/>
             </a:lvl5pPr>
             <a:lvl6pPr marL="2286000" indent="0">
               <a:buNone/>
-              <a:defRPr sz="1600"/>
+              <a:defRPr sz="2000"/>
             </a:lvl6pPr>
             <a:lvl7pPr marL="2743200" indent="0">
               <a:buNone/>
-              <a:defRPr sz="1600"/>
+              <a:defRPr sz="2000"/>
             </a:lvl7pPr>
             <a:lvl8pPr marL="3200400" indent="0">
               <a:buNone/>
-              <a:defRPr sz="1600"/>
+              <a:defRPr sz="2000"/>
             </a:lvl8pPr>
             <a:lvl9pPr marL="3657600" indent="0">
               <a:buNone/>
-              <a:defRPr sz="1600"/>
+              <a:defRPr sz="2000"/>
             </a:lvl9pPr>
           </a:lstStyle>
           <a:p>
@@ -5062,50 +5272,72 @@
         </p:nvSpPr>
         <p:spPr>
           <a:xfrm>
-            <a:off x="1154954" y="3657600"/>
-            <a:ext cx="5084979" cy="1371600"/>
+            <a:off x="1120000" y="2057400"/>
+            <a:ext cx="3652025" cy="3811588"/>
           </a:xfrm>
         </p:spPr>
         <p:txBody>
-          <a:bodyPr>
-            <a:normAutofit/>
-          </a:bodyPr>
+          <a:bodyPr/>
           <a:lstStyle>
             <a:lvl1pPr marL="0" indent="0">
               <a:buNone/>
-              <a:defRPr sz="1400"/>
+              <a:defRPr sz="1600">
+                <a:gradFill>
+                  <a:gsLst>
+                    <a:gs pos="15000">
+                      <a:schemeClr val="tx2"/>
+                    </a:gs>
+                    <a:gs pos="73000">
+                      <a:schemeClr val="tx2">
+                        <a:lumMod val="60000"/>
+                        <a:lumOff val="40000"/>
+                      </a:schemeClr>
+                    </a:gs>
+                    <a:gs pos="0">
+                      <a:schemeClr val="tx1"/>
+                    </a:gs>
+                    <a:gs pos="100000">
+                      <a:schemeClr val="tx2">
+                        <a:lumMod val="0"/>
+                        <a:lumOff val="100000"/>
+                      </a:schemeClr>
+                    </a:gs>
+                  </a:gsLst>
+                  <a:lin ang="16200000" scaled="1"/>
+                </a:gradFill>
+              </a:defRPr>
             </a:lvl1pPr>
             <a:lvl2pPr marL="457200" indent="0">
               <a:buNone/>
-              <a:defRPr sz="1200"/>
+              <a:defRPr sz="1400"/>
             </a:lvl2pPr>
             <a:lvl3pPr marL="914400" indent="0">
               <a:buNone/>
-              <a:defRPr sz="1000"/>
+              <a:defRPr sz="1200"/>
             </a:lvl3pPr>
             <a:lvl4pPr marL="1371600" indent="0">
               <a:buNone/>
-              <a:defRPr sz="900"/>
+              <a:defRPr sz="1000"/>
             </a:lvl4pPr>
             <a:lvl5pPr marL="1828800" indent="0">
               <a:buNone/>
-              <a:defRPr sz="900"/>
+              <a:defRPr sz="1000"/>
             </a:lvl5pPr>
             <a:lvl6pPr marL="2286000" indent="0">
               <a:buNone/>
-              <a:defRPr sz="900"/>
+              <a:defRPr sz="1000"/>
             </a:lvl6pPr>
             <a:lvl7pPr marL="2743200" indent="0">
               <a:buNone/>
-              <a:defRPr sz="900"/>
+              <a:defRPr sz="1000"/>
             </a:lvl7pPr>
             <a:lvl8pPr marL="3200400" indent="0">
               <a:buNone/>
-              <a:defRPr sz="900"/>
+              <a:defRPr sz="1000"/>
             </a:lvl8pPr>
             <a:lvl9pPr marL="3657600" indent="0">
               <a:buNone/>
-              <a:defRPr sz="900"/>
+              <a:defRPr sz="1000"/>
             </a:lvl9pPr>
           </a:lstStyle>
           <a:p>
@@ -5132,9 +5364,9 @@
           <a:bodyPr/>
           <a:lstStyle/>
           <a:p>
-            <a:fld id="{1415355B-2634-4E66-91F0-41971C44CBA6}" type="datetimeFigureOut">
+            <a:fld id="{4A62C000-05F7-48E1-8091-A26E7E5100BC}" type="datetime1">
               <a:rPr lang="en-GB" smtClean="0"/>
-              <a:t>13/02/2025</a:t>
+              <a:t>14/02/2025</a:t>
             </a:fld>
             <a:endParaRPr lang="en-GB"/>
           </a:p>
@@ -5174,7 +5406,7 @@
           <a:bodyPr/>
           <a:lstStyle/>
           <a:p>
-            <a:fld id="{2FA82579-086B-42C5-A211-27F08592B2BA}" type="slidenum">
+            <a:fld id="{96950E0E-C370-4070-8987-06868BC61B00}" type="slidenum">
               <a:rPr lang="en-GB" smtClean="0"/>
               <a:t>‹#›</a:t>
             </a:fld>
@@ -5185,7 +5417,7 @@
     </p:spTree>
     <p:extLst>
       <p:ext uri="{BB962C8B-B14F-4D97-AF65-F5344CB8AC3E}">
-        <p14:creationId xmlns:p14="http://schemas.microsoft.com/office/powerpoint/2010/main" val="1532346955"/>
+        <p14:creationId xmlns:p14="http://schemas.microsoft.com/office/powerpoint/2010/main" val="558983399"/>
       </p:ext>
     </p:extLst>
   </p:cSld>
@@ -5199,9 +5431,18 @@
 <p:sldMaster xmlns:a="http://schemas.openxmlformats.org/drawingml/2006/main" xmlns:r="http://schemas.openxmlformats.org/officeDocument/2006/relationships" xmlns:p="http://schemas.openxmlformats.org/presentationml/2006/main">
   <p:cSld>
     <p:bg>
-      <p:bgRef idx="1003">
-        <a:schemeClr val="bg2"/>
-      </p:bgRef>
+      <p:bgPr>
+        <a:blipFill dpi="0" rotWithShape="1">
+          <a:blip r:embed="rId19">
+            <a:lum/>
+          </a:blip>
+          <a:srcRect/>
+          <a:stretch>
+            <a:fillRect/>
+          </a:stretch>
+        </a:blipFill>
+        <a:effectLst/>
+      </p:bgPr>
     </p:bg>
     <p:spTree>
       <p:nvGrpSpPr>
@@ -5217,430 +5458,267 @@
           <a:chExt cx="0" cy="0"/>
         </a:xfrm>
       </p:grpSpPr>
-      <p:pic>
-        <p:nvPicPr>
-          <p:cNvPr id="8" name="Picture 7"/>
-          <p:cNvPicPr>
-            <a:picLocks noChangeAspect="1"/>
-          </p:cNvPicPr>
-          <p:nvPr/>
-        </p:nvPicPr>
-        <p:blipFill rotWithShape="1">
-          <a:blip r:embed="rId19">
-            <a:extLst>
-              <a:ext uri="{28A0092B-C50C-407E-A947-70E740481C1C}">
-                <a14:useLocalDpi xmlns:a14="http://schemas.microsoft.com/office/drawing/2010/main" val="0"/>
-              </a:ext>
-            </a:extLst>
-          </a:blip>
-          <a:srcRect l="3613"/>
-          <a:stretch/>
-        </p:blipFill>
+      <p:sp>
+        <p:nvSpPr>
+          <p:cNvPr id="2" name="Title Placeholder 1"/>
+          <p:cNvSpPr>
+            <a:spLocks noGrp="1"/>
+          </p:cNvSpPr>
+          <p:nvPr>
+            <p:ph type="title"/>
+          </p:nvPr>
+        </p:nvSpPr>
         <p:spPr>
           <a:xfrm>
-            <a:off x="0" y="2669685"/>
-            <a:ext cx="4037012" cy="4188315"/>
+            <a:off x="838200" y="365125"/>
+            <a:ext cx="10515600" cy="1325563"/>
           </a:xfrm>
           <a:prstGeom prst="rect">
             <a:avLst/>
           </a:prstGeom>
         </p:spPr>
-      </p:pic>
-      <p:pic>
-        <p:nvPicPr>
-          <p:cNvPr id="7" name="Picture 6"/>
-          <p:cNvPicPr>
-            <a:picLocks noChangeAspect="1"/>
-          </p:cNvPicPr>
-          <p:nvPr/>
-        </p:nvPicPr>
-        <p:blipFill rotWithShape="1">
-          <a:blip r:embed="rId20">
-            <a:extLst>
-              <a:ext uri="{28A0092B-C50C-407E-A947-70E740481C1C}">
-                <a14:useLocalDpi xmlns:a14="http://schemas.microsoft.com/office/drawing/2010/main" val="0"/>
-              </a:ext>
-            </a:extLst>
-          </a:blip>
-          <a:srcRect l="35640"/>
-          <a:stretch/>
-        </p:blipFill>
+        <p:txBody>
+          <a:bodyPr vert="horz" lIns="91440" tIns="45720" rIns="91440" bIns="45720" rtlCol="0" anchor="ctr">
+            <a:normAutofit/>
+          </a:bodyPr>
+          <a:lstStyle/>
+          <a:p>
+            <a:r>
+              <a:rPr lang="en-GB"/>
+              <a:t>Click to edit Master title style</a:t>
+            </a:r>
+            <a:endParaRPr lang="en-US" dirty="0"/>
+          </a:p>
+        </p:txBody>
+      </p:sp>
+      <p:sp>
+        <p:nvSpPr>
+          <p:cNvPr id="3" name="Text Placeholder 2"/>
+          <p:cNvSpPr>
+            <a:spLocks noGrp="1"/>
+          </p:cNvSpPr>
+          <p:nvPr>
+            <p:ph type="body" idx="1"/>
+          </p:nvPr>
+        </p:nvSpPr>
         <p:spPr>
           <a:xfrm>
-            <a:off x="0" y="2892347"/>
-            <a:ext cx="1522412" cy="2365453"/>
+            <a:off x="1120000" y="1825625"/>
+            <a:ext cx="10233800" cy="4351338"/>
           </a:xfrm>
           <a:prstGeom prst="rect">
             <a:avLst/>
           </a:prstGeom>
         </p:spPr>
-      </p:pic>
-      <p:sp>
-        <p:nvSpPr>
-          <p:cNvPr id="16" name="Oval 15"/>
-          <p:cNvSpPr/>
-          <p:nvPr/>
+        <p:txBody>
+          <a:bodyPr vert="horz" lIns="91440" tIns="45720" rIns="91440" bIns="45720" rtlCol="0">
+            <a:normAutofit/>
+          </a:bodyPr>
+          <a:lstStyle/>
+          <a:p>
+            <a:pPr lvl="0"/>
+            <a:r>
+              <a:rPr lang="en-GB"/>
+              <a:t>Click to edit Master text styles</a:t>
+            </a:r>
+          </a:p>
+          <a:p>
+            <a:pPr lvl="1"/>
+            <a:r>
+              <a:rPr lang="en-GB"/>
+              <a:t>Second level</a:t>
+            </a:r>
+          </a:p>
+          <a:p>
+            <a:pPr lvl="2"/>
+            <a:r>
+              <a:rPr lang="en-GB"/>
+              <a:t>Third level</a:t>
+            </a:r>
+          </a:p>
+          <a:p>
+            <a:pPr lvl="3"/>
+            <a:r>
+              <a:rPr lang="en-GB"/>
+              <a:t>Fourth level</a:t>
+            </a:r>
+          </a:p>
+          <a:p>
+            <a:pPr lvl="4"/>
+            <a:r>
+              <a:rPr lang="en-GB"/>
+              <a:t>Fifth level</a:t>
+            </a:r>
+            <a:endParaRPr lang="en-US" dirty="0"/>
+          </a:p>
+        </p:txBody>
+      </p:sp>
+      <p:sp>
+        <p:nvSpPr>
+          <p:cNvPr id="4" name="Date Placeholder 3"/>
+          <p:cNvSpPr>
+            <a:spLocks noGrp="1"/>
+          </p:cNvSpPr>
+          <p:nvPr>
+            <p:ph type="dt" sz="half" idx="2"/>
+          </p:nvPr>
         </p:nvSpPr>
         <p:spPr>
           <a:xfrm>
-            <a:off x="8609012" y="1676400"/>
-            <a:ext cx="2819400" cy="2819400"/>
-          </a:xfrm>
-          <a:prstGeom prst="ellipse">
-            <a:avLst/>
-          </a:prstGeom>
-          <a:gradFill flip="none" rotWithShape="1">
-            <a:gsLst>
-              <a:gs pos="0">
-                <a:schemeClr val="bg2">
-                  <a:lumMod val="60000"/>
-                  <a:lumOff val="40000"/>
-                  <a:alpha val="7000"/>
-                </a:schemeClr>
-              </a:gs>
-              <a:gs pos="69000">
-                <a:schemeClr val="bg2">
-                  <a:lumMod val="60000"/>
-                  <a:lumOff val="40000"/>
-                  <a:alpha val="0"/>
-                </a:schemeClr>
-              </a:gs>
-              <a:gs pos="36000">
-                <a:schemeClr val="bg2">
-                  <a:lumMod val="60000"/>
-                  <a:lumOff val="40000"/>
-                  <a:alpha val="6000"/>
-                </a:schemeClr>
-              </a:gs>
-            </a:gsLst>
-            <a:path path="circle">
-              <a:fillToRect l="50000" t="50000" r="50000" b="50000"/>
-            </a:path>
-            <a:tileRect/>
-          </a:gradFill>
-          <a:ln>
-            <a:noFill/>
-          </a:ln>
-          <a:effectLst/>
-        </p:spPr>
-        <p:style>
-          <a:lnRef idx="1">
-            <a:schemeClr val="accent1"/>
-          </a:lnRef>
-          <a:fillRef idx="3">
-            <a:schemeClr val="accent1"/>
-          </a:fillRef>
-          <a:effectRef idx="2">
-            <a:schemeClr val="accent1"/>
-          </a:effectRef>
-          <a:fontRef idx="minor">
-            <a:schemeClr val="lt1"/>
-          </a:fontRef>
-        </p:style>
-      </p:sp>
-      <p:pic>
-        <p:nvPicPr>
-          <p:cNvPr id="9" name="Picture 8"/>
-          <p:cNvPicPr>
-            <a:picLocks noChangeAspect="1"/>
-          </p:cNvPicPr>
-          <p:nvPr/>
-        </p:nvPicPr>
-        <p:blipFill rotWithShape="1">
-          <a:blip r:embed="rId21">
-            <a:extLst>
-              <a:ext uri="{28A0092B-C50C-407E-A947-70E740481C1C}">
-                <a14:useLocalDpi xmlns:a14="http://schemas.microsoft.com/office/drawing/2010/main" val="0"/>
-              </a:ext>
-            </a:extLst>
-          </a:blip>
-          <a:srcRect t="28813"/>
-          <a:stretch/>
-        </p:blipFill>
-        <p:spPr>
-          <a:xfrm>
-            <a:off x="7999412" y="0"/>
-            <a:ext cx="1603387" cy="1141407"/>
+            <a:off x="838200" y="6356350"/>
+            <a:ext cx="2743200" cy="365125"/>
           </a:xfrm>
           <a:prstGeom prst="rect">
             <a:avLst/>
           </a:prstGeom>
         </p:spPr>
-      </p:pic>
-      <p:pic>
-        <p:nvPicPr>
-          <p:cNvPr id="10" name="Picture 9"/>
-          <p:cNvPicPr>
-            <a:picLocks noChangeAspect="1"/>
-          </p:cNvPicPr>
-          <p:nvPr/>
-        </p:nvPicPr>
-        <p:blipFill rotWithShape="1">
-          <a:blip r:embed="rId22">
-            <a:extLst>
-              <a:ext uri="{28A0092B-C50C-407E-A947-70E740481C1C}">
-                <a14:useLocalDpi xmlns:a14="http://schemas.microsoft.com/office/drawing/2010/main" val="0"/>
-              </a:ext>
-            </a:extLst>
-          </a:blip>
-          <a:srcRect b="23320"/>
-          <a:stretch/>
-        </p:blipFill>
+        <p:txBody>
+          <a:bodyPr vert="horz" lIns="91440" tIns="45720" rIns="91440" bIns="45720" rtlCol="0" anchor="ctr"/>
+          <a:lstStyle>
+            <a:lvl1pPr algn="l">
+              <a:defRPr sz="1200">
+                <a:gradFill flip="none" rotWithShape="1">
+                  <a:gsLst>
+                    <a:gs pos="28000">
+                      <a:schemeClr val="tx1">
+                        <a:lumMod val="93000"/>
+                      </a:schemeClr>
+                    </a:gs>
+                    <a:gs pos="0">
+                      <a:schemeClr val="bg1">
+                        <a:lumMod val="38000"/>
+                        <a:lumOff val="62000"/>
+                      </a:schemeClr>
+                    </a:gs>
+                    <a:gs pos="100000">
+                      <a:schemeClr val="tx2">
+                        <a:lumMod val="0"/>
+                        <a:lumOff val="100000"/>
+                      </a:schemeClr>
+                    </a:gs>
+                  </a:gsLst>
+                  <a:lin ang="5400000" scaled="1"/>
+                  <a:tileRect/>
+                </a:gradFill>
+              </a:defRPr>
+            </a:lvl1pPr>
+          </a:lstStyle>
+          <a:p>
+            <a:fld id="{A6167571-A7EE-46D1-89BA-B10F682DEF10}" type="datetime1">
+              <a:rPr lang="en-GB" smtClean="0"/>
+              <a:t>14/02/2025</a:t>
+            </a:fld>
+            <a:endParaRPr lang="en-GB"/>
+          </a:p>
+        </p:txBody>
+      </p:sp>
+      <p:sp>
+        <p:nvSpPr>
+          <p:cNvPr id="5" name="Footer Placeholder 4"/>
+          <p:cNvSpPr>
+            <a:spLocks noGrp="1"/>
+          </p:cNvSpPr>
+          <p:nvPr>
+            <p:ph type="ftr" sz="quarter" idx="3"/>
+          </p:nvPr>
+        </p:nvSpPr>
         <p:spPr>
           <a:xfrm>
-            <a:off x="8605878" y="6096000"/>
-            <a:ext cx="993734" cy="762000"/>
+            <a:off x="4038600" y="6356350"/>
+            <a:ext cx="4114800" cy="365125"/>
           </a:xfrm>
           <a:prstGeom prst="rect">
             <a:avLst/>
           </a:prstGeom>
         </p:spPr>
-      </p:pic>
-      <p:sp>
-        <p:nvSpPr>
-          <p:cNvPr id="14" name="Rectangle 13"/>
-          <p:cNvSpPr/>
-          <p:nvPr/>
+        <p:txBody>
+          <a:bodyPr vert="horz" lIns="91440" tIns="45720" rIns="91440" bIns="45720" rtlCol="0" anchor="ctr"/>
+          <a:lstStyle>
+            <a:lvl1pPr algn="ctr">
+              <a:defRPr sz="1200">
+                <a:gradFill flip="none" rotWithShape="1">
+                  <a:gsLst>
+                    <a:gs pos="28000">
+                      <a:schemeClr val="tx1">
+                        <a:lumMod val="93000"/>
+                      </a:schemeClr>
+                    </a:gs>
+                    <a:gs pos="0">
+                      <a:schemeClr val="bg1">
+                        <a:lumMod val="38000"/>
+                        <a:lumOff val="62000"/>
+                      </a:schemeClr>
+                    </a:gs>
+                    <a:gs pos="100000">
+                      <a:schemeClr val="tx2">
+                        <a:lumMod val="0"/>
+                        <a:lumOff val="100000"/>
+                      </a:schemeClr>
+                    </a:gs>
+                  </a:gsLst>
+                  <a:lin ang="5400000" scaled="1"/>
+                  <a:tileRect/>
+                </a:gradFill>
+              </a:defRPr>
+            </a:lvl1pPr>
+          </a:lstStyle>
+          <a:p>
+            <a:endParaRPr lang="en-GB"/>
+          </a:p>
+        </p:txBody>
+      </p:sp>
+      <p:sp>
+        <p:nvSpPr>
+          <p:cNvPr id="6" name="Slide Number Placeholder 5"/>
+          <p:cNvSpPr>
+            <a:spLocks noGrp="1"/>
+          </p:cNvSpPr>
+          <p:nvPr>
+            <p:ph type="sldNum" sz="quarter" idx="4"/>
+          </p:nvPr>
         </p:nvSpPr>
         <p:spPr>
           <a:xfrm>
-            <a:off x="10437812" y="0"/>
-            <a:ext cx="685800" cy="1143000"/>
-          </a:xfrm>
-          <a:prstGeom prst="rect">
-            <a:avLst/>
-          </a:prstGeom>
-          <a:solidFill>
-            <a:schemeClr val="accent1"/>
-          </a:solidFill>
-          <a:ln>
-            <a:noFill/>
-          </a:ln>
-        </p:spPr>
-        <p:style>
-          <a:lnRef idx="1">
-            <a:schemeClr val="accent1"/>
-          </a:lnRef>
-          <a:fillRef idx="3">
-            <a:schemeClr val="accent1"/>
-          </a:fillRef>
-          <a:effectRef idx="2">
-            <a:schemeClr val="accent1"/>
-          </a:effectRef>
-          <a:fontRef idx="minor">
-            <a:schemeClr val="lt1"/>
-          </a:fontRef>
-        </p:style>
-      </p:sp>
-      <p:sp>
-        <p:nvSpPr>
-          <p:cNvPr id="2" name="Title Placeholder 1"/>
-          <p:cNvSpPr>
-            <a:spLocks noGrp="1"/>
-          </p:cNvSpPr>
-          <p:nvPr>
-            <p:ph type="title"/>
-          </p:nvPr>
-        </p:nvSpPr>
-        <p:spPr>
-          <a:xfrm>
-            <a:off x="646111" y="452718"/>
-            <a:ext cx="9404723" cy="1400530"/>
+            <a:off x="8610600" y="6356350"/>
+            <a:ext cx="2743200" cy="365125"/>
           </a:xfrm>
           <a:prstGeom prst="rect">
             <a:avLst/>
           </a:prstGeom>
         </p:spPr>
         <p:txBody>
-          <a:bodyPr vert="horz" lIns="91440" tIns="45720" rIns="91440" bIns="45720" rtlCol="0" anchor="t">
-            <a:noAutofit/>
-          </a:bodyPr>
-          <a:lstStyle/>
-          <a:p>
-            <a:r>
-              <a:rPr lang="en-GB"/>
-              <a:t>Click to edit Master title style</a:t>
-            </a:r>
-            <a:endParaRPr lang="en-US" dirty="0"/>
-          </a:p>
-        </p:txBody>
-      </p:sp>
-      <p:sp>
-        <p:nvSpPr>
-          <p:cNvPr id="3" name="Text Placeholder 2"/>
-          <p:cNvSpPr>
-            <a:spLocks noGrp="1"/>
-          </p:cNvSpPr>
-          <p:nvPr>
-            <p:ph type="body" idx="1"/>
-          </p:nvPr>
-        </p:nvSpPr>
-        <p:spPr>
-          <a:xfrm>
-            <a:off x="1103312" y="2052918"/>
-            <a:ext cx="8946541" cy="4195481"/>
-          </a:xfrm>
-          <a:prstGeom prst="rect">
-            <a:avLst/>
-          </a:prstGeom>
-        </p:spPr>
-        <p:txBody>
-          <a:bodyPr vert="horz" lIns="91440" tIns="45720" rIns="91440" bIns="45720" rtlCol="0">
-            <a:normAutofit/>
-          </a:bodyPr>
-          <a:lstStyle/>
-          <a:p>
-            <a:pPr lvl="0"/>
-            <a:r>
-              <a:rPr lang="en-GB"/>
-              <a:t>Click to edit Master text styles</a:t>
-            </a:r>
-          </a:p>
-          <a:p>
-            <a:pPr lvl="1"/>
-            <a:r>
-              <a:rPr lang="en-GB"/>
-              <a:t>Second level</a:t>
-            </a:r>
-          </a:p>
-          <a:p>
-            <a:pPr lvl="2"/>
-            <a:r>
-              <a:rPr lang="en-GB"/>
-              <a:t>Third level</a:t>
-            </a:r>
-          </a:p>
-          <a:p>
-            <a:pPr lvl="3"/>
-            <a:r>
-              <a:rPr lang="en-GB"/>
-              <a:t>Fourth level</a:t>
-            </a:r>
-          </a:p>
-          <a:p>
-            <a:pPr lvl="4"/>
-            <a:r>
-              <a:rPr lang="en-GB"/>
-              <a:t>Fifth level</a:t>
-            </a:r>
-            <a:endParaRPr lang="en-US" dirty="0"/>
-          </a:p>
-        </p:txBody>
-      </p:sp>
-      <p:sp>
-        <p:nvSpPr>
-          <p:cNvPr id="4" name="Date Placeholder 3"/>
-          <p:cNvSpPr>
-            <a:spLocks noGrp="1"/>
-          </p:cNvSpPr>
-          <p:nvPr>
-            <p:ph type="dt" sz="half" idx="2"/>
-          </p:nvPr>
-        </p:nvSpPr>
-        <p:spPr>
-          <a:xfrm rot="5400000">
-            <a:off x="10155639" y="1790701"/>
-            <a:ext cx="990599" cy="304799"/>
-          </a:xfrm>
-          <a:prstGeom prst="rect">
-            <a:avLst/>
-          </a:prstGeom>
-        </p:spPr>
-        <p:txBody>
-          <a:bodyPr vert="horz" lIns="91440" tIns="45720" rIns="91440" bIns="45720" rtlCol="0" anchor="t"/>
+          <a:bodyPr vert="horz" lIns="91440" tIns="45720" rIns="91440" bIns="45720" rtlCol="0" anchor="ctr"/>
           <a:lstStyle>
-            <a:lvl1pPr algn="l">
-              <a:defRPr sz="1100" b="0" i="0">
-                <a:solidFill>
-                  <a:schemeClr val="tx1">
-                    <a:tint val="75000"/>
-                    <a:alpha val="60000"/>
-                  </a:schemeClr>
-                </a:solidFill>
+            <a:lvl1pPr algn="r">
+              <a:defRPr sz="1200">
+                <a:gradFill flip="none" rotWithShape="1">
+                  <a:gsLst>
+                    <a:gs pos="28000">
+                      <a:schemeClr val="tx1">
+                        <a:lumMod val="93000"/>
+                      </a:schemeClr>
+                    </a:gs>
+                    <a:gs pos="0">
+                      <a:schemeClr val="bg1">
+                        <a:lumMod val="38000"/>
+                        <a:lumOff val="62000"/>
+                      </a:schemeClr>
+                    </a:gs>
+                    <a:gs pos="100000">
+                      <a:schemeClr val="tx2">
+                        <a:lumMod val="0"/>
+                        <a:lumOff val="100000"/>
+                      </a:schemeClr>
+                    </a:gs>
+                  </a:gsLst>
+                  <a:lin ang="5400000" scaled="1"/>
+                  <a:tileRect/>
+                </a:gradFill>
               </a:defRPr>
             </a:lvl1pPr>
           </a:lstStyle>
           <a:p>
-            <a:fld id="{1415355B-2634-4E66-91F0-41971C44CBA6}" type="datetimeFigureOut">
-              <a:rPr lang="en-GB" smtClean="0"/>
-              <a:t>13/02/2025</a:t>
-            </a:fld>
-            <a:endParaRPr lang="en-GB"/>
-          </a:p>
-        </p:txBody>
-      </p:sp>
-      <p:sp>
-        <p:nvSpPr>
-          <p:cNvPr id="5" name="Footer Placeholder 4"/>
-          <p:cNvSpPr>
-            <a:spLocks noGrp="1"/>
-          </p:cNvSpPr>
-          <p:nvPr>
-            <p:ph type="ftr" sz="quarter" idx="3"/>
-          </p:nvPr>
-        </p:nvSpPr>
-        <p:spPr>
-          <a:xfrm rot="5400000">
-            <a:off x="8951573" y="3225297"/>
-            <a:ext cx="3859795" cy="304801"/>
-          </a:xfrm>
-          <a:prstGeom prst="rect">
-            <a:avLst/>
-          </a:prstGeom>
-        </p:spPr>
-        <p:txBody>
-          <a:bodyPr vert="horz" lIns="91440" tIns="45720" rIns="91440" bIns="45720" rtlCol="0" anchor="b"/>
-          <a:lstStyle>
-            <a:lvl1pPr algn="l">
-              <a:defRPr sz="1100" b="0" i="0">
-                <a:solidFill>
-                  <a:schemeClr val="tx1">
-                    <a:tint val="75000"/>
-                    <a:alpha val="60000"/>
-                  </a:schemeClr>
-                </a:solidFill>
-              </a:defRPr>
-            </a:lvl1pPr>
-          </a:lstStyle>
-          <a:p>
-            <a:endParaRPr lang="en-GB"/>
-          </a:p>
-        </p:txBody>
-      </p:sp>
-      <p:sp>
-        <p:nvSpPr>
-          <p:cNvPr id="6" name="Slide Number Placeholder 5"/>
-          <p:cNvSpPr>
-            <a:spLocks noGrp="1"/>
-          </p:cNvSpPr>
-          <p:nvPr>
-            <p:ph type="sldNum" sz="quarter" idx="4"/>
-          </p:nvPr>
-        </p:nvSpPr>
-        <p:spPr bwMode="gray">
-          <a:xfrm>
-            <a:off x="10352540" y="295729"/>
-            <a:ext cx="838199" cy="767687"/>
-          </a:xfrm>
-          <a:prstGeom prst="rect">
-            <a:avLst/>
-          </a:prstGeom>
-        </p:spPr>
-        <p:txBody>
-          <a:bodyPr vert="horz" lIns="91440" tIns="45720" rIns="91440" bIns="45720" rtlCol="0" anchor="b"/>
-          <a:lstStyle>
-            <a:lvl1pPr algn="ctr">
-              <a:defRPr sz="2800" b="0" i="0">
-                <a:solidFill>
-                  <a:schemeClr val="tx1">
-                    <a:tint val="75000"/>
-                  </a:schemeClr>
-                </a:solidFill>
-              </a:defRPr>
-            </a:lvl1pPr>
-          </a:lstStyle>
-          <a:p>
-            <a:fld id="{2FA82579-086B-42C5-A211-27F08592B2BA}" type="slidenum">
+            <a:fld id="{96950E0E-C370-4070-8987-06868BC61B00}" type="slidenum">
               <a:rPr lang="en-GB" smtClean="0"/>
               <a:t>‹#›</a:t>
             </a:fld>
@@ -5651,327 +5729,327 @@
     </p:spTree>
     <p:extLst>
       <p:ext uri="{BB962C8B-B14F-4D97-AF65-F5344CB8AC3E}">
-        <p14:creationId xmlns:p14="http://schemas.microsoft.com/office/powerpoint/2010/main" val="3039142062"/>
+        <p14:creationId xmlns:p14="http://schemas.microsoft.com/office/powerpoint/2010/main" val="4207456181"/>
       </p:ext>
     </p:extLst>
   </p:cSld>
   <p:clrMap bg1="dk1" tx1="lt1" bg2="dk2" tx2="lt2" accent1="accent1" accent2="accent2" accent3="accent3" accent4="accent4" accent5="accent5" accent6="accent6" hlink="hlink" folHlink="folHlink"/>
   <p:sldLayoutIdLst>
-    <p:sldLayoutId id="2147483661" r:id="rId1"/>
-    <p:sldLayoutId id="2147483662" r:id="rId2"/>
-    <p:sldLayoutId id="2147483663" r:id="rId3"/>
-    <p:sldLayoutId id="2147483664" r:id="rId4"/>
-    <p:sldLayoutId id="2147483665" r:id="rId5"/>
-    <p:sldLayoutId id="2147483666" r:id="rId6"/>
-    <p:sldLayoutId id="2147483667" r:id="rId7"/>
-    <p:sldLayoutId id="2147483668" r:id="rId8"/>
-    <p:sldLayoutId id="2147483669" r:id="rId9"/>
-    <p:sldLayoutId id="2147483670" r:id="rId10"/>
-    <p:sldLayoutId id="2147483671" r:id="rId11"/>
-    <p:sldLayoutId id="2147483672" r:id="rId12"/>
-    <p:sldLayoutId id="2147483673" r:id="rId13"/>
-    <p:sldLayoutId id="2147483674" r:id="rId14"/>
-    <p:sldLayoutId id="2147483675" r:id="rId15"/>
-    <p:sldLayoutId id="2147483676" r:id="rId16"/>
-    <p:sldLayoutId id="2147483677" r:id="rId17"/>
+    <p:sldLayoutId id="2147483697" r:id="rId1"/>
+    <p:sldLayoutId id="2147483698" r:id="rId2"/>
+    <p:sldLayoutId id="2147483699" r:id="rId3"/>
+    <p:sldLayoutId id="2147483700" r:id="rId4"/>
+    <p:sldLayoutId id="2147483701" r:id="rId5"/>
+    <p:sldLayoutId id="2147483702" r:id="rId6"/>
+    <p:sldLayoutId id="2147483703" r:id="rId7"/>
+    <p:sldLayoutId id="2147483704" r:id="rId8"/>
+    <p:sldLayoutId id="2147483705" r:id="rId9"/>
+    <p:sldLayoutId id="2147483706" r:id="rId10"/>
+    <p:sldLayoutId id="2147483707" r:id="rId11"/>
+    <p:sldLayoutId id="2147483708" r:id="rId12"/>
+    <p:sldLayoutId id="2147483709" r:id="rId13"/>
+    <p:sldLayoutId id="2147483710" r:id="rId14"/>
+    <p:sldLayoutId id="2147483711" r:id="rId15"/>
+    <p:sldLayoutId id="2147483712" r:id="rId16"/>
+    <p:sldLayoutId id="2147483713" r:id="rId17"/>
   </p:sldLayoutIdLst>
+  <p:hf sldNum="0" hdr="0" ftr="0" dt="0"/>
   <p:txStyles>
     <p:titleStyle>
-      <a:lvl1pPr algn="l" defTabSz="457200" rtl="0" eaLnBrk="1" latinLnBrk="0" hangingPunct="1">
+      <a:lvl1pPr algn="l" defTabSz="914400" rtl="0" eaLnBrk="1" latinLnBrk="0" hangingPunct="1">
+        <a:lnSpc>
+          <a:spcPct val="90000"/>
+        </a:lnSpc>
         <a:spcBef>
           <a:spcPct val="0"/>
         </a:spcBef>
         <a:buNone/>
-        <a:defRPr sz="4200" b="0" i="0" kern="1200">
-          <a:solidFill>
-            <a:schemeClr val="tx2"/>
-          </a:solidFill>
+        <a:defRPr sz="5400" b="0" kern="1200">
+          <a:gradFill flip="none" rotWithShape="1">
+            <a:gsLst>
+              <a:gs pos="28000">
+                <a:schemeClr val="tx1">
+                  <a:lumMod val="93000"/>
+                </a:schemeClr>
+              </a:gs>
+              <a:gs pos="0">
+                <a:schemeClr val="bg1">
+                  <a:lumMod val="25000"/>
+                  <a:lumOff val="75000"/>
+                </a:schemeClr>
+              </a:gs>
+              <a:gs pos="100000">
+                <a:schemeClr val="tx2">
+                  <a:lumMod val="0"/>
+                  <a:lumOff val="100000"/>
+                </a:schemeClr>
+              </a:gs>
+            </a:gsLst>
+            <a:lin ang="4800000" scaled="0"/>
+            <a:tileRect/>
+          </a:gradFill>
           <a:latin typeface="+mj-lt"/>
           <a:ea typeface="+mj-ea"/>
           <a:cs typeface="+mj-cs"/>
         </a:defRPr>
       </a:lvl1pPr>
-      <a:lvl2pPr eaLnBrk="1" hangingPunct="1">
-        <a:defRPr>
-          <a:solidFill>
-            <a:schemeClr val="tx2"/>
-          </a:solidFill>
-        </a:defRPr>
-      </a:lvl2pPr>
-      <a:lvl3pPr eaLnBrk="1" hangingPunct="1">
-        <a:defRPr>
-          <a:solidFill>
-            <a:schemeClr val="tx2"/>
-          </a:solidFill>
-        </a:defRPr>
-      </a:lvl3pPr>
-      <a:lvl4pPr eaLnBrk="1" hangingPunct="1">
-        <a:defRPr>
-          <a:solidFill>
-            <a:schemeClr val="tx2"/>
-          </a:solidFill>
-        </a:defRPr>
-      </a:lvl4pPr>
-      <a:lvl5pPr eaLnBrk="1" hangingPunct="1">
-        <a:defRPr>
-          <a:solidFill>
-            <a:schemeClr val="tx2"/>
-          </a:solidFill>
-        </a:defRPr>
-      </a:lvl5pPr>
-      <a:lvl6pPr eaLnBrk="1" hangingPunct="1">
-        <a:defRPr>
-          <a:solidFill>
-            <a:schemeClr val="tx2"/>
-          </a:solidFill>
-        </a:defRPr>
-      </a:lvl6pPr>
-      <a:lvl7pPr eaLnBrk="1" hangingPunct="1">
-        <a:defRPr>
-          <a:solidFill>
-            <a:schemeClr val="tx2"/>
-          </a:solidFill>
-        </a:defRPr>
-      </a:lvl7pPr>
-      <a:lvl8pPr eaLnBrk="1" hangingPunct="1">
-        <a:defRPr>
-          <a:solidFill>
-            <a:schemeClr val="tx2"/>
-          </a:solidFill>
-        </a:defRPr>
-      </a:lvl8pPr>
-      <a:lvl9pPr eaLnBrk="1" hangingPunct="1">
-        <a:defRPr>
-          <a:solidFill>
-            <a:schemeClr val="tx2"/>
-          </a:solidFill>
-        </a:defRPr>
-      </a:lvl9pPr>
     </p:titleStyle>
     <p:bodyStyle>
-      <a:lvl1pPr marL="342900" indent="-342900" algn="l" defTabSz="457200" rtl="0" eaLnBrk="1" latinLnBrk="0" hangingPunct="1">
+      <a:lvl1pPr marL="228600" indent="-228600" algn="l" defTabSz="914400" rtl="0" eaLnBrk="1" latinLnBrk="0" hangingPunct="1">
+        <a:lnSpc>
+          <a:spcPct val="90000"/>
+        </a:lnSpc>
         <a:spcBef>
           <a:spcPts val="1000"/>
         </a:spcBef>
-        <a:spcAft>
-          <a:spcPts val="0"/>
-        </a:spcAft>
-        <a:buClr>
-          <a:schemeClr val="bg2">
-            <a:lumMod val="40000"/>
-            <a:lumOff val="60000"/>
-          </a:schemeClr>
-        </a:buClr>
-        <a:buSzPct val="80000"/>
-        <a:buFont typeface="Wingdings 3" charset="2"/>
-        <a:buChar char=""/>
-        <a:defRPr sz="2000" b="0" i="0" kern="1200">
+        <a:buFont typeface="Arial" panose="020B0604020202020204" pitchFamily="34" charset="0"/>
+        <a:buChar char="•"/>
+        <a:defRPr sz="2800" kern="1200">
+          <a:gradFill>
+            <a:gsLst>
+              <a:gs pos="34000">
+                <a:schemeClr val="tx1">
+                  <a:lumMod val="93000"/>
+                </a:schemeClr>
+              </a:gs>
+              <a:gs pos="0">
+                <a:schemeClr val="bg1">
+                  <a:lumMod val="25000"/>
+                  <a:lumOff val="75000"/>
+                </a:schemeClr>
+              </a:gs>
+              <a:gs pos="100000">
+                <a:schemeClr val="tx2">
+                  <a:lumMod val="0"/>
+                  <a:lumOff val="100000"/>
+                </a:schemeClr>
+              </a:gs>
+            </a:gsLst>
+            <a:lin ang="4800000" scaled="0"/>
+          </a:gradFill>
+          <a:latin typeface="+mn-lt"/>
+          <a:ea typeface="+mn-ea"/>
+          <a:cs typeface="+mn-cs"/>
+        </a:defRPr>
+      </a:lvl1pPr>
+      <a:lvl2pPr marL="685800" indent="-228600" algn="l" defTabSz="914400" rtl="0" eaLnBrk="1" latinLnBrk="0" hangingPunct="1">
+        <a:lnSpc>
+          <a:spcPct val="90000"/>
+        </a:lnSpc>
+        <a:spcBef>
+          <a:spcPts val="500"/>
+        </a:spcBef>
+        <a:buFont typeface="Arial" panose="020B0604020202020204" pitchFamily="34" charset="0"/>
+        <a:buChar char="•"/>
+        <a:defRPr sz="2400" kern="1200">
+          <a:gradFill>
+            <a:gsLst>
+              <a:gs pos="34000">
+                <a:schemeClr val="tx1">
+                  <a:lumMod val="93000"/>
+                </a:schemeClr>
+              </a:gs>
+              <a:gs pos="0">
+                <a:schemeClr val="bg1">
+                  <a:lumMod val="25000"/>
+                  <a:lumOff val="75000"/>
+                </a:schemeClr>
+              </a:gs>
+              <a:gs pos="100000">
+                <a:schemeClr val="tx2">
+                  <a:lumMod val="0"/>
+                  <a:lumOff val="100000"/>
+                </a:schemeClr>
+              </a:gs>
+            </a:gsLst>
+            <a:lin ang="4800000" scaled="0"/>
+          </a:gradFill>
+          <a:latin typeface="+mn-lt"/>
+          <a:ea typeface="+mn-ea"/>
+          <a:cs typeface="+mn-cs"/>
+        </a:defRPr>
+      </a:lvl2pPr>
+      <a:lvl3pPr marL="1143000" indent="-228600" algn="l" defTabSz="914400" rtl="0" eaLnBrk="1" latinLnBrk="0" hangingPunct="1">
+        <a:lnSpc>
+          <a:spcPct val="90000"/>
+        </a:lnSpc>
+        <a:spcBef>
+          <a:spcPts val="500"/>
+        </a:spcBef>
+        <a:buFont typeface="Arial" panose="020B0604020202020204" pitchFamily="34" charset="0"/>
+        <a:buChar char="•"/>
+        <a:defRPr sz="2000" kern="1200">
+          <a:gradFill>
+            <a:gsLst>
+              <a:gs pos="34000">
+                <a:schemeClr val="tx1">
+                  <a:lumMod val="93000"/>
+                </a:schemeClr>
+              </a:gs>
+              <a:gs pos="0">
+                <a:schemeClr val="bg1">
+                  <a:lumMod val="25000"/>
+                  <a:lumOff val="75000"/>
+                </a:schemeClr>
+              </a:gs>
+              <a:gs pos="100000">
+                <a:schemeClr val="tx2">
+                  <a:lumMod val="0"/>
+                  <a:lumOff val="100000"/>
+                </a:schemeClr>
+              </a:gs>
+            </a:gsLst>
+            <a:lin ang="4800000" scaled="0"/>
+          </a:gradFill>
+          <a:latin typeface="+mn-lt"/>
+          <a:ea typeface="+mn-ea"/>
+          <a:cs typeface="+mn-cs"/>
+        </a:defRPr>
+      </a:lvl3pPr>
+      <a:lvl4pPr marL="1600200" indent="-228600" algn="l" defTabSz="914400" rtl="0" eaLnBrk="1" latinLnBrk="0" hangingPunct="1">
+        <a:lnSpc>
+          <a:spcPct val="90000"/>
+        </a:lnSpc>
+        <a:spcBef>
+          <a:spcPts val="500"/>
+        </a:spcBef>
+        <a:buFont typeface="Arial" panose="020B0604020202020204" pitchFamily="34" charset="0"/>
+        <a:buChar char="•"/>
+        <a:defRPr sz="1800" kern="1200">
+          <a:gradFill>
+            <a:gsLst>
+              <a:gs pos="34000">
+                <a:schemeClr val="tx1">
+                  <a:lumMod val="93000"/>
+                </a:schemeClr>
+              </a:gs>
+              <a:gs pos="0">
+                <a:schemeClr val="bg1">
+                  <a:lumMod val="25000"/>
+                  <a:lumOff val="75000"/>
+                </a:schemeClr>
+              </a:gs>
+              <a:gs pos="100000">
+                <a:schemeClr val="tx2">
+                  <a:lumMod val="0"/>
+                  <a:lumOff val="100000"/>
+                </a:schemeClr>
+              </a:gs>
+            </a:gsLst>
+            <a:lin ang="4800000" scaled="0"/>
+          </a:gradFill>
+          <a:latin typeface="+mn-lt"/>
+          <a:ea typeface="+mn-ea"/>
+          <a:cs typeface="+mn-cs"/>
+        </a:defRPr>
+      </a:lvl4pPr>
+      <a:lvl5pPr marL="2057400" indent="-228600" algn="l" defTabSz="914400" rtl="0" eaLnBrk="1" latinLnBrk="0" hangingPunct="1">
+        <a:lnSpc>
+          <a:spcPct val="90000"/>
+        </a:lnSpc>
+        <a:spcBef>
+          <a:spcPts val="500"/>
+        </a:spcBef>
+        <a:buFont typeface="Arial" panose="020B0604020202020204" pitchFamily="34" charset="0"/>
+        <a:buChar char="•"/>
+        <a:defRPr sz="1800" kern="1200">
+          <a:gradFill>
+            <a:gsLst>
+              <a:gs pos="34000">
+                <a:schemeClr val="tx1">
+                  <a:lumMod val="93000"/>
+                </a:schemeClr>
+              </a:gs>
+              <a:gs pos="0">
+                <a:schemeClr val="bg1">
+                  <a:lumMod val="25000"/>
+                  <a:lumOff val="75000"/>
+                </a:schemeClr>
+              </a:gs>
+              <a:gs pos="100000">
+                <a:schemeClr val="tx2">
+                  <a:lumMod val="0"/>
+                  <a:lumOff val="100000"/>
+                </a:schemeClr>
+              </a:gs>
+            </a:gsLst>
+            <a:lin ang="4800000" scaled="0"/>
+          </a:gradFill>
+          <a:latin typeface="+mn-lt"/>
+          <a:ea typeface="+mn-ea"/>
+          <a:cs typeface="+mn-cs"/>
+        </a:defRPr>
+      </a:lvl5pPr>
+      <a:lvl6pPr marL="2514600" indent="-228600" algn="l" defTabSz="914400" rtl="0" eaLnBrk="1" latinLnBrk="0" hangingPunct="1">
+        <a:lnSpc>
+          <a:spcPct val="90000"/>
+        </a:lnSpc>
+        <a:spcBef>
+          <a:spcPts val="500"/>
+        </a:spcBef>
+        <a:buFont typeface="Arial" panose="020B0604020202020204" pitchFamily="34" charset="0"/>
+        <a:buChar char="•"/>
+        <a:defRPr sz="1800" kern="1200">
           <a:solidFill>
             <a:schemeClr val="tx1"/>
           </a:solidFill>
-          <a:latin typeface="+mj-lt"/>
-          <a:ea typeface="+mj-ea"/>
-          <a:cs typeface="+mj-cs"/>
+          <a:latin typeface="+mn-lt"/>
+          <a:ea typeface="+mn-ea"/>
+          <a:cs typeface="+mn-cs"/>
         </a:defRPr>
-      </a:lvl1pPr>
-      <a:lvl2pPr marL="742950" indent="-285750" algn="l" defTabSz="457200" rtl="0" eaLnBrk="1" latinLnBrk="0" hangingPunct="1">
+      </a:lvl6pPr>
+      <a:lvl7pPr marL="2971800" indent="-228600" algn="l" defTabSz="914400" rtl="0" eaLnBrk="1" latinLnBrk="0" hangingPunct="1">
+        <a:lnSpc>
+          <a:spcPct val="90000"/>
+        </a:lnSpc>
         <a:spcBef>
-          <a:spcPts val="1000"/>
+          <a:spcPts val="500"/>
         </a:spcBef>
-        <a:spcAft>
-          <a:spcPts val="0"/>
-        </a:spcAft>
-        <a:buClr>
-          <a:schemeClr val="bg2">
-            <a:lumMod val="40000"/>
-            <a:lumOff val="60000"/>
-          </a:schemeClr>
-        </a:buClr>
-        <a:buSzPct val="80000"/>
-        <a:buFont typeface="Wingdings 3" charset="2"/>
-        <a:buChar char=""/>
-        <a:defRPr sz="1800" b="0" i="0" kern="1200">
+        <a:buFont typeface="Arial" panose="020B0604020202020204" pitchFamily="34" charset="0"/>
+        <a:buChar char="•"/>
+        <a:defRPr sz="1800" kern="1200">
           <a:solidFill>
             <a:schemeClr val="tx1"/>
           </a:solidFill>
-          <a:latin typeface="+mj-lt"/>
-          <a:ea typeface="+mj-ea"/>
-          <a:cs typeface="+mj-cs"/>
+          <a:latin typeface="+mn-lt"/>
+          <a:ea typeface="+mn-ea"/>
+          <a:cs typeface="+mn-cs"/>
         </a:defRPr>
-      </a:lvl2pPr>
-      <a:lvl3pPr marL="1143000" indent="-228600" algn="l" defTabSz="457200" rtl="0" eaLnBrk="1" latinLnBrk="0" hangingPunct="1">
+      </a:lvl7pPr>
+      <a:lvl8pPr marL="3429000" indent="-228600" algn="l" defTabSz="914400" rtl="0" eaLnBrk="1" latinLnBrk="0" hangingPunct="1">
+        <a:lnSpc>
+          <a:spcPct val="90000"/>
+        </a:lnSpc>
         <a:spcBef>
-          <a:spcPts val="1000"/>
+          <a:spcPts val="500"/>
         </a:spcBef>
-        <a:spcAft>
-          <a:spcPts val="0"/>
-        </a:spcAft>
-        <a:buClr>
-          <a:schemeClr val="bg2">
-            <a:lumMod val="40000"/>
-            <a:lumOff val="60000"/>
-          </a:schemeClr>
-        </a:buClr>
-        <a:buSzPct val="80000"/>
-        <a:buFont typeface="Wingdings 3" charset="2"/>
-        <a:buChar char=""/>
-        <a:defRPr sz="1600" b="0" i="0" kern="1200">
+        <a:buFont typeface="Arial" panose="020B0604020202020204" pitchFamily="34" charset="0"/>
+        <a:buChar char="•"/>
+        <a:defRPr sz="1800" kern="1200">
           <a:solidFill>
             <a:schemeClr val="tx1"/>
           </a:solidFill>
-          <a:latin typeface="+mj-lt"/>
-          <a:ea typeface="+mj-ea"/>
-          <a:cs typeface="+mj-cs"/>
+          <a:latin typeface="+mn-lt"/>
+          <a:ea typeface="+mn-ea"/>
+          <a:cs typeface="+mn-cs"/>
         </a:defRPr>
-      </a:lvl3pPr>
-      <a:lvl4pPr marL="1600200" indent="-228600" algn="l" defTabSz="457200" rtl="0" eaLnBrk="1" latinLnBrk="0" hangingPunct="1">
+      </a:lvl8pPr>
+      <a:lvl9pPr marL="3886200" indent="-228600" algn="l" defTabSz="914400" rtl="0" eaLnBrk="1" latinLnBrk="0" hangingPunct="1">
+        <a:lnSpc>
+          <a:spcPct val="90000"/>
+        </a:lnSpc>
         <a:spcBef>
-          <a:spcPts val="1000"/>
+          <a:spcPts val="500"/>
         </a:spcBef>
-        <a:spcAft>
-          <a:spcPts val="0"/>
-        </a:spcAft>
-        <a:buClr>
-          <a:schemeClr val="bg2">
-            <a:lumMod val="40000"/>
-            <a:lumOff val="60000"/>
-          </a:schemeClr>
-        </a:buClr>
-        <a:buSzPct val="80000"/>
-        <a:buFont typeface="Wingdings 3" charset="2"/>
-        <a:buChar char=""/>
-        <a:defRPr sz="1400" b="0" i="0" kern="1200">
+        <a:buFont typeface="Arial" panose="020B0604020202020204" pitchFamily="34" charset="0"/>
+        <a:buChar char="•"/>
+        <a:defRPr sz="1800" kern="1200">
           <a:solidFill>
             <a:schemeClr val="tx1"/>
           </a:solidFill>
-          <a:latin typeface="+mj-lt"/>
-          <a:ea typeface="+mj-ea"/>
-          <a:cs typeface="+mj-cs"/>
-        </a:defRPr>
-      </a:lvl4pPr>
-      <a:lvl5pPr marL="2057400" indent="-228600" algn="l" defTabSz="457200" rtl="0" eaLnBrk="1" latinLnBrk="0" hangingPunct="1">
-        <a:spcBef>
-          <a:spcPts val="1000"/>
-        </a:spcBef>
-        <a:spcAft>
-          <a:spcPts val="0"/>
-        </a:spcAft>
-        <a:buClr>
-          <a:schemeClr val="bg2">
-            <a:lumMod val="40000"/>
-            <a:lumOff val="60000"/>
-          </a:schemeClr>
-        </a:buClr>
-        <a:buSzPct val="80000"/>
-        <a:buFont typeface="Wingdings 3" charset="2"/>
-        <a:buChar char=""/>
-        <a:defRPr sz="1400" b="0" i="0" kern="1200">
-          <a:solidFill>
-            <a:schemeClr val="tx1"/>
-          </a:solidFill>
-          <a:latin typeface="+mj-lt"/>
-          <a:ea typeface="+mj-ea"/>
-          <a:cs typeface="+mj-cs"/>
-        </a:defRPr>
-      </a:lvl5pPr>
-      <a:lvl6pPr marL="2506000" indent="-228600" algn="l" defTabSz="457200" rtl="0" eaLnBrk="1" latinLnBrk="0" hangingPunct="1">
-        <a:spcBef>
-          <a:spcPts val="1000"/>
-        </a:spcBef>
-        <a:spcAft>
-          <a:spcPts val="0"/>
-        </a:spcAft>
-        <a:buClr>
-          <a:schemeClr val="bg2">
-            <a:lumMod val="40000"/>
-            <a:lumOff val="60000"/>
-          </a:schemeClr>
-        </a:buClr>
-        <a:buSzPct val="80000"/>
-        <a:buFont typeface="Wingdings 3" charset="2"/>
-        <a:buChar char=""/>
-        <a:defRPr sz="1400" b="0" i="0" kern="1200">
-          <a:solidFill>
-            <a:schemeClr val="tx1"/>
-          </a:solidFill>
-          <a:latin typeface="+mj-lt"/>
-          <a:ea typeface="+mj-ea"/>
-          <a:cs typeface="+mj-cs"/>
-        </a:defRPr>
-      </a:lvl6pPr>
-      <a:lvl7pPr marL="2971800" indent="-228600" algn="l" defTabSz="457200" rtl="0" eaLnBrk="1" latinLnBrk="0" hangingPunct="1">
-        <a:spcBef>
-          <a:spcPts val="1000"/>
-        </a:spcBef>
-        <a:spcAft>
-          <a:spcPts val="0"/>
-        </a:spcAft>
-        <a:buClr>
-          <a:schemeClr val="bg2">
-            <a:lumMod val="40000"/>
-            <a:lumOff val="60000"/>
-          </a:schemeClr>
-        </a:buClr>
-        <a:buSzPct val="80000"/>
-        <a:buFont typeface="Wingdings 3" charset="2"/>
-        <a:buChar char=""/>
-        <a:defRPr sz="1400" b="0" i="0" kern="1200">
-          <a:solidFill>
-            <a:schemeClr val="tx1"/>
-          </a:solidFill>
-          <a:latin typeface="+mj-lt"/>
-          <a:ea typeface="+mj-ea"/>
-          <a:cs typeface="+mj-cs"/>
-        </a:defRPr>
-      </a:lvl7pPr>
-      <a:lvl8pPr marL="3429000" indent="-228600" algn="l" defTabSz="457200" rtl="0" eaLnBrk="1" latinLnBrk="0" hangingPunct="1">
-        <a:spcBef>
-          <a:spcPts val="1000"/>
-        </a:spcBef>
-        <a:spcAft>
-          <a:spcPts val="0"/>
-        </a:spcAft>
-        <a:buClr>
-          <a:schemeClr val="bg2">
-            <a:lumMod val="40000"/>
-            <a:lumOff val="60000"/>
-          </a:schemeClr>
-        </a:buClr>
-        <a:buSzPct val="80000"/>
-        <a:buFont typeface="Wingdings 3" charset="2"/>
-        <a:buChar char=""/>
-        <a:defRPr sz="1400" b="0" i="0" kern="1200">
-          <a:solidFill>
-            <a:schemeClr val="tx1"/>
-          </a:solidFill>
-          <a:latin typeface="+mj-lt"/>
-          <a:ea typeface="+mj-ea"/>
-          <a:cs typeface="+mj-cs"/>
-        </a:defRPr>
-      </a:lvl8pPr>
-      <a:lvl9pPr marL="3886200" indent="-228600" algn="l" defTabSz="457200" rtl="0" eaLnBrk="1" latinLnBrk="0" hangingPunct="1">
-        <a:spcBef>
-          <a:spcPts val="1000"/>
-        </a:spcBef>
-        <a:spcAft>
-          <a:spcPts val="0"/>
-        </a:spcAft>
-        <a:buClr>
-          <a:schemeClr val="bg2">
-            <a:lumMod val="40000"/>
-            <a:lumOff val="60000"/>
-          </a:schemeClr>
-        </a:buClr>
-        <a:buSzPct val="80000"/>
-        <a:buFont typeface="Wingdings 3" charset="2"/>
-        <a:buChar char=""/>
-        <a:defRPr sz="1400" b="0" i="0" kern="1200">
-          <a:solidFill>
-            <a:schemeClr val="tx1"/>
-          </a:solidFill>
-          <a:latin typeface="+mj-lt"/>
-          <a:ea typeface="+mj-ea"/>
-          <a:cs typeface="+mj-cs"/>
+          <a:latin typeface="+mn-lt"/>
+          <a:ea typeface="+mn-ea"/>
+          <a:cs typeface="+mn-cs"/>
         </a:defRPr>
       </a:lvl9pPr>
     </p:bodyStyle>
@@ -5979,7 +6057,7 @@
       <a:defPPr>
         <a:defRPr lang="en-US"/>
       </a:defPPr>
-      <a:lvl1pPr marL="0" algn="l" defTabSz="457200" rtl="0" eaLnBrk="1" latinLnBrk="0" hangingPunct="1">
+      <a:lvl1pPr marL="0" algn="l" defTabSz="914400" rtl="0" eaLnBrk="1" latinLnBrk="0" hangingPunct="1">
         <a:defRPr sz="1800" kern="1200">
           <a:solidFill>
             <a:schemeClr val="tx1"/>
@@ -5989,7 +6067,7 @@
           <a:cs typeface="+mn-cs"/>
         </a:defRPr>
       </a:lvl1pPr>
-      <a:lvl2pPr marL="457200" algn="l" defTabSz="457200" rtl="0" eaLnBrk="1" latinLnBrk="0" hangingPunct="1">
+      <a:lvl2pPr marL="457200" algn="l" defTabSz="914400" rtl="0" eaLnBrk="1" latinLnBrk="0" hangingPunct="1">
         <a:defRPr sz="1800" kern="1200">
           <a:solidFill>
             <a:schemeClr val="tx1"/>
@@ -5999,7 +6077,7 @@
           <a:cs typeface="+mn-cs"/>
         </a:defRPr>
       </a:lvl2pPr>
-      <a:lvl3pPr marL="914400" algn="l" defTabSz="457200" rtl="0" eaLnBrk="1" latinLnBrk="0" hangingPunct="1">
+      <a:lvl3pPr marL="914400" algn="l" defTabSz="914400" rtl="0" eaLnBrk="1" latinLnBrk="0" hangingPunct="1">
         <a:defRPr sz="1800" kern="1200">
           <a:solidFill>
             <a:schemeClr val="tx1"/>
@@ -6009,7 +6087,7 @@
           <a:cs typeface="+mn-cs"/>
         </a:defRPr>
       </a:lvl3pPr>
-      <a:lvl4pPr marL="1371600" algn="l" defTabSz="457200" rtl="0" eaLnBrk="1" latinLnBrk="0" hangingPunct="1">
+      <a:lvl4pPr marL="1371600" algn="l" defTabSz="914400" rtl="0" eaLnBrk="1" latinLnBrk="0" hangingPunct="1">
         <a:defRPr sz="1800" kern="1200">
           <a:solidFill>
             <a:schemeClr val="tx1"/>
@@ -6019,7 +6097,7 @@
           <a:cs typeface="+mn-cs"/>
         </a:defRPr>
       </a:lvl4pPr>
-      <a:lvl5pPr marL="1828800" algn="l" defTabSz="457200" rtl="0" eaLnBrk="1" latinLnBrk="0" hangingPunct="1">
+      <a:lvl5pPr marL="1828800" algn="l" defTabSz="914400" rtl="0" eaLnBrk="1" latinLnBrk="0" hangingPunct="1">
         <a:defRPr sz="1800" kern="1200">
           <a:solidFill>
             <a:schemeClr val="tx1"/>
@@ -6029,7 +6107,7 @@
           <a:cs typeface="+mn-cs"/>
         </a:defRPr>
       </a:lvl5pPr>
-      <a:lvl6pPr marL="2286000" algn="l" defTabSz="457200" rtl="0" eaLnBrk="1" latinLnBrk="0" hangingPunct="1">
+      <a:lvl6pPr marL="2286000" algn="l" defTabSz="914400" rtl="0" eaLnBrk="1" latinLnBrk="0" hangingPunct="1">
         <a:defRPr sz="1800" kern="1200">
           <a:solidFill>
             <a:schemeClr val="tx1"/>
@@ -6039,7 +6117,7 @@
           <a:cs typeface="+mn-cs"/>
         </a:defRPr>
       </a:lvl6pPr>
-      <a:lvl7pPr marL="2743200" algn="l" defTabSz="457200" rtl="0" eaLnBrk="1" latinLnBrk="0" hangingPunct="1">
+      <a:lvl7pPr marL="2743200" algn="l" defTabSz="914400" rtl="0" eaLnBrk="1" latinLnBrk="0" hangingPunct="1">
         <a:defRPr sz="1800" kern="1200">
           <a:solidFill>
             <a:schemeClr val="tx1"/>
@@ -6049,7 +6127,7 @@
           <a:cs typeface="+mn-cs"/>
         </a:defRPr>
       </a:lvl7pPr>
-      <a:lvl8pPr marL="3200400" algn="l" defTabSz="457200" rtl="0" eaLnBrk="1" latinLnBrk="0" hangingPunct="1">
+      <a:lvl8pPr marL="3200400" algn="l" defTabSz="914400" rtl="0" eaLnBrk="1" latinLnBrk="0" hangingPunct="1">
         <a:defRPr sz="1800" kern="1200">
           <a:solidFill>
             <a:schemeClr val="tx1"/>
@@ -6059,7 +6137,7 @@
           <a:cs typeface="+mn-cs"/>
         </a:defRPr>
       </a:lvl8pPr>
-      <a:lvl9pPr marL="3657600" algn="l" defTabSz="457200" rtl="0" eaLnBrk="1" latinLnBrk="0" hangingPunct="1">
+      <a:lvl9pPr marL="3657600" algn="l" defTabSz="914400" rtl="0" eaLnBrk="1" latinLnBrk="0" hangingPunct="1">
         <a:defRPr sz="1800" kern="1200">
           <a:solidFill>
             <a:schemeClr val="tx1"/>
@@ -6096,7 +6174,7 @@
           <p:cNvPr id="2" name="Title 1">
             <a:extLst>
               <a:ext uri="{FF2B5EF4-FFF2-40B4-BE49-F238E27FC236}">
-                <a16:creationId xmlns:a16="http://schemas.microsoft.com/office/drawing/2014/main" id="{5FE8D1D3-0771-37CD-78D5-F856A524608C}"/>
+                <a16:creationId xmlns:a16="http://schemas.microsoft.com/office/drawing/2014/main" id="{9EAD1A81-7212-C206-39CC-25ED13F9BFFC}"/>
               </a:ext>
             </a:extLst>
           </p:cNvPr>
@@ -6107,9 +6185,16 @@
             <p:ph type="title"/>
           </p:nvPr>
         </p:nvSpPr>
-        <p:spPr/>
-        <p:txBody>
-          <a:bodyPr/>
+        <p:spPr>
+          <a:xfrm>
+            <a:off x="179439" y="221465"/>
+            <a:ext cx="5660923" cy="1031056"/>
+          </a:xfrm>
+        </p:spPr>
+        <p:txBody>
+          <a:bodyPr>
+            <a:normAutofit/>
+          </a:bodyPr>
           <a:lstStyle/>
           <a:p>
             <a:r>
@@ -6120,17 +6205,17 @@
       </p:sp>
       <p:pic>
         <p:nvPicPr>
-          <p:cNvPr id="3" name="Picture Placeholder 2" descr="test.png"/>
+          <p:cNvPr id="4" name="Picture Placeholder 3" descr="test.png"/>
           <p:cNvPicPr>
             <a:picLocks noGrp="1" noChangeAspect="1"/>
           </p:cNvPicPr>
           <p:nvPr>
-            <p:ph type="pic" idx="1"/>
+            <p:ph type="pic" idx="15"/>
           </p:nvPr>
         </p:nvPicPr>
         <p:blipFill>
-          <a:blip r:embed="rId2"/>
-          <a:srcRect l="23750" r="23750"/>
+          <a:blip r:embed="rId3"/>
+          <a:srcRect t="8872" b="8872"/>
           <a:stretch>
             <a:fillRect/>
           </a:stretch>
@@ -6139,10 +6224,10 @@
       </p:pic>
       <p:sp>
         <p:nvSpPr>
-          <p:cNvPr id="4" name="Text Placeholder 3">
+          <p:cNvPr id="5" name="Text Placeholder 4">
             <a:extLst>
               <a:ext uri="{FF2B5EF4-FFF2-40B4-BE49-F238E27FC236}">
-                <a16:creationId xmlns:a16="http://schemas.microsoft.com/office/drawing/2014/main" id="{B85FF16B-2F67-CF6E-37EF-72AD5B7356BA}"/>
+                <a16:creationId xmlns:a16="http://schemas.microsoft.com/office/drawing/2014/main" id="{96397FE7-0847-FC6B-2041-94B218AAC48A}"/>
               </a:ext>
             </a:extLst>
           </p:cNvPr>
@@ -6150,10 +6235,15 @@
             <a:spLocks noGrp="1"/>
           </p:cNvSpPr>
           <p:nvPr>
-            <p:ph type="body" sz="half" idx="2"/>
-          </p:nvPr>
-        </p:nvSpPr>
-        <p:spPr/>
+            <p:ph type="body" sz="half" idx="18"/>
+          </p:nvPr>
+        </p:nvSpPr>
+        <p:spPr>
+          <a:xfrm>
+            <a:off x="525839" y="1250213"/>
+            <a:ext cx="6514058" cy="5386322"/>
+          </a:xfrm>
+        </p:spPr>
         <p:txBody>
           <a:bodyPr/>
           <a:lstStyle/>
@@ -6164,10 +6254,72 @@
           </a:p>
         </p:txBody>
       </p:sp>
+      <p:sp>
+        <p:nvSpPr>
+          <p:cNvPr id="8" name="Text Placeholder 7">
+            <a:extLst>
+              <a:ext uri="{FF2B5EF4-FFF2-40B4-BE49-F238E27FC236}">
+                <a16:creationId xmlns:a16="http://schemas.microsoft.com/office/drawing/2014/main" id="{F05B0B58-A4AF-45C6-DC95-0EDA85CB58D0}"/>
+              </a:ext>
+            </a:extLst>
+          </p:cNvPr>
+          <p:cNvSpPr>
+            <a:spLocks noGrp="1"/>
+          </p:cNvSpPr>
+          <p:nvPr>
+            <p:ph type="body" sz="half" idx="19"/>
+          </p:nvPr>
+        </p:nvSpPr>
+        <p:spPr>
+          <a:xfrm>
+            <a:off x="7502051" y="3234814"/>
+            <a:ext cx="4442050" cy="2890684"/>
+          </a:xfrm>
+        </p:spPr>
+        <p:txBody>
+          <a:bodyPr/>
+          <a:lstStyle/>
+          <a:p>
+            <a:r>
+              <a:t>Johnny Mac</a:t>
+            </a:r>
+          </a:p>
+        </p:txBody>
+      </p:sp>
+      <p:pic>
+        <p:nvPicPr>
+          <p:cNvPr id="12" name="IBMLogo" descr="A picture containing drawing&#10;&#10;Description automatically generated">
+            <a:extLst>
+              <a:ext uri="{FF2B5EF4-FFF2-40B4-BE49-F238E27FC236}">
+                <a16:creationId xmlns:a16="http://schemas.microsoft.com/office/drawing/2014/main" id="{29BC27A5-36A3-3379-B510-659E21D5E656}"/>
+              </a:ext>
+            </a:extLst>
+          </p:cNvPr>
+          <p:cNvPicPr>
+            <a:picLocks noChangeAspect="1"/>
+          </p:cNvPicPr>
+          <p:nvPr/>
+        </p:nvPicPr>
+        <p:blipFill rotWithShape="1">
+          <a:blip r:embed="rId2"/>
+          <a:srcRect t="1307" r="5814" b="1"/>
+          <a:stretch/>
+        </p:blipFill>
+        <p:spPr>
+          <a:xfrm>
+            <a:off x="10589707" y="6231794"/>
+            <a:ext cx="1602293" cy="626206"/>
+          </a:xfrm>
+          <a:prstGeom prst="rect">
+            <a:avLst/>
+          </a:prstGeom>
+          <a:noFill/>
+        </p:spPr>
+      </p:pic>
     </p:spTree>
     <p:extLst>
       <p:ext uri="{BB962C8B-B14F-4D97-AF65-F5344CB8AC3E}">
-        <p14:creationId xmlns:p14="http://schemas.microsoft.com/office/powerpoint/2010/main" val="1634580685"/>
+        <p14:creationId xmlns:p14="http://schemas.microsoft.com/office/powerpoint/2010/main" val="433843589"/>
       </p:ext>
     </p:extLst>
   </p:cSld>
@@ -6178,9 +6330,9 @@
 </file>
 
 <file path=ppt/theme/theme1.xml><?xml version="1.0" encoding="utf-8"?>
-<a:theme xmlns:a="http://schemas.openxmlformats.org/drawingml/2006/main" name="Ion">
+<a:theme xmlns:a="http://schemas.openxmlformats.org/drawingml/2006/main" name="Depth">
   <a:themeElements>
-    <a:clrScheme name="Ion">
+    <a:clrScheme name="Depth">
       <a:dk1>
         <a:sysClr val="windowText" lastClr="000000"/>
       </a:dk1>
@@ -6188,44 +6340,305 @@
         <a:sysClr val="window" lastClr="FFFFFF"/>
       </a:lt1>
       <a:dk2>
-        <a:srgbClr val="1E5155"/>
+        <a:srgbClr val="455F51"/>
       </a:dk2>
       <a:lt2>
-        <a:srgbClr val="EBEBEB"/>
+        <a:srgbClr val="94D7E4"/>
       </a:lt2>
       <a:accent1>
-        <a:srgbClr val="B01513"/>
+        <a:srgbClr val="41AEBD"/>
       </a:accent1>
       <a:accent2>
-        <a:srgbClr val="EA6312"/>
+        <a:srgbClr val="97E9D5"/>
       </a:accent2>
       <a:accent3>
-        <a:srgbClr val="E6B729"/>
+        <a:srgbClr val="A2CF49"/>
       </a:accent3>
       <a:accent4>
-        <a:srgbClr val="6AAC90"/>
+        <a:srgbClr val="608F3D"/>
       </a:accent4>
       <a:accent5>
-        <a:srgbClr val="54849A"/>
+        <a:srgbClr val="F4DE3A"/>
       </a:accent5>
       <a:accent6>
-        <a:srgbClr val="9E5E9B"/>
+        <a:srgbClr val="FCB11C"/>
       </a:accent6>
       <a:hlink>
-        <a:srgbClr val="58C1BA"/>
+        <a:srgbClr val="FBCA98"/>
       </a:hlink>
       <a:folHlink>
-        <a:srgbClr val="9DFFCB"/>
+        <a:srgbClr val="D3B86D"/>
       </a:folHlink>
     </a:clrScheme>
-    <a:fontScheme name="Ion">
+    <a:fontScheme name="Depth">
       <a:majorFont>
-        <a:latin typeface="Century Gothic" panose="020B0502020202020204"/>
+        <a:latin typeface="Corbel" panose="020B0503020204020204"/>
         <a:ea typeface=""/>
         <a:cs typeface=""/>
         <a:font script="Jpan" typeface="メイリオ"/>
+        <a:font script="Hang" typeface="HY엽서L"/>
+        <a:font script="Hans" typeface="华文楷体"/>
+        <a:font script="Hant" typeface="新細明體"/>
+        <a:font script="Arab" typeface="Tahoma"/>
+        <a:font script="Hebr" typeface="Miriam"/>
+        <a:font script="Thai" typeface="DilleniaUPC"/>
+        <a:font script="Ethi" typeface="Nyala"/>
+        <a:font script="Beng" typeface="Vrinda"/>
+        <a:font script="Gujr" typeface="Shruti"/>
+        <a:font script="Khmr" typeface="DaunPenh"/>
+        <a:font script="Knda" typeface="Tunga"/>
+        <a:font script="Guru" typeface="Raavi"/>
+        <a:font script="Cans" typeface="Euphemia"/>
+        <a:font script="Cher" typeface="Plantagenet Cherokee"/>
+        <a:font script="Yiii" typeface="Microsoft Yi Baiti"/>
+        <a:font script="Tibt" typeface="Microsoft Himalaya"/>
+        <a:font script="Thaa" typeface="MV Boli"/>
+        <a:font script="Deva" typeface="Mangal"/>
+        <a:font script="Telu" typeface="Gautami"/>
+        <a:font script="Taml" typeface="Latha"/>
+        <a:font script="Syrc" typeface="Estrangelo Edessa"/>
+        <a:font script="Orya" typeface="Kalinga"/>
+        <a:font script="Mlym" typeface="Kartika"/>
+        <a:font script="Laoo" typeface="DokChampa"/>
+        <a:font script="Sinh" typeface="Iskoola Pota"/>
+        <a:font script="Mong" typeface="Mongolian Baiti"/>
+        <a:font script="Viet" typeface="Arial"/>
+        <a:font script="Uigh" typeface="Microsoft Uighur"/>
+        <a:font script="Geor" typeface="Sylfaen"/>
+      </a:majorFont>
+      <a:minorFont>
+        <a:latin typeface="Corbel" panose="020B0503020204020204"/>
+        <a:ea typeface=""/>
+        <a:cs typeface=""/>
+        <a:font script="Jpan" typeface="メイリオ"/>
+        <a:font script="Hang" typeface="HY엽서L"/>
+        <a:font script="Hans" typeface="华文楷体"/>
+        <a:font script="Hant" typeface="新細明體"/>
+        <a:font script="Arab" typeface="Tahoma"/>
+        <a:font script="Hebr" typeface="Miriam"/>
+        <a:font script="Thai" typeface="DilleniaUPC"/>
+        <a:font script="Ethi" typeface="Nyala"/>
+        <a:font script="Beng" typeface="Vrinda"/>
+        <a:font script="Gujr" typeface="Shruti"/>
+        <a:font script="Khmr" typeface="DaunPenh"/>
+        <a:font script="Knda" typeface="Tunga"/>
+        <a:font script="Guru" typeface="Raavi"/>
+        <a:font script="Cans" typeface="Euphemia"/>
+        <a:font script="Cher" typeface="Plantagenet Cherokee"/>
+        <a:font script="Yiii" typeface="Microsoft Yi Baiti"/>
+        <a:font script="Tibt" typeface="Microsoft Himalaya"/>
+        <a:font script="Thaa" typeface="MV Boli"/>
+        <a:font script="Deva" typeface="Mangal"/>
+        <a:font script="Telu" typeface="Gautami"/>
+        <a:font script="Taml" typeface="Latha"/>
+        <a:font script="Syrc" typeface="Estrangelo Edessa"/>
+        <a:font script="Orya" typeface="Kalinga"/>
+        <a:font script="Mlym" typeface="Kartika"/>
+        <a:font script="Laoo" typeface="DokChampa"/>
+        <a:font script="Sinh" typeface="Iskoola Pota"/>
+        <a:font script="Mong" typeface="Mongolian Baiti"/>
+        <a:font script="Viet" typeface="Arial"/>
+        <a:font script="Uigh" typeface="Microsoft Uighur"/>
+        <a:font script="Geor" typeface="Sylfaen"/>
+      </a:minorFont>
+    </a:fontScheme>
+    <a:fmtScheme name="Depth">
+      <a:fillStyleLst>
+        <a:solidFill>
+          <a:schemeClr val="phClr"/>
+        </a:solidFill>
+        <a:gradFill rotWithShape="1">
+          <a:gsLst>
+            <a:gs pos="0">
+              <a:schemeClr val="phClr">
+                <a:lumMod val="110000"/>
+                <a:satMod val="105000"/>
+                <a:tint val="67000"/>
+              </a:schemeClr>
+            </a:gs>
+            <a:gs pos="50000">
+              <a:schemeClr val="phClr">
+                <a:lumMod val="105000"/>
+                <a:satMod val="103000"/>
+                <a:tint val="73000"/>
+              </a:schemeClr>
+            </a:gs>
+            <a:gs pos="100000">
+              <a:schemeClr val="phClr">
+                <a:lumMod val="105000"/>
+                <a:satMod val="109000"/>
+                <a:tint val="81000"/>
+              </a:schemeClr>
+            </a:gs>
+          </a:gsLst>
+          <a:lin ang="5400000" scaled="0"/>
+        </a:gradFill>
+        <a:gradFill rotWithShape="1">
+          <a:gsLst>
+            <a:gs pos="0">
+              <a:schemeClr val="phClr">
+                <a:satMod val="103000"/>
+                <a:lumMod val="102000"/>
+                <a:tint val="94000"/>
+              </a:schemeClr>
+            </a:gs>
+            <a:gs pos="50000">
+              <a:schemeClr val="phClr">
+                <a:satMod val="110000"/>
+                <a:lumMod val="100000"/>
+                <a:shade val="100000"/>
+              </a:schemeClr>
+            </a:gs>
+            <a:gs pos="100000">
+              <a:schemeClr val="phClr">
+                <a:lumMod val="99000"/>
+                <a:satMod val="120000"/>
+                <a:shade val="78000"/>
+              </a:schemeClr>
+            </a:gs>
+          </a:gsLst>
+          <a:lin ang="5400000" scaled="0"/>
+        </a:gradFill>
+      </a:fillStyleLst>
+      <a:lnStyleLst>
+        <a:ln w="6350" cap="flat" cmpd="sng" algn="ctr">
+          <a:solidFill>
+            <a:schemeClr val="phClr"/>
+          </a:solidFill>
+          <a:prstDash val="solid"/>
+          <a:miter lim="800000"/>
+        </a:ln>
+        <a:ln w="12700" cap="flat" cmpd="sng" algn="ctr">
+          <a:solidFill>
+            <a:schemeClr val="phClr"/>
+          </a:solidFill>
+          <a:prstDash val="solid"/>
+          <a:miter lim="800000"/>
+        </a:ln>
+        <a:ln w="19050" cap="flat" cmpd="sng" algn="ctr">
+          <a:solidFill>
+            <a:schemeClr val="phClr"/>
+          </a:solidFill>
+          <a:prstDash val="solid"/>
+          <a:miter lim="800000"/>
+        </a:ln>
+      </a:lnStyleLst>
+      <a:effectStyleLst>
+        <a:effectStyle>
+          <a:effectLst/>
+        </a:effectStyle>
+        <a:effectStyle>
+          <a:effectLst/>
+        </a:effectStyle>
+        <a:effectStyle>
+          <a:effectLst>
+            <a:outerShdw blurRad="57150" dist="19050" dir="5400000" algn="ctr" rotWithShape="0">
+              <a:srgbClr val="000000">
+                <a:alpha val="63000"/>
+              </a:srgbClr>
+            </a:outerShdw>
+          </a:effectLst>
+        </a:effectStyle>
+      </a:effectStyleLst>
+      <a:bgFillStyleLst>
+        <a:solidFill>
+          <a:schemeClr val="phClr"/>
+        </a:solidFill>
+        <a:solidFill>
+          <a:schemeClr val="phClr">
+            <a:tint val="95000"/>
+            <a:satMod val="170000"/>
+          </a:schemeClr>
+        </a:solidFill>
+        <a:gradFill rotWithShape="1">
+          <a:gsLst>
+            <a:gs pos="0">
+              <a:schemeClr val="phClr">
+                <a:tint val="93000"/>
+                <a:satMod val="150000"/>
+                <a:shade val="98000"/>
+                <a:lumMod val="102000"/>
+              </a:schemeClr>
+            </a:gs>
+            <a:gs pos="50000">
+              <a:schemeClr val="phClr">
+                <a:tint val="98000"/>
+                <a:satMod val="130000"/>
+                <a:shade val="90000"/>
+                <a:lumMod val="103000"/>
+              </a:schemeClr>
+            </a:gs>
+            <a:gs pos="100000">
+              <a:schemeClr val="phClr">
+                <a:shade val="63000"/>
+                <a:satMod val="120000"/>
+              </a:schemeClr>
+            </a:gs>
+          </a:gsLst>
+          <a:lin ang="5400000" scaled="0"/>
+        </a:gradFill>
+      </a:bgFillStyleLst>
+    </a:fmtScheme>
+  </a:themeElements>
+  <a:objectDefaults/>
+  <a:extraClrSchemeLst/>
+  <a:extLst>
+    <a:ext uri="{05A4C25C-085E-4340-85A3-A5531E510DB2}">
+      <thm15:themeFamily xmlns:thm15="http://schemas.microsoft.com/office/thememl/2012/main" name="Depth" id="{7BEAFC2A-325C-49C4-AC08-2B765DA903F9}" vid="{1735E755-43E6-43AA-ABA2-C989ECC79AF5}"/>
+    </a:ext>
+  </a:extLst>
+</a:theme>
+</file>
+
+<file path=ppt/theme/theme2.xml><?xml version="1.0" encoding="utf-8"?>
+<a:theme xmlns:a="http://schemas.openxmlformats.org/drawingml/2006/main" name="Office Theme">
+  <a:themeElements>
+    <a:clrScheme name="Office">
+      <a:dk1>
+        <a:sysClr val="windowText" lastClr="000000"/>
+      </a:dk1>
+      <a:lt1>
+        <a:sysClr val="window" lastClr="FFFFFF"/>
+      </a:lt1>
+      <a:dk2>
+        <a:srgbClr val="0E2841"/>
+      </a:dk2>
+      <a:lt2>
+        <a:srgbClr val="E8E8E8"/>
+      </a:lt2>
+      <a:accent1>
+        <a:srgbClr val="156082"/>
+      </a:accent1>
+      <a:accent2>
+        <a:srgbClr val="E97132"/>
+      </a:accent2>
+      <a:accent3>
+        <a:srgbClr val="196B24"/>
+      </a:accent3>
+      <a:accent4>
+        <a:srgbClr val="0F9ED5"/>
+      </a:accent4>
+      <a:accent5>
+        <a:srgbClr val="A02B93"/>
+      </a:accent5>
+      <a:accent6>
+        <a:srgbClr val="4EA72E"/>
+      </a:accent6>
+      <a:hlink>
+        <a:srgbClr val="467886"/>
+      </a:hlink>
+      <a:folHlink>
+        <a:srgbClr val="96607D"/>
+      </a:folHlink>
+    </a:clrScheme>
+    <a:fontScheme name="Office">
+      <a:majorFont>
+        <a:latin typeface="Aptos Display" panose="02110004020202020204"/>
+        <a:ea typeface=""/>
+        <a:cs typeface=""/>
+        <a:font script="Jpan" typeface="游ゴシック Light"/>
         <a:font script="Hang" typeface="맑은 고딕"/>
-        <a:font script="Hans" typeface="宋体"/>
+        <a:font script="Hans" typeface="等线 Light"/>
         <a:font script="Hant" typeface="新細明體"/>
         <a:font script="Arab" typeface="Times New Roman"/>
         <a:font script="Hebr" typeface="Times New Roman"/>
@@ -6253,14 +6666,31 @@
         <a:font script="Viet" typeface="Times New Roman"/>
         <a:font script="Uigh" typeface="Microsoft Uighur"/>
         <a:font script="Geor" typeface="Sylfaen"/>
+        <a:font script="Armn" typeface="Arial"/>
+        <a:font script="Bugi" typeface="Leelawadee UI"/>
+        <a:font script="Bopo" typeface="Microsoft JhengHei"/>
+        <a:font script="Java" typeface="Javanese Text"/>
+        <a:font script="Lisu" typeface="Segoe UI"/>
+        <a:font script="Mymr" typeface="Myanmar Text"/>
+        <a:font script="Nkoo" typeface="Ebrima"/>
+        <a:font script="Olck" typeface="Nirmala UI"/>
+        <a:font script="Osma" typeface="Ebrima"/>
+        <a:font script="Phag" typeface="Phagspa"/>
+        <a:font script="Syrn" typeface="Estrangelo Edessa"/>
+        <a:font script="Syrj" typeface="Estrangelo Edessa"/>
+        <a:font script="Syre" typeface="Estrangelo Edessa"/>
+        <a:font script="Sora" typeface="Nirmala UI"/>
+        <a:font script="Tale" typeface="Microsoft Tai Le"/>
+        <a:font script="Talu" typeface="Microsoft New Tai Lue"/>
+        <a:font script="Tfng" typeface="Ebrima"/>
       </a:majorFont>
       <a:minorFont>
-        <a:latin typeface="Century Gothic" panose="020B0502020202020204"/>
+        <a:latin typeface="Aptos" panose="02110004020202020204"/>
         <a:ea typeface=""/>
         <a:cs typeface=""/>
-        <a:font script="Jpan" typeface="メイリオ"/>
+        <a:font script="Jpan" typeface="游ゴシック"/>
         <a:font script="Hang" typeface="맑은 고딕"/>
-        <a:font script="Hans" typeface="宋体"/>
+        <a:font script="Hans" typeface="等线"/>
         <a:font script="Hant" typeface="新細明體"/>
         <a:font script="Arab" typeface="Arial"/>
         <a:font script="Hebr" typeface="Arial"/>
@@ -6288,9 +6718,26 @@
         <a:font script="Viet" typeface="Arial"/>
         <a:font script="Uigh" typeface="Microsoft Uighur"/>
         <a:font script="Geor" typeface="Sylfaen"/>
+        <a:font script="Armn" typeface="Arial"/>
+        <a:font script="Bugi" typeface="Leelawadee UI"/>
+        <a:font script="Bopo" typeface="Microsoft JhengHei"/>
+        <a:font script="Java" typeface="Javanese Text"/>
+        <a:font script="Lisu" typeface="Segoe UI"/>
+        <a:font script="Mymr" typeface="Myanmar Text"/>
+        <a:font script="Nkoo" typeface="Ebrima"/>
+        <a:font script="Olck" typeface="Nirmala UI"/>
+        <a:font script="Osma" typeface="Ebrima"/>
+        <a:font script="Phag" typeface="Phagspa"/>
+        <a:font script="Syrn" typeface="Estrangelo Edessa"/>
+        <a:font script="Syrj" typeface="Estrangelo Edessa"/>
+        <a:font script="Syre" typeface="Estrangelo Edessa"/>
+        <a:font script="Sora" typeface="Nirmala UI"/>
+        <a:font script="Tale" typeface="Microsoft Tai Le"/>
+        <a:font script="Talu" typeface="Microsoft New Tai Lue"/>
+        <a:font script="Tfng" typeface="Ebrima"/>
       </a:minorFont>
     </a:fontScheme>
-    <a:fmtScheme name="Ion">
+    <a:fmtScheme name="Office">
       <a:fillStyleLst>
         <a:solidFill>
           <a:schemeClr val="phClr"/>
@@ -6299,15 +6746,23 @@
           <a:gsLst>
             <a:gs pos="0">
               <a:schemeClr val="phClr">
-                <a:tint val="64000"/>
-                <a:lumMod val="118000"/>
+                <a:lumMod val="110000"/>
+                <a:satMod val="105000"/>
+                <a:tint val="67000"/>
+              </a:schemeClr>
+            </a:gs>
+            <a:gs pos="50000">
+              <a:schemeClr val="phClr">
+                <a:lumMod val="105000"/>
+                <a:satMod val="103000"/>
+                <a:tint val="73000"/>
               </a:schemeClr>
             </a:gs>
             <a:gs pos="100000">
               <a:schemeClr val="phClr">
-                <a:tint val="92000"/>
-                <a:alpha val="100000"/>
-                <a:lumMod val="110000"/>
+                <a:lumMod val="105000"/>
+                <a:satMod val="109000"/>
+                <a:tint val="81000"/>
               </a:schemeClr>
             </a:gs>
           </a:gsLst>
@@ -6317,14 +6772,23 @@
           <a:gsLst>
             <a:gs pos="0">
               <a:schemeClr val="phClr">
-                <a:tint val="98000"/>
-                <a:lumMod val="114000"/>
+                <a:satMod val="103000"/>
+                <a:lumMod val="102000"/>
+                <a:tint val="94000"/>
+              </a:schemeClr>
+            </a:gs>
+            <a:gs pos="50000">
+              <a:schemeClr val="phClr">
+                <a:satMod val="110000"/>
+                <a:lumMod val="100000"/>
+                <a:shade val="100000"/>
               </a:schemeClr>
             </a:gs>
             <a:gs pos="100000">
               <a:schemeClr val="phClr">
-                <a:shade val="90000"/>
-                <a:lumMod val="84000"/>
+                <a:lumMod val="99000"/>
+                <a:satMod val="120000"/>
+                <a:shade val="78000"/>
               </a:schemeClr>
             </a:gs>
           </a:gsLst>
@@ -6332,23 +6796,26 @@
         </a:gradFill>
       </a:fillStyleLst>
       <a:lnStyleLst>
-        <a:ln w="9525" cap="rnd" cmpd="sng" algn="ctr">
+        <a:ln w="12700" cap="flat" cmpd="sng" algn="ctr">
           <a:solidFill>
             <a:schemeClr val="phClr"/>
           </a:solidFill>
           <a:prstDash val="solid"/>
+          <a:miter lim="800000"/>
         </a:ln>
-        <a:ln w="19050" cap="rnd" cmpd="sng" algn="ctr">
+        <a:ln w="19050" cap="flat" cmpd="sng" algn="ctr">
           <a:solidFill>
             <a:schemeClr val="phClr"/>
           </a:solidFill>
           <a:prstDash val="solid"/>
+          <a:miter lim="800000"/>
         </a:ln>
-        <a:ln w="28575" cap="rnd" cmpd="sng" algn="ctr">
+        <a:ln w="25400" cap="flat" cmpd="sng" algn="ctr">
           <a:solidFill>
             <a:schemeClr val="phClr"/>
           </a:solidFill>
           <a:prstDash val="solid"/>
+          <a:miter lim="800000"/>
         </a:ln>
       </a:lnStyleLst>
       <a:effectStyleLst>
@@ -6356,88 +6823,83 @@
           <a:effectLst/>
         </a:effectStyle>
         <a:effectStyle>
+          <a:effectLst/>
+        </a:effectStyle>
+        <a:effectStyle>
           <a:effectLst>
-            <a:outerShdw blurRad="38100" dist="25400" dir="5400000" rotWithShape="0">
+            <a:outerShdw blurRad="57150" dist="19050" dir="5400000" algn="ctr" rotWithShape="0">
               <a:srgbClr val="000000">
-                <a:alpha val="45000"/>
+                <a:alpha val="63000"/>
               </a:srgbClr>
             </a:outerShdw>
           </a:effectLst>
-        </a:effectStyle>
-        <a:effectStyle>
-          <a:effectLst>
-            <a:outerShdw blurRad="63500" dist="38100" dir="5400000" rotWithShape="0">
-              <a:srgbClr val="000000">
-                <a:alpha val="60000"/>
-              </a:srgbClr>
-            </a:outerShdw>
-          </a:effectLst>
-          <a:scene3d>
-            <a:camera prst="orthographicFront">
-              <a:rot lat="0" lon="0" rev="0"/>
-            </a:camera>
-            <a:lightRig rig="threePt" dir="tl"/>
-          </a:scene3d>
-          <a:sp3d prstMaterial="plastic">
-            <a:bevelT w="0" h="0"/>
-          </a:sp3d>
         </a:effectStyle>
       </a:effectStyleLst>
       <a:bgFillStyleLst>
         <a:solidFill>
           <a:schemeClr val="phClr"/>
         </a:solidFill>
+        <a:solidFill>
+          <a:schemeClr val="phClr">
+            <a:tint val="95000"/>
+            <a:satMod val="170000"/>
+          </a:schemeClr>
+        </a:solidFill>
         <a:gradFill rotWithShape="1">
           <a:gsLst>
             <a:gs pos="0">
               <a:schemeClr val="phClr">
-                <a:tint val="97000"/>
-                <a:hueMod val="88000"/>
+                <a:tint val="93000"/>
+                <a:satMod val="150000"/>
+                <a:shade val="98000"/>
+                <a:lumMod val="102000"/>
+              </a:schemeClr>
+            </a:gs>
+            <a:gs pos="50000">
+              <a:schemeClr val="phClr">
+                <a:tint val="98000"/>
                 <a:satMod val="130000"/>
-                <a:lumMod val="124000"/>
+                <a:shade val="90000"/>
+                <a:lumMod val="103000"/>
               </a:schemeClr>
             </a:gs>
             <a:gs pos="100000">
               <a:schemeClr val="phClr">
-                <a:tint val="96000"/>
-                <a:shade val="88000"/>
-                <a:hueMod val="108000"/>
-                <a:satMod val="164000"/>
-                <a:lumMod val="76000"/>
+                <a:shade val="63000"/>
+                <a:satMod val="120000"/>
               </a:schemeClr>
             </a:gs>
           </a:gsLst>
-          <a:path path="circle">
-            <a:fillToRect l="45000" t="65000" r="125000" b="100000"/>
-          </a:path>
+          <a:lin ang="5400000" scaled="0"/>
         </a:gradFill>
-        <a:blipFill rotWithShape="1">
-          <a:blip xmlns:r="http://schemas.openxmlformats.org/officeDocument/2006/relationships" r:embed="rId1">
-            <a:duotone>
-              <a:schemeClr val="phClr">
-                <a:shade val="69000"/>
-                <a:hueMod val="108000"/>
-                <a:satMod val="164000"/>
-                <a:lumMod val="74000"/>
-              </a:schemeClr>
-              <a:schemeClr val="phClr">
-                <a:tint val="96000"/>
-                <a:hueMod val="88000"/>
-                <a:satMod val="140000"/>
-                <a:lumMod val="132000"/>
-              </a:schemeClr>
-            </a:duotone>
-          </a:blip>
-          <a:stretch/>
-        </a:blipFill>
       </a:bgFillStyleLst>
     </a:fmtScheme>
   </a:themeElements>
-  <a:objectDefaults/>
+  <a:objectDefaults>
+    <a:lnDef>
+      <a:spPr/>
+      <a:bodyPr/>
+      <a:lstStyle/>
+      <a:style>
+        <a:lnRef idx="2">
+          <a:schemeClr val="accent1"/>
+        </a:lnRef>
+        <a:fillRef idx="0">
+          <a:schemeClr val="accent1"/>
+        </a:fillRef>
+        <a:effectRef idx="1">
+          <a:schemeClr val="accent1"/>
+        </a:effectRef>
+        <a:fontRef idx="minor">
+          <a:schemeClr val="tx1"/>
+        </a:fontRef>
+      </a:style>
+    </a:lnDef>
+  </a:objectDefaults>
   <a:extraClrSchemeLst/>
   <a:extLst>
     <a:ext uri="{05A4C25C-085E-4340-85A3-A5531E510DB2}">
-      <thm15:themeFamily xmlns:thm15="http://schemas.microsoft.com/office/thememl/2012/main" name="Ion" id="{B8441ADB-2E43-4AF7-B97A-BD870242C6A8}" vid="{292E63A9-BB86-4E3D-B92A-7223C6510D2E}"/>
+      <thm15:themeFamily xmlns:thm15="http://schemas.microsoft.com/office/thememl/2012/main" name="Office Theme" id="{2E142A2C-CD16-42D6-873A-C26D2A0506FA}" vid="{1BDDFF52-6CD6-40A5-AB3C-68EB2F1E4D0A}"/>
     </a:ext>
   </a:extLst>
 </a:theme>

--- a/backend/powerpoint/created_slides/test3.pptx
+++ b/backend/powerpoint/created_slides/test3.pptx
@@ -197,7 +197,7 @@
           <a:p>
             <a:fld id="{870CC9C5-3247-4881-93EA-827EC4A1B973}" type="datetimeFigureOut">
               <a:rPr lang="en-GB" smtClean="0"/>
-              <a:t>14/02/2025</a:t>
+              <a:t>15/02/2025</a:t>
             </a:fld>
             <a:endParaRPr lang="en-GB"/>
           </a:p>
@@ -660,7 +660,7 @@
           <a:p>
             <a:fld id="{FEBFF904-F2FC-44B1-B43E-CB1CA4DC4CA9}" type="datetime1">
               <a:rPr lang="en-GB" smtClean="0"/>
-              <a:t>14/02/2025</a:t>
+              <a:t>15/02/2025</a:t>
             </a:fld>
             <a:endParaRPr lang="en-GB"/>
           </a:p>
@@ -941,7 +941,7 @@
           <a:p>
             <a:fld id="{3B192CD6-5CA0-4FE4-BECD-124F6938392F}" type="datetime1">
               <a:rPr lang="en-GB" smtClean="0"/>
-              <a:t>14/02/2025</a:t>
+              <a:t>15/02/2025</a:t>
             </a:fld>
             <a:endParaRPr lang="en-GB"/>
           </a:p>
@@ -1133,7 +1133,7 @@
           <a:p>
             <a:fld id="{FBEF7C8E-40FA-48A5-A31D-4409170EAF57}" type="datetime1">
               <a:rPr lang="en-GB" smtClean="0"/>
-              <a:t>14/02/2025</a:t>
+              <a:t>15/02/2025</a:t>
             </a:fld>
             <a:endParaRPr lang="en-GB"/>
           </a:p>
@@ -1394,7 +1394,7 @@
           <a:p>
             <a:fld id="{1778426D-CFCF-477A-BFB2-E5C3A81B9699}" type="datetime1">
               <a:rPr lang="en-GB" smtClean="0"/>
-              <a:t>14/02/2025</a:t>
+              <a:t>15/02/2025</a:t>
             </a:fld>
             <a:endParaRPr lang="en-GB"/>
           </a:p>
@@ -1820,7 +1820,7 @@
           <a:p>
             <a:fld id="{562F7DCD-054A-46B6-969D-786A70B73437}" type="datetime1">
               <a:rPr lang="en-GB" smtClean="0"/>
-              <a:t>14/02/2025</a:t>
+              <a:t>15/02/2025</a:t>
             </a:fld>
             <a:endParaRPr lang="en-GB"/>
           </a:p>
@@ -2366,7 +2366,7 @@
           <a:p>
             <a:fld id="{71D9CBD8-4758-492A-A2A3-9FD0A4C920D4}" type="datetime1">
               <a:rPr lang="en-GB" smtClean="0"/>
-              <a:t>14/02/2025</a:t>
+              <a:t>15/02/2025</a:t>
             </a:fld>
             <a:endParaRPr lang="en-GB"/>
           </a:p>
@@ -3197,7 +3197,7 @@
           <a:p>
             <a:fld id="{3B13688B-08D2-4869-814F-77D13FA477E7}" type="datetime1">
               <a:rPr lang="en-GB" smtClean="0"/>
-              <a:t>14/02/2025</a:t>
+              <a:t>15/02/2025</a:t>
             </a:fld>
             <a:endParaRPr lang="en-GB"/>
           </a:p>
@@ -3367,7 +3367,7 @@
           <a:p>
             <a:fld id="{A7F01AB9-881B-4D32-8098-63D8EE43798E}" type="datetime1">
               <a:rPr lang="en-GB" smtClean="0"/>
-              <a:t>14/02/2025</a:t>
+              <a:t>15/02/2025</a:t>
             </a:fld>
             <a:endParaRPr lang="en-GB"/>
           </a:p>
@@ -3547,7 +3547,7 @@
           <a:p>
             <a:fld id="{6BB3DA4D-9E84-4BA2-86EA-732034ABB9B4}" type="datetime1">
               <a:rPr lang="en-GB" smtClean="0"/>
-              <a:t>14/02/2025</a:t>
+              <a:t>15/02/2025</a:t>
             </a:fld>
             <a:endParaRPr lang="en-GB"/>
           </a:p>
@@ -3717,7 +3717,7 @@
           <a:p>
             <a:fld id="{5436715F-F413-47D4-8CBA-8B84BE9F51D8}" type="datetime1">
               <a:rPr lang="en-GB" smtClean="0"/>
-              <a:t>14/02/2025</a:t>
+              <a:t>15/02/2025</a:t>
             </a:fld>
             <a:endParaRPr lang="en-GB"/>
           </a:p>
@@ -3974,7 +3974,7 @@
           <a:p>
             <a:fld id="{2E40C26F-2385-4DCA-A233-934715856DD8}" type="datetime1">
               <a:rPr lang="en-GB" smtClean="0"/>
-              <a:t>14/02/2025</a:t>
+              <a:t>15/02/2025</a:t>
             </a:fld>
             <a:endParaRPr lang="en-GB"/>
           </a:p>
@@ -4206,7 +4206,7 @@
           <a:p>
             <a:fld id="{02551839-9C6E-4AFA-A77A-EFF7591ABD9F}" type="datetime1">
               <a:rPr lang="en-GB" smtClean="0"/>
-              <a:t>14/02/2025</a:t>
+              <a:t>15/02/2025</a:t>
             </a:fld>
             <a:endParaRPr lang="en-GB"/>
           </a:p>
@@ -4599,7 +4599,7 @@
           <a:p>
             <a:fld id="{A08CEAB6-1322-438C-8456-FF1424EBCBE0}" type="datetime1">
               <a:rPr lang="en-GB" smtClean="0"/>
-              <a:t>14/02/2025</a:t>
+              <a:t>15/02/2025</a:t>
             </a:fld>
             <a:endParaRPr lang="en-GB"/>
           </a:p>
@@ -4717,7 +4717,7 @@
           <a:p>
             <a:fld id="{4B3885A3-CBB0-42F5-8367-8C61CA538BB9}" type="datetime1">
               <a:rPr lang="en-GB" smtClean="0"/>
-              <a:t>14/02/2025</a:t>
+              <a:t>15/02/2025</a:t>
             </a:fld>
             <a:endParaRPr lang="en-GB"/>
           </a:p>
@@ -4812,7 +4812,7 @@
           <a:p>
             <a:fld id="{2EE8FF3B-CCD0-4512-B0A3-91E2F9BBBC9A}" type="datetime1">
               <a:rPr lang="en-GB" smtClean="0"/>
-              <a:t>14/02/2025</a:t>
+              <a:t>15/02/2025</a:t>
             </a:fld>
             <a:endParaRPr lang="en-GB"/>
           </a:p>
@@ -5085,7 +5085,7 @@
           <a:p>
             <a:fld id="{4592F7CD-8F55-4E9D-B1E9-CD64F3D4D60C}" type="datetime1">
               <a:rPr lang="en-GB" smtClean="0"/>
-              <a:t>14/02/2025</a:t>
+              <a:t>15/02/2025</a:t>
             </a:fld>
             <a:endParaRPr lang="en-GB"/>
           </a:p>
@@ -5366,7 +5366,7 @@
           <a:p>
             <a:fld id="{4A62C000-05F7-48E1-8091-A26E7E5100BC}" type="datetime1">
               <a:rPr lang="en-GB" smtClean="0"/>
-              <a:t>14/02/2025</a:t>
+              <a:t>15/02/2025</a:t>
             </a:fld>
             <a:endParaRPr lang="en-GB"/>
           </a:p>
@@ -5606,7 +5606,7 @@
           <a:p>
             <a:fld id="{A6167571-A7EE-46D1-89BA-B10F682DEF10}" type="datetime1">
               <a:rPr lang="en-GB" smtClean="0"/>
-              <a:t>14/02/2025</a:t>
+              <a:t>15/02/2025</a:t>
             </a:fld>
             <a:endParaRPr lang="en-GB"/>
           </a:p>
@@ -6203,25 +6203,6 @@
           </a:p>
         </p:txBody>
       </p:sp>
-      <p:pic>
-        <p:nvPicPr>
-          <p:cNvPr id="4" name="Picture Placeholder 3" descr="test.png"/>
-          <p:cNvPicPr>
-            <a:picLocks noGrp="1" noChangeAspect="1"/>
-          </p:cNvPicPr>
-          <p:nvPr>
-            <p:ph type="pic" idx="15"/>
-          </p:nvPr>
-        </p:nvPicPr>
-        <p:blipFill>
-          <a:blip r:embed="rId3"/>
-          <a:srcRect t="8872" b="8872"/>
-          <a:stretch>
-            <a:fillRect/>
-          </a:stretch>
-        </p:blipFill>
-        <p:spPr/>
-      </p:pic>
       <p:sp>
         <p:nvSpPr>
           <p:cNvPr id="5" name="Text Placeholder 4">
@@ -6314,6 +6295,30 @@
             <a:avLst/>
           </a:prstGeom>
           <a:noFill/>
+        </p:spPr>
+      </p:pic>
+      <p:pic>
+        <p:nvPicPr>
+          <p:cNvPr id="13" name="Picture 12" descr="test.png"/>
+          <p:cNvPicPr>
+            <a:picLocks noChangeAspect="1"/>
+          </p:cNvPicPr>
+          <p:nvPr/>
+        </p:nvPicPr>
+        <p:blipFill>
+          <a:blip r:embed="rId3"/>
+          <a:stretch>
+            <a:fillRect/>
+          </a:stretch>
+        </p:blipFill>
+        <p:spPr>
+          <a:xfrm>
+            <a:off x="7502051" y="570271"/>
+            <a:ext cx="3952530" cy="2438400"/>
+          </a:xfrm>
+          <a:prstGeom prst="rect">
+            <a:avLst/>
+          </a:prstGeom>
         </p:spPr>
       </p:pic>
     </p:spTree>

--- a/backend/powerpoint/created_slides/test3.pptx
+++ b/backend/powerpoint/created_slides/test3.pptx
@@ -197,7 +197,7 @@
           <a:p>
             <a:fld id="{870CC9C5-3247-4881-93EA-827EC4A1B973}" type="datetimeFigureOut">
               <a:rPr lang="en-GB" smtClean="0"/>
-              <a:t>15/02/2025</a:t>
+              <a:t>17/02/2025</a:t>
             </a:fld>
             <a:endParaRPr lang="en-GB"/>
           </a:p>
@@ -660,7 +660,7 @@
           <a:p>
             <a:fld id="{FEBFF904-F2FC-44B1-B43E-CB1CA4DC4CA9}" type="datetime1">
               <a:rPr lang="en-GB" smtClean="0"/>
-              <a:t>15/02/2025</a:t>
+              <a:t>17/02/2025</a:t>
             </a:fld>
             <a:endParaRPr lang="en-GB"/>
           </a:p>
@@ -941,7 +941,7 @@
           <a:p>
             <a:fld id="{3B192CD6-5CA0-4FE4-BECD-124F6938392F}" type="datetime1">
               <a:rPr lang="en-GB" smtClean="0"/>
-              <a:t>15/02/2025</a:t>
+              <a:t>17/02/2025</a:t>
             </a:fld>
             <a:endParaRPr lang="en-GB"/>
           </a:p>
@@ -1133,7 +1133,7 @@
           <a:p>
             <a:fld id="{FBEF7C8E-40FA-48A5-A31D-4409170EAF57}" type="datetime1">
               <a:rPr lang="en-GB" smtClean="0"/>
-              <a:t>15/02/2025</a:t>
+              <a:t>17/02/2025</a:t>
             </a:fld>
             <a:endParaRPr lang="en-GB"/>
           </a:p>
@@ -1394,7 +1394,7 @@
           <a:p>
             <a:fld id="{1778426D-CFCF-477A-BFB2-E5C3A81B9699}" type="datetime1">
               <a:rPr lang="en-GB" smtClean="0"/>
-              <a:t>15/02/2025</a:t>
+              <a:t>17/02/2025</a:t>
             </a:fld>
             <a:endParaRPr lang="en-GB"/>
           </a:p>
@@ -1820,7 +1820,7 @@
           <a:p>
             <a:fld id="{562F7DCD-054A-46B6-969D-786A70B73437}" type="datetime1">
               <a:rPr lang="en-GB" smtClean="0"/>
-              <a:t>15/02/2025</a:t>
+              <a:t>17/02/2025</a:t>
             </a:fld>
             <a:endParaRPr lang="en-GB"/>
           </a:p>
@@ -2366,7 +2366,7 @@
           <a:p>
             <a:fld id="{71D9CBD8-4758-492A-A2A3-9FD0A4C920D4}" type="datetime1">
               <a:rPr lang="en-GB" smtClean="0"/>
-              <a:t>15/02/2025</a:t>
+              <a:t>17/02/2025</a:t>
             </a:fld>
             <a:endParaRPr lang="en-GB"/>
           </a:p>
@@ -3197,7 +3197,7 @@
           <a:p>
             <a:fld id="{3B13688B-08D2-4869-814F-77D13FA477E7}" type="datetime1">
               <a:rPr lang="en-GB" smtClean="0"/>
-              <a:t>15/02/2025</a:t>
+              <a:t>17/02/2025</a:t>
             </a:fld>
             <a:endParaRPr lang="en-GB"/>
           </a:p>
@@ -3367,7 +3367,7 @@
           <a:p>
             <a:fld id="{A7F01AB9-881B-4D32-8098-63D8EE43798E}" type="datetime1">
               <a:rPr lang="en-GB" smtClean="0"/>
-              <a:t>15/02/2025</a:t>
+              <a:t>17/02/2025</a:t>
             </a:fld>
             <a:endParaRPr lang="en-GB"/>
           </a:p>
@@ -3547,7 +3547,7 @@
           <a:p>
             <a:fld id="{6BB3DA4D-9E84-4BA2-86EA-732034ABB9B4}" type="datetime1">
               <a:rPr lang="en-GB" smtClean="0"/>
-              <a:t>15/02/2025</a:t>
+              <a:t>17/02/2025</a:t>
             </a:fld>
             <a:endParaRPr lang="en-GB"/>
           </a:p>
@@ -3717,7 +3717,7 @@
           <a:p>
             <a:fld id="{5436715F-F413-47D4-8CBA-8B84BE9F51D8}" type="datetime1">
               <a:rPr lang="en-GB" smtClean="0"/>
-              <a:t>15/02/2025</a:t>
+              <a:t>17/02/2025</a:t>
             </a:fld>
             <a:endParaRPr lang="en-GB"/>
           </a:p>
@@ -3974,7 +3974,7 @@
           <a:p>
             <a:fld id="{2E40C26F-2385-4DCA-A233-934715856DD8}" type="datetime1">
               <a:rPr lang="en-GB" smtClean="0"/>
-              <a:t>15/02/2025</a:t>
+              <a:t>17/02/2025</a:t>
             </a:fld>
             <a:endParaRPr lang="en-GB"/>
           </a:p>
@@ -4206,7 +4206,7 @@
           <a:p>
             <a:fld id="{02551839-9C6E-4AFA-A77A-EFF7591ABD9F}" type="datetime1">
               <a:rPr lang="en-GB" smtClean="0"/>
-              <a:t>15/02/2025</a:t>
+              <a:t>17/02/2025</a:t>
             </a:fld>
             <a:endParaRPr lang="en-GB"/>
           </a:p>
@@ -4599,7 +4599,7 @@
           <a:p>
             <a:fld id="{A08CEAB6-1322-438C-8456-FF1424EBCBE0}" type="datetime1">
               <a:rPr lang="en-GB" smtClean="0"/>
-              <a:t>15/02/2025</a:t>
+              <a:t>17/02/2025</a:t>
             </a:fld>
             <a:endParaRPr lang="en-GB"/>
           </a:p>
@@ -4717,7 +4717,7 @@
           <a:p>
             <a:fld id="{4B3885A3-CBB0-42F5-8367-8C61CA538BB9}" type="datetime1">
               <a:rPr lang="en-GB" smtClean="0"/>
-              <a:t>15/02/2025</a:t>
+              <a:t>17/02/2025</a:t>
             </a:fld>
             <a:endParaRPr lang="en-GB"/>
           </a:p>
@@ -4812,7 +4812,7 @@
           <a:p>
             <a:fld id="{2EE8FF3B-CCD0-4512-B0A3-91E2F9BBBC9A}" type="datetime1">
               <a:rPr lang="en-GB" smtClean="0"/>
-              <a:t>15/02/2025</a:t>
+              <a:t>17/02/2025</a:t>
             </a:fld>
             <a:endParaRPr lang="en-GB"/>
           </a:p>
@@ -5085,7 +5085,7 @@
           <a:p>
             <a:fld id="{4592F7CD-8F55-4E9D-B1E9-CD64F3D4D60C}" type="datetime1">
               <a:rPr lang="en-GB" smtClean="0"/>
-              <a:t>15/02/2025</a:t>
+              <a:t>17/02/2025</a:t>
             </a:fld>
             <a:endParaRPr lang="en-GB"/>
           </a:p>
@@ -5366,7 +5366,7 @@
           <a:p>
             <a:fld id="{4A62C000-05F7-48E1-8091-A26E7E5100BC}" type="datetime1">
               <a:rPr lang="en-GB" smtClean="0"/>
-              <a:t>15/02/2025</a:t>
+              <a:t>17/02/2025</a:t>
             </a:fld>
             <a:endParaRPr lang="en-GB"/>
           </a:p>
@@ -5606,7 +5606,7 @@
           <a:p>
             <a:fld id="{A6167571-A7EE-46D1-89BA-B10F682DEF10}" type="datetime1">
               <a:rPr lang="en-GB" smtClean="0"/>
-              <a:t>15/02/2025</a:t>
+              <a:t>17/02/2025</a:t>
             </a:fld>
             <a:endParaRPr lang="en-GB"/>
           </a:p>
@@ -6282,7 +6282,7 @@
           <p:nvPr/>
         </p:nvPicPr>
         <p:blipFill rotWithShape="1">
-          <a:blip r:embed="rId2"/>
+          <a:blip r:embed="rId3"/>
           <a:srcRect t="1307" r="5814" b="1"/>
           <a:stretch/>
         </p:blipFill>
@@ -6306,15 +6306,15 @@
           <p:nvPr/>
         </p:nvPicPr>
         <p:blipFill>
-          <a:blip r:embed="rId3"/>
+          <a:blip r:embed="rId4"/>
           <a:stretch>
             <a:fillRect/>
           </a:stretch>
         </p:blipFill>
         <p:spPr>
           <a:xfrm>
-            <a:off x="7502051" y="570271"/>
-            <a:ext cx="3952530" cy="2438400"/>
+            <a:off x="7502525" y="569913"/>
+            <a:ext cx="3951288" cy="2438400"/>
           </a:xfrm>
           <a:prstGeom prst="rect">
             <a:avLst/>
